--- a/final-presentation/final_presentation.pptx
+++ b/final-presentation/final_presentation.pptx
@@ -5,10 +5,10 @@
     <p:sldMasterId id="2147483648" r:id="rId1"/>
   </p:sldMasterIdLst>
   <p:notesMasterIdLst>
-    <p:notesMasterId r:id="rId10"/>
+    <p:notesMasterId r:id="rId9"/>
   </p:notesMasterIdLst>
   <p:handoutMasterIdLst>
-    <p:handoutMasterId r:id="rId11"/>
+    <p:handoutMasterId r:id="rId10"/>
   </p:handoutMasterIdLst>
   <p:sldIdLst>
     <p:sldId id="260" r:id="rId2"/>
@@ -17,8 +17,7 @@
     <p:sldId id="268" r:id="rId5"/>
     <p:sldId id="264" r:id="rId6"/>
     <p:sldId id="265" r:id="rId7"/>
-    <p:sldId id="266" r:id="rId8"/>
-    <p:sldId id="269" r:id="rId9"/>
+    <p:sldId id="269" r:id="rId8"/>
   </p:sldIdLst>
   <p:sldSz cx="9144000" cy="5143500" type="screen16x9"/>
   <p:notesSz cx="6858000" cy="9144000"/>
@@ -128,6 +127,3004 @@
 </p:presentation>
 </file>
 
+<file path=ppt/diagrams/colors1.xml><?xml version="1.0" encoding="utf-8"?>
+<dgm:colorsDef xmlns:dgm="http://schemas.openxmlformats.org/drawingml/2006/diagram" xmlns:a="http://schemas.openxmlformats.org/drawingml/2006/main" uniqueId="urn:microsoft.com/office/officeart/2005/8/colors/accent1_2">
+  <dgm:title val=""/>
+  <dgm:desc val=""/>
+  <dgm:catLst>
+    <dgm:cat type="accent1" pri="11200"/>
+  </dgm:catLst>
+  <dgm:styleLbl name="node0">
+    <dgm:fillClrLst meth="repeat">
+      <a:schemeClr val="accent1"/>
+    </dgm:fillClrLst>
+    <dgm:linClrLst meth="repeat">
+      <a:schemeClr val="lt1"/>
+    </dgm:linClrLst>
+    <dgm:effectClrLst/>
+    <dgm:txLinClrLst/>
+    <dgm:txFillClrLst/>
+    <dgm:txEffectClrLst/>
+  </dgm:styleLbl>
+  <dgm:styleLbl name="alignNode1">
+    <dgm:fillClrLst meth="repeat">
+      <a:schemeClr val="accent1"/>
+    </dgm:fillClrLst>
+    <dgm:linClrLst meth="repeat">
+      <a:schemeClr val="accent1"/>
+    </dgm:linClrLst>
+    <dgm:effectClrLst/>
+    <dgm:txLinClrLst/>
+    <dgm:txFillClrLst/>
+    <dgm:txEffectClrLst/>
+  </dgm:styleLbl>
+  <dgm:styleLbl name="node1">
+    <dgm:fillClrLst meth="repeat">
+      <a:schemeClr val="accent1"/>
+    </dgm:fillClrLst>
+    <dgm:linClrLst meth="repeat">
+      <a:schemeClr val="lt1"/>
+    </dgm:linClrLst>
+    <dgm:effectClrLst/>
+    <dgm:txLinClrLst/>
+    <dgm:txFillClrLst/>
+    <dgm:txEffectClrLst/>
+  </dgm:styleLbl>
+  <dgm:styleLbl name="lnNode1">
+    <dgm:fillClrLst meth="repeat">
+      <a:schemeClr val="accent1"/>
+    </dgm:fillClrLst>
+    <dgm:linClrLst meth="repeat">
+      <a:schemeClr val="lt1"/>
+    </dgm:linClrLst>
+    <dgm:effectClrLst/>
+    <dgm:txLinClrLst/>
+    <dgm:txFillClrLst/>
+    <dgm:txEffectClrLst/>
+  </dgm:styleLbl>
+  <dgm:styleLbl name="vennNode1">
+    <dgm:fillClrLst meth="repeat">
+      <a:schemeClr val="accent1">
+        <a:alpha val="50000"/>
+      </a:schemeClr>
+    </dgm:fillClrLst>
+    <dgm:linClrLst meth="repeat">
+      <a:schemeClr val="lt1"/>
+    </dgm:linClrLst>
+    <dgm:effectClrLst/>
+    <dgm:txLinClrLst/>
+    <dgm:txFillClrLst/>
+    <dgm:txEffectClrLst/>
+  </dgm:styleLbl>
+  <dgm:styleLbl name="node2">
+    <dgm:fillClrLst meth="repeat">
+      <a:schemeClr val="accent1"/>
+    </dgm:fillClrLst>
+    <dgm:linClrLst meth="repeat">
+      <a:schemeClr val="lt1"/>
+    </dgm:linClrLst>
+    <dgm:effectClrLst/>
+    <dgm:txLinClrLst/>
+    <dgm:txFillClrLst/>
+    <dgm:txEffectClrLst/>
+  </dgm:styleLbl>
+  <dgm:styleLbl name="node3">
+    <dgm:fillClrLst meth="repeat">
+      <a:schemeClr val="accent1"/>
+    </dgm:fillClrLst>
+    <dgm:linClrLst meth="repeat">
+      <a:schemeClr val="lt1"/>
+    </dgm:linClrLst>
+    <dgm:effectClrLst/>
+    <dgm:txLinClrLst/>
+    <dgm:txFillClrLst/>
+    <dgm:txEffectClrLst/>
+  </dgm:styleLbl>
+  <dgm:styleLbl name="node4">
+    <dgm:fillClrLst meth="repeat">
+      <a:schemeClr val="accent1"/>
+    </dgm:fillClrLst>
+    <dgm:linClrLst meth="repeat">
+      <a:schemeClr val="lt1"/>
+    </dgm:linClrLst>
+    <dgm:effectClrLst/>
+    <dgm:txLinClrLst/>
+    <dgm:txFillClrLst/>
+    <dgm:txEffectClrLst/>
+  </dgm:styleLbl>
+  <dgm:styleLbl name="fgImgPlace1">
+    <dgm:fillClrLst meth="repeat">
+      <a:schemeClr val="accent1">
+        <a:tint val="50000"/>
+      </a:schemeClr>
+    </dgm:fillClrLst>
+    <dgm:linClrLst meth="repeat">
+      <a:schemeClr val="lt1"/>
+    </dgm:linClrLst>
+    <dgm:effectClrLst/>
+    <dgm:txLinClrLst/>
+    <dgm:txFillClrLst meth="repeat">
+      <a:schemeClr val="lt1"/>
+    </dgm:txFillClrLst>
+    <dgm:txEffectClrLst/>
+  </dgm:styleLbl>
+  <dgm:styleLbl name="alignImgPlace1">
+    <dgm:fillClrLst meth="repeat">
+      <a:schemeClr val="accent1">
+        <a:tint val="50000"/>
+      </a:schemeClr>
+    </dgm:fillClrLst>
+    <dgm:linClrLst meth="repeat">
+      <a:schemeClr val="lt1"/>
+    </dgm:linClrLst>
+    <dgm:effectClrLst/>
+    <dgm:txLinClrLst/>
+    <dgm:txFillClrLst meth="repeat">
+      <a:schemeClr val="lt1"/>
+    </dgm:txFillClrLst>
+    <dgm:txEffectClrLst/>
+  </dgm:styleLbl>
+  <dgm:styleLbl name="bgImgPlace1">
+    <dgm:fillClrLst meth="repeat">
+      <a:schemeClr val="accent1">
+        <a:tint val="50000"/>
+      </a:schemeClr>
+    </dgm:fillClrLst>
+    <dgm:linClrLst meth="repeat">
+      <a:schemeClr val="lt1"/>
+    </dgm:linClrLst>
+    <dgm:effectClrLst/>
+    <dgm:txLinClrLst/>
+    <dgm:txFillClrLst meth="repeat">
+      <a:schemeClr val="lt1"/>
+    </dgm:txFillClrLst>
+    <dgm:txEffectClrLst/>
+  </dgm:styleLbl>
+  <dgm:styleLbl name="sibTrans2D1">
+    <dgm:fillClrLst meth="repeat">
+      <a:schemeClr val="accent1">
+        <a:tint val="60000"/>
+      </a:schemeClr>
+    </dgm:fillClrLst>
+    <dgm:linClrLst meth="repeat">
+      <a:schemeClr val="accent1">
+        <a:tint val="60000"/>
+      </a:schemeClr>
+    </dgm:linClrLst>
+    <dgm:effectClrLst/>
+    <dgm:txLinClrLst/>
+    <dgm:txFillClrLst/>
+    <dgm:txEffectClrLst/>
+  </dgm:styleLbl>
+  <dgm:styleLbl name="fgSibTrans2D1">
+    <dgm:fillClrLst meth="repeat">
+      <a:schemeClr val="accent1">
+        <a:tint val="60000"/>
+      </a:schemeClr>
+    </dgm:fillClrLst>
+    <dgm:linClrLst meth="repeat">
+      <a:schemeClr val="accent1">
+        <a:tint val="60000"/>
+      </a:schemeClr>
+    </dgm:linClrLst>
+    <dgm:effectClrLst/>
+    <dgm:txLinClrLst/>
+    <dgm:txFillClrLst/>
+    <dgm:txEffectClrLst/>
+  </dgm:styleLbl>
+  <dgm:styleLbl name="bgSibTrans2D1">
+    <dgm:fillClrLst meth="repeat">
+      <a:schemeClr val="accent1">
+        <a:tint val="60000"/>
+      </a:schemeClr>
+    </dgm:fillClrLst>
+    <dgm:linClrLst meth="repeat">
+      <a:schemeClr val="accent1">
+        <a:tint val="60000"/>
+      </a:schemeClr>
+    </dgm:linClrLst>
+    <dgm:effectClrLst/>
+    <dgm:txLinClrLst/>
+    <dgm:txFillClrLst/>
+    <dgm:txEffectClrLst/>
+  </dgm:styleLbl>
+  <dgm:styleLbl name="sibTrans1D1">
+    <dgm:fillClrLst meth="repeat">
+      <a:schemeClr val="accent1"/>
+    </dgm:fillClrLst>
+    <dgm:linClrLst meth="repeat">
+      <a:schemeClr val="accent1"/>
+    </dgm:linClrLst>
+    <dgm:effectClrLst/>
+    <dgm:txLinClrLst/>
+    <dgm:txFillClrLst meth="repeat">
+      <a:schemeClr val="tx1"/>
+    </dgm:txFillClrLst>
+    <dgm:txEffectClrLst/>
+  </dgm:styleLbl>
+  <dgm:styleLbl name="callout">
+    <dgm:fillClrLst meth="repeat">
+      <a:schemeClr val="accent1"/>
+    </dgm:fillClrLst>
+    <dgm:linClrLst meth="repeat">
+      <a:schemeClr val="accent1">
+        <a:tint val="50000"/>
+      </a:schemeClr>
+    </dgm:linClrLst>
+    <dgm:effectClrLst/>
+    <dgm:txLinClrLst/>
+    <dgm:txFillClrLst meth="repeat">
+      <a:schemeClr val="tx1"/>
+    </dgm:txFillClrLst>
+    <dgm:txEffectClrLst/>
+  </dgm:styleLbl>
+  <dgm:styleLbl name="asst0">
+    <dgm:fillClrLst meth="repeat">
+      <a:schemeClr val="accent1"/>
+    </dgm:fillClrLst>
+    <dgm:linClrLst meth="repeat">
+      <a:schemeClr val="lt1"/>
+    </dgm:linClrLst>
+    <dgm:effectClrLst/>
+    <dgm:txLinClrLst/>
+    <dgm:txFillClrLst/>
+    <dgm:txEffectClrLst/>
+  </dgm:styleLbl>
+  <dgm:styleLbl name="asst1">
+    <dgm:fillClrLst meth="repeat">
+      <a:schemeClr val="accent1"/>
+    </dgm:fillClrLst>
+    <dgm:linClrLst meth="repeat">
+      <a:schemeClr val="lt1"/>
+    </dgm:linClrLst>
+    <dgm:effectClrLst/>
+    <dgm:txLinClrLst/>
+    <dgm:txFillClrLst/>
+    <dgm:txEffectClrLst/>
+  </dgm:styleLbl>
+  <dgm:styleLbl name="asst2">
+    <dgm:fillClrLst meth="repeat">
+      <a:schemeClr val="accent1"/>
+    </dgm:fillClrLst>
+    <dgm:linClrLst meth="repeat">
+      <a:schemeClr val="lt1"/>
+    </dgm:linClrLst>
+    <dgm:effectClrLst/>
+    <dgm:txLinClrLst/>
+    <dgm:txFillClrLst/>
+    <dgm:txEffectClrLst/>
+  </dgm:styleLbl>
+  <dgm:styleLbl name="asst3">
+    <dgm:fillClrLst meth="repeat">
+      <a:schemeClr val="accent1"/>
+    </dgm:fillClrLst>
+    <dgm:linClrLst meth="repeat">
+      <a:schemeClr val="lt1"/>
+    </dgm:linClrLst>
+    <dgm:effectClrLst/>
+    <dgm:txLinClrLst/>
+    <dgm:txFillClrLst/>
+    <dgm:txEffectClrLst/>
+  </dgm:styleLbl>
+  <dgm:styleLbl name="asst4">
+    <dgm:fillClrLst meth="repeat">
+      <a:schemeClr val="accent1"/>
+    </dgm:fillClrLst>
+    <dgm:linClrLst meth="repeat">
+      <a:schemeClr val="lt1"/>
+    </dgm:linClrLst>
+    <dgm:effectClrLst/>
+    <dgm:txLinClrLst/>
+    <dgm:txFillClrLst/>
+    <dgm:txEffectClrLst/>
+  </dgm:styleLbl>
+  <dgm:styleLbl name="parChTrans2D1">
+    <dgm:fillClrLst meth="repeat">
+      <a:schemeClr val="accent1">
+        <a:tint val="60000"/>
+      </a:schemeClr>
+    </dgm:fillClrLst>
+    <dgm:linClrLst meth="repeat">
+      <a:schemeClr val="accent1">
+        <a:tint val="60000"/>
+      </a:schemeClr>
+    </dgm:linClrLst>
+    <dgm:effectClrLst/>
+    <dgm:txLinClrLst/>
+    <dgm:txFillClrLst meth="repeat">
+      <a:schemeClr val="lt1"/>
+    </dgm:txFillClrLst>
+    <dgm:txEffectClrLst/>
+  </dgm:styleLbl>
+  <dgm:styleLbl name="parChTrans2D2">
+    <dgm:fillClrLst meth="repeat">
+      <a:schemeClr val="accent1"/>
+    </dgm:fillClrLst>
+    <dgm:linClrLst meth="repeat">
+      <a:schemeClr val="accent1"/>
+    </dgm:linClrLst>
+    <dgm:effectClrLst/>
+    <dgm:txLinClrLst/>
+    <dgm:txFillClrLst meth="repeat">
+      <a:schemeClr val="lt1"/>
+    </dgm:txFillClrLst>
+    <dgm:txEffectClrLst/>
+  </dgm:styleLbl>
+  <dgm:styleLbl name="parChTrans2D3">
+    <dgm:fillClrLst meth="repeat">
+      <a:schemeClr val="accent1"/>
+    </dgm:fillClrLst>
+    <dgm:linClrLst meth="repeat">
+      <a:schemeClr val="accent1"/>
+    </dgm:linClrLst>
+    <dgm:effectClrLst/>
+    <dgm:txLinClrLst/>
+    <dgm:txFillClrLst meth="repeat">
+      <a:schemeClr val="lt1"/>
+    </dgm:txFillClrLst>
+    <dgm:txEffectClrLst/>
+  </dgm:styleLbl>
+  <dgm:styleLbl name="parChTrans2D4">
+    <dgm:fillClrLst meth="repeat">
+      <a:schemeClr val="accent1"/>
+    </dgm:fillClrLst>
+    <dgm:linClrLst meth="repeat">
+      <a:schemeClr val="accent1"/>
+    </dgm:linClrLst>
+    <dgm:effectClrLst/>
+    <dgm:txLinClrLst/>
+    <dgm:txFillClrLst meth="repeat">
+      <a:schemeClr val="lt1"/>
+    </dgm:txFillClrLst>
+    <dgm:txEffectClrLst/>
+  </dgm:styleLbl>
+  <dgm:styleLbl name="parChTrans1D1">
+    <dgm:fillClrLst meth="repeat">
+      <a:schemeClr val="accent1"/>
+    </dgm:fillClrLst>
+    <dgm:linClrLst meth="repeat">
+      <a:schemeClr val="accent1">
+        <a:shade val="60000"/>
+      </a:schemeClr>
+    </dgm:linClrLst>
+    <dgm:effectClrLst/>
+    <dgm:txLinClrLst/>
+    <dgm:txFillClrLst meth="repeat">
+      <a:schemeClr val="tx1"/>
+    </dgm:txFillClrLst>
+    <dgm:txEffectClrLst/>
+  </dgm:styleLbl>
+  <dgm:styleLbl name="parChTrans1D2">
+    <dgm:fillClrLst meth="repeat">
+      <a:schemeClr val="accent1"/>
+    </dgm:fillClrLst>
+    <dgm:linClrLst meth="repeat">
+      <a:schemeClr val="accent1">
+        <a:shade val="60000"/>
+      </a:schemeClr>
+    </dgm:linClrLst>
+    <dgm:effectClrLst/>
+    <dgm:txLinClrLst/>
+    <dgm:txFillClrLst meth="repeat">
+      <a:schemeClr val="tx1"/>
+    </dgm:txFillClrLst>
+    <dgm:txEffectClrLst/>
+  </dgm:styleLbl>
+  <dgm:styleLbl name="parChTrans1D3">
+    <dgm:fillClrLst meth="repeat">
+      <a:schemeClr val="accent1"/>
+    </dgm:fillClrLst>
+    <dgm:linClrLst meth="repeat">
+      <a:schemeClr val="accent1">
+        <a:shade val="80000"/>
+      </a:schemeClr>
+    </dgm:linClrLst>
+    <dgm:effectClrLst/>
+    <dgm:txLinClrLst/>
+    <dgm:txFillClrLst meth="repeat">
+      <a:schemeClr val="tx1"/>
+    </dgm:txFillClrLst>
+    <dgm:txEffectClrLst/>
+  </dgm:styleLbl>
+  <dgm:styleLbl name="parChTrans1D4">
+    <dgm:fillClrLst meth="repeat">
+      <a:schemeClr val="accent1"/>
+    </dgm:fillClrLst>
+    <dgm:linClrLst meth="repeat">
+      <a:schemeClr val="accent1">
+        <a:shade val="80000"/>
+      </a:schemeClr>
+    </dgm:linClrLst>
+    <dgm:effectClrLst/>
+    <dgm:txLinClrLst/>
+    <dgm:txFillClrLst meth="repeat">
+      <a:schemeClr val="tx1"/>
+    </dgm:txFillClrLst>
+    <dgm:txEffectClrLst/>
+  </dgm:styleLbl>
+  <dgm:styleLbl name="fgAcc1">
+    <dgm:fillClrLst meth="repeat">
+      <a:schemeClr val="lt1">
+        <a:alpha val="90000"/>
+      </a:schemeClr>
+    </dgm:fillClrLst>
+    <dgm:linClrLst meth="repeat">
+      <a:schemeClr val="accent1"/>
+    </dgm:linClrLst>
+    <dgm:effectClrLst/>
+    <dgm:txLinClrLst/>
+    <dgm:txFillClrLst meth="repeat">
+      <a:schemeClr val="dk1"/>
+    </dgm:txFillClrLst>
+    <dgm:txEffectClrLst/>
+  </dgm:styleLbl>
+  <dgm:styleLbl name="conFgAcc1">
+    <dgm:fillClrLst meth="repeat">
+      <a:schemeClr val="lt1">
+        <a:alpha val="90000"/>
+      </a:schemeClr>
+    </dgm:fillClrLst>
+    <dgm:linClrLst meth="repeat">
+      <a:schemeClr val="accent1"/>
+    </dgm:linClrLst>
+    <dgm:effectClrLst/>
+    <dgm:txLinClrLst/>
+    <dgm:txFillClrLst meth="repeat">
+      <a:schemeClr val="dk1"/>
+    </dgm:txFillClrLst>
+    <dgm:txEffectClrLst/>
+  </dgm:styleLbl>
+  <dgm:styleLbl name="alignAcc1">
+    <dgm:fillClrLst meth="repeat">
+      <a:schemeClr val="lt1">
+        <a:alpha val="90000"/>
+      </a:schemeClr>
+    </dgm:fillClrLst>
+    <dgm:linClrLst meth="repeat">
+      <a:schemeClr val="accent1"/>
+    </dgm:linClrLst>
+    <dgm:effectClrLst/>
+    <dgm:txLinClrLst/>
+    <dgm:txFillClrLst meth="repeat">
+      <a:schemeClr val="dk1"/>
+    </dgm:txFillClrLst>
+    <dgm:txEffectClrLst/>
+  </dgm:styleLbl>
+  <dgm:styleLbl name="trAlignAcc1">
+    <dgm:fillClrLst meth="repeat">
+      <a:schemeClr val="lt1">
+        <a:alpha val="40000"/>
+      </a:schemeClr>
+    </dgm:fillClrLst>
+    <dgm:linClrLst meth="repeat">
+      <a:schemeClr val="accent1"/>
+    </dgm:linClrLst>
+    <dgm:effectClrLst/>
+    <dgm:txLinClrLst/>
+    <dgm:txFillClrLst meth="repeat">
+      <a:schemeClr val="dk1"/>
+    </dgm:txFillClrLst>
+    <dgm:txEffectClrLst/>
+  </dgm:styleLbl>
+  <dgm:styleLbl name="bgAcc1">
+    <dgm:fillClrLst meth="repeat">
+      <a:schemeClr val="lt1">
+        <a:alpha val="90000"/>
+      </a:schemeClr>
+    </dgm:fillClrLst>
+    <dgm:linClrLst meth="repeat">
+      <a:schemeClr val="accent1"/>
+    </dgm:linClrLst>
+    <dgm:effectClrLst/>
+    <dgm:txLinClrLst/>
+    <dgm:txFillClrLst meth="repeat">
+      <a:schemeClr val="dk1"/>
+    </dgm:txFillClrLst>
+    <dgm:txEffectClrLst/>
+  </dgm:styleLbl>
+  <dgm:styleLbl name="solidFgAcc1">
+    <dgm:fillClrLst meth="repeat">
+      <a:schemeClr val="lt1"/>
+    </dgm:fillClrLst>
+    <dgm:linClrLst meth="repeat">
+      <a:schemeClr val="accent1"/>
+    </dgm:linClrLst>
+    <dgm:effectClrLst/>
+    <dgm:txLinClrLst/>
+    <dgm:txFillClrLst meth="repeat">
+      <a:schemeClr val="dk1"/>
+    </dgm:txFillClrLst>
+    <dgm:txEffectClrLst/>
+  </dgm:styleLbl>
+  <dgm:styleLbl name="solidAlignAcc1">
+    <dgm:fillClrLst meth="repeat">
+      <a:schemeClr val="lt1"/>
+    </dgm:fillClrLst>
+    <dgm:linClrLst meth="repeat">
+      <a:schemeClr val="accent1"/>
+    </dgm:linClrLst>
+    <dgm:effectClrLst/>
+    <dgm:txLinClrLst/>
+    <dgm:txFillClrLst meth="repeat">
+      <a:schemeClr val="dk1"/>
+    </dgm:txFillClrLst>
+    <dgm:txEffectClrLst/>
+  </dgm:styleLbl>
+  <dgm:styleLbl name="solidBgAcc1">
+    <dgm:fillClrLst meth="repeat">
+      <a:schemeClr val="lt1"/>
+    </dgm:fillClrLst>
+    <dgm:linClrLst meth="repeat">
+      <a:schemeClr val="accent1"/>
+    </dgm:linClrLst>
+    <dgm:effectClrLst/>
+    <dgm:txLinClrLst/>
+    <dgm:txFillClrLst meth="repeat">
+      <a:schemeClr val="dk1"/>
+    </dgm:txFillClrLst>
+    <dgm:txEffectClrLst/>
+  </dgm:styleLbl>
+  <dgm:styleLbl name="fgAccFollowNode1">
+    <dgm:fillClrLst meth="repeat">
+      <a:schemeClr val="accent1">
+        <a:alpha val="90000"/>
+        <a:tint val="40000"/>
+      </a:schemeClr>
+    </dgm:fillClrLst>
+    <dgm:linClrLst meth="repeat">
+      <a:schemeClr val="accent1">
+        <a:alpha val="90000"/>
+        <a:tint val="40000"/>
+      </a:schemeClr>
+    </dgm:linClrLst>
+    <dgm:effectClrLst/>
+    <dgm:txLinClrLst/>
+    <dgm:txFillClrLst meth="repeat">
+      <a:schemeClr val="dk1"/>
+    </dgm:txFillClrLst>
+    <dgm:txEffectClrLst/>
+  </dgm:styleLbl>
+  <dgm:styleLbl name="alignAccFollowNode1">
+    <dgm:fillClrLst meth="repeat">
+      <a:schemeClr val="accent1">
+        <a:alpha val="90000"/>
+        <a:tint val="40000"/>
+      </a:schemeClr>
+    </dgm:fillClrLst>
+    <dgm:linClrLst meth="repeat">
+      <a:schemeClr val="accent1">
+        <a:alpha val="90000"/>
+        <a:tint val="40000"/>
+      </a:schemeClr>
+    </dgm:linClrLst>
+    <dgm:effectClrLst/>
+    <dgm:txLinClrLst/>
+    <dgm:txFillClrLst meth="repeat">
+      <a:schemeClr val="dk1"/>
+    </dgm:txFillClrLst>
+    <dgm:txEffectClrLst/>
+  </dgm:styleLbl>
+  <dgm:styleLbl name="bgAccFollowNode1">
+    <dgm:fillClrLst meth="repeat">
+      <a:schemeClr val="accent1">
+        <a:alpha val="90000"/>
+        <a:tint val="40000"/>
+      </a:schemeClr>
+    </dgm:fillClrLst>
+    <dgm:linClrLst meth="repeat">
+      <a:schemeClr val="accent1">
+        <a:alpha val="90000"/>
+        <a:tint val="40000"/>
+      </a:schemeClr>
+    </dgm:linClrLst>
+    <dgm:effectClrLst/>
+    <dgm:txLinClrLst/>
+    <dgm:txFillClrLst meth="repeat">
+      <a:schemeClr val="dk1"/>
+    </dgm:txFillClrLst>
+    <dgm:txEffectClrLst/>
+  </dgm:styleLbl>
+  <dgm:styleLbl name="fgAcc0">
+    <dgm:fillClrLst meth="repeat">
+      <a:schemeClr val="lt1">
+        <a:alpha val="90000"/>
+      </a:schemeClr>
+    </dgm:fillClrLst>
+    <dgm:linClrLst meth="repeat">
+      <a:schemeClr val="accent1"/>
+    </dgm:linClrLst>
+    <dgm:effectClrLst/>
+    <dgm:txLinClrLst/>
+    <dgm:txFillClrLst meth="repeat">
+      <a:schemeClr val="dk1"/>
+    </dgm:txFillClrLst>
+    <dgm:txEffectClrLst/>
+  </dgm:styleLbl>
+  <dgm:styleLbl name="fgAcc2">
+    <dgm:fillClrLst meth="repeat">
+      <a:schemeClr val="lt1">
+        <a:alpha val="90000"/>
+      </a:schemeClr>
+    </dgm:fillClrLst>
+    <dgm:linClrLst meth="repeat">
+      <a:schemeClr val="accent1"/>
+    </dgm:linClrLst>
+    <dgm:effectClrLst/>
+    <dgm:txLinClrLst/>
+    <dgm:txFillClrLst meth="repeat">
+      <a:schemeClr val="dk1"/>
+    </dgm:txFillClrLst>
+    <dgm:txEffectClrLst/>
+  </dgm:styleLbl>
+  <dgm:styleLbl name="fgAcc3">
+    <dgm:fillClrLst meth="repeat">
+      <a:schemeClr val="lt1">
+        <a:alpha val="90000"/>
+      </a:schemeClr>
+    </dgm:fillClrLst>
+    <dgm:linClrLst meth="repeat">
+      <a:schemeClr val="accent1"/>
+    </dgm:linClrLst>
+    <dgm:effectClrLst/>
+    <dgm:txLinClrLst/>
+    <dgm:txFillClrLst meth="repeat">
+      <a:schemeClr val="dk1"/>
+    </dgm:txFillClrLst>
+    <dgm:txEffectClrLst/>
+  </dgm:styleLbl>
+  <dgm:styleLbl name="fgAcc4">
+    <dgm:fillClrLst meth="repeat">
+      <a:schemeClr val="lt1">
+        <a:alpha val="90000"/>
+      </a:schemeClr>
+    </dgm:fillClrLst>
+    <dgm:linClrLst meth="repeat">
+      <a:schemeClr val="accent1"/>
+    </dgm:linClrLst>
+    <dgm:effectClrLst/>
+    <dgm:txLinClrLst/>
+    <dgm:txFillClrLst meth="repeat">
+      <a:schemeClr val="dk1"/>
+    </dgm:txFillClrLst>
+    <dgm:txEffectClrLst/>
+  </dgm:styleLbl>
+  <dgm:styleLbl name="bgShp">
+    <dgm:fillClrLst meth="repeat">
+      <a:schemeClr val="accent1">
+        <a:tint val="40000"/>
+      </a:schemeClr>
+    </dgm:fillClrLst>
+    <dgm:linClrLst meth="repeat">
+      <a:schemeClr val="accent1"/>
+    </dgm:linClrLst>
+    <dgm:effectClrLst/>
+    <dgm:txLinClrLst/>
+    <dgm:txFillClrLst meth="repeat">
+      <a:schemeClr val="dk1"/>
+    </dgm:txFillClrLst>
+    <dgm:txEffectClrLst/>
+  </dgm:styleLbl>
+  <dgm:styleLbl name="dkBgShp">
+    <dgm:fillClrLst meth="repeat">
+      <a:schemeClr val="accent1">
+        <a:shade val="80000"/>
+      </a:schemeClr>
+    </dgm:fillClrLst>
+    <dgm:linClrLst meth="repeat">
+      <a:schemeClr val="accent1"/>
+    </dgm:linClrLst>
+    <dgm:effectClrLst/>
+    <dgm:txLinClrLst/>
+    <dgm:txFillClrLst meth="repeat">
+      <a:schemeClr val="lt1"/>
+    </dgm:txFillClrLst>
+    <dgm:txEffectClrLst/>
+  </dgm:styleLbl>
+  <dgm:styleLbl name="trBgShp">
+    <dgm:fillClrLst meth="repeat">
+      <a:schemeClr val="accent1">
+        <a:tint val="50000"/>
+        <a:alpha val="40000"/>
+      </a:schemeClr>
+    </dgm:fillClrLst>
+    <dgm:linClrLst meth="repeat">
+      <a:schemeClr val="accent1"/>
+    </dgm:linClrLst>
+    <dgm:effectClrLst/>
+    <dgm:txLinClrLst/>
+    <dgm:txFillClrLst meth="repeat">
+      <a:schemeClr val="lt1"/>
+    </dgm:txFillClrLst>
+    <dgm:txEffectClrLst/>
+  </dgm:styleLbl>
+  <dgm:styleLbl name="fgShp">
+    <dgm:fillClrLst meth="repeat">
+      <a:schemeClr val="accent1">
+        <a:tint val="60000"/>
+      </a:schemeClr>
+    </dgm:fillClrLst>
+    <dgm:linClrLst meth="repeat">
+      <a:schemeClr val="lt1"/>
+    </dgm:linClrLst>
+    <dgm:effectClrLst/>
+    <dgm:txLinClrLst/>
+    <dgm:txFillClrLst meth="repeat">
+      <a:schemeClr val="dk1"/>
+    </dgm:txFillClrLst>
+    <dgm:txEffectClrLst/>
+  </dgm:styleLbl>
+  <dgm:styleLbl name="revTx">
+    <dgm:fillClrLst meth="repeat">
+      <a:schemeClr val="lt1">
+        <a:alpha val="0"/>
+      </a:schemeClr>
+    </dgm:fillClrLst>
+    <dgm:linClrLst meth="repeat">
+      <a:schemeClr val="dk1">
+        <a:alpha val="0"/>
+      </a:schemeClr>
+    </dgm:linClrLst>
+    <dgm:effectClrLst/>
+    <dgm:txLinClrLst/>
+    <dgm:txFillClrLst meth="repeat">
+      <a:schemeClr val="tx1"/>
+    </dgm:txFillClrLst>
+    <dgm:txEffectClrLst/>
+  </dgm:styleLbl>
+</dgm:colorsDef>
+</file>
+
+<file path=ppt/diagrams/data1.xml><?xml version="1.0" encoding="utf-8"?>
+<dgm:dataModel xmlns:dgm="http://schemas.openxmlformats.org/drawingml/2006/diagram" xmlns:a="http://schemas.openxmlformats.org/drawingml/2006/main">
+  <dgm:ptLst>
+    <dgm:pt modelId="{6AC60F70-0BE0-46C7-B34C-E7D1860E3047}" type="doc">
+      <dgm:prSet loTypeId="urn:microsoft.com/office/officeart/2005/8/layout/hierarchy1" loCatId="hierarchy" qsTypeId="urn:microsoft.com/office/officeart/2005/8/quickstyle/simple1" qsCatId="simple" csTypeId="urn:microsoft.com/office/officeart/2005/8/colors/accent1_2" csCatId="accent1"/>
+      <dgm:spPr/>
+      <dgm:t>
+        <a:bodyPr/>
+        <a:lstStyle/>
+        <a:p>
+          <a:endParaRPr lang="en-US"/>
+        </a:p>
+      </dgm:t>
+    </dgm:pt>
+    <dgm:pt modelId="{C8EA5A9D-506F-4154-BB03-6E8E15A01620}">
+      <dgm:prSet/>
+      <dgm:spPr/>
+      <dgm:t>
+        <a:bodyPr/>
+        <a:lstStyle/>
+        <a:p>
+          <a:r>
+            <a:rPr lang="en-US" dirty="0" err="1"/>
+            <a:t>Modellerstellung</a:t>
+          </a:r>
+          <a:r>
+            <a:rPr lang="en-US" dirty="0"/>
+            <a:t> </a:t>
+          </a:r>
+        </a:p>
+      </dgm:t>
+    </dgm:pt>
+    <dgm:pt modelId="{B54D5904-DFB1-4D58-AA61-9CACDD26AC0A}" type="parTrans" cxnId="{4549FBE9-C7CF-4DEF-9A36-88C59EA34CC3}">
+      <dgm:prSet/>
+      <dgm:spPr/>
+      <dgm:t>
+        <a:bodyPr/>
+        <a:lstStyle/>
+        <a:p>
+          <a:endParaRPr lang="en-US"/>
+        </a:p>
+      </dgm:t>
+    </dgm:pt>
+    <dgm:pt modelId="{C5AC72A1-C237-48CD-8AF8-759FFEECEB24}" type="sibTrans" cxnId="{4549FBE9-C7CF-4DEF-9A36-88C59EA34CC3}">
+      <dgm:prSet/>
+      <dgm:spPr/>
+      <dgm:t>
+        <a:bodyPr/>
+        <a:lstStyle/>
+        <a:p>
+          <a:endParaRPr lang="en-US"/>
+        </a:p>
+      </dgm:t>
+    </dgm:pt>
+    <dgm:pt modelId="{0CE840EF-FE1E-49E0-99CA-4B2CAE1EF887}">
+      <dgm:prSet/>
+      <dgm:spPr/>
+      <dgm:t>
+        <a:bodyPr/>
+        <a:lstStyle/>
+        <a:p>
+          <a:r>
+            <a:rPr lang="en-US"/>
+            <a:t>Zufriedenstellende Ergebnisse</a:t>
+          </a:r>
+        </a:p>
+      </dgm:t>
+    </dgm:pt>
+    <dgm:pt modelId="{E9B9F08F-4E47-4337-9368-7C84C2B601AF}" type="parTrans" cxnId="{6F68C21E-617C-4044-B822-A8103E82AA92}">
+      <dgm:prSet/>
+      <dgm:spPr/>
+      <dgm:t>
+        <a:bodyPr/>
+        <a:lstStyle/>
+        <a:p>
+          <a:endParaRPr lang="en-US"/>
+        </a:p>
+      </dgm:t>
+    </dgm:pt>
+    <dgm:pt modelId="{E34BE8E9-416E-4A94-AAEC-7B5BCAC64B02}" type="sibTrans" cxnId="{6F68C21E-617C-4044-B822-A8103E82AA92}">
+      <dgm:prSet/>
+      <dgm:spPr/>
+      <dgm:t>
+        <a:bodyPr/>
+        <a:lstStyle/>
+        <a:p>
+          <a:endParaRPr lang="en-US"/>
+        </a:p>
+      </dgm:t>
+    </dgm:pt>
+    <dgm:pt modelId="{0C9492BB-ED47-4ADF-AC54-4C8998FF2416}">
+      <dgm:prSet/>
+      <dgm:spPr/>
+      <dgm:t>
+        <a:bodyPr/>
+        <a:lstStyle/>
+        <a:p>
+          <a:r>
+            <a:rPr lang="en-US"/>
+            <a:t>Frontend-Entwicklung </a:t>
+          </a:r>
+        </a:p>
+      </dgm:t>
+    </dgm:pt>
+    <dgm:pt modelId="{45E0AC83-5536-4822-A5D7-5179BA58C529}" type="parTrans" cxnId="{D8CCA864-E667-4751-A5EC-C597B485F26C}">
+      <dgm:prSet/>
+      <dgm:spPr/>
+      <dgm:t>
+        <a:bodyPr/>
+        <a:lstStyle/>
+        <a:p>
+          <a:endParaRPr lang="en-US"/>
+        </a:p>
+      </dgm:t>
+    </dgm:pt>
+    <dgm:pt modelId="{1D211E58-69EA-46B7-9D8E-DB49EC6B81EA}" type="sibTrans" cxnId="{D8CCA864-E667-4751-A5EC-C597B485F26C}">
+      <dgm:prSet/>
+      <dgm:spPr/>
+      <dgm:t>
+        <a:bodyPr/>
+        <a:lstStyle/>
+        <a:p>
+          <a:endParaRPr lang="en-US"/>
+        </a:p>
+      </dgm:t>
+    </dgm:pt>
+    <dgm:pt modelId="{66AEDF92-C0FC-47B4-9DBF-392685E282C3}" type="pres">
+      <dgm:prSet presAssocID="{6AC60F70-0BE0-46C7-B34C-E7D1860E3047}" presName="hierChild1" presStyleCnt="0">
+        <dgm:presLayoutVars>
+          <dgm:chPref val="1"/>
+          <dgm:dir/>
+          <dgm:animOne val="branch"/>
+          <dgm:animLvl val="lvl"/>
+          <dgm:resizeHandles/>
+        </dgm:presLayoutVars>
+      </dgm:prSet>
+      <dgm:spPr/>
+    </dgm:pt>
+    <dgm:pt modelId="{4AB6CC48-E96F-4FA9-AF12-9C9345840152}" type="pres">
+      <dgm:prSet presAssocID="{C8EA5A9D-506F-4154-BB03-6E8E15A01620}" presName="hierRoot1" presStyleCnt="0"/>
+      <dgm:spPr/>
+    </dgm:pt>
+    <dgm:pt modelId="{1718E691-99DE-47B7-889D-8D2844525E1A}" type="pres">
+      <dgm:prSet presAssocID="{C8EA5A9D-506F-4154-BB03-6E8E15A01620}" presName="composite" presStyleCnt="0"/>
+      <dgm:spPr/>
+    </dgm:pt>
+    <dgm:pt modelId="{E0C5FE84-9D6C-4E90-8673-26D0EF01E719}" type="pres">
+      <dgm:prSet presAssocID="{C8EA5A9D-506F-4154-BB03-6E8E15A01620}" presName="background" presStyleLbl="node0" presStyleIdx="0" presStyleCnt="3"/>
+      <dgm:spPr/>
+    </dgm:pt>
+    <dgm:pt modelId="{DDBC35FD-EEB2-46C9-837E-0DADEBB995C6}" type="pres">
+      <dgm:prSet presAssocID="{C8EA5A9D-506F-4154-BB03-6E8E15A01620}" presName="text" presStyleLbl="fgAcc0" presStyleIdx="0" presStyleCnt="3">
+        <dgm:presLayoutVars>
+          <dgm:chPref val="3"/>
+        </dgm:presLayoutVars>
+      </dgm:prSet>
+      <dgm:spPr/>
+    </dgm:pt>
+    <dgm:pt modelId="{5D7F8834-4443-4616-B041-A79C0A6F2174}" type="pres">
+      <dgm:prSet presAssocID="{C8EA5A9D-506F-4154-BB03-6E8E15A01620}" presName="hierChild2" presStyleCnt="0"/>
+      <dgm:spPr/>
+    </dgm:pt>
+    <dgm:pt modelId="{ADD1DD87-A3AD-4EAD-B10C-02DA37FD7D39}" type="pres">
+      <dgm:prSet presAssocID="{0CE840EF-FE1E-49E0-99CA-4B2CAE1EF887}" presName="hierRoot1" presStyleCnt="0"/>
+      <dgm:spPr/>
+    </dgm:pt>
+    <dgm:pt modelId="{1033F5D7-A98F-4F5F-A9DF-D99E08687010}" type="pres">
+      <dgm:prSet presAssocID="{0CE840EF-FE1E-49E0-99CA-4B2CAE1EF887}" presName="composite" presStyleCnt="0"/>
+      <dgm:spPr/>
+    </dgm:pt>
+    <dgm:pt modelId="{0E7BD5BB-5D17-44D4-886D-D7B003CC32CF}" type="pres">
+      <dgm:prSet presAssocID="{0CE840EF-FE1E-49E0-99CA-4B2CAE1EF887}" presName="background" presStyleLbl="node0" presStyleIdx="1" presStyleCnt="3"/>
+      <dgm:spPr/>
+    </dgm:pt>
+    <dgm:pt modelId="{0F559C39-A38B-47D7-B9BA-B2D13A57B05B}" type="pres">
+      <dgm:prSet presAssocID="{0CE840EF-FE1E-49E0-99CA-4B2CAE1EF887}" presName="text" presStyleLbl="fgAcc0" presStyleIdx="1" presStyleCnt="3">
+        <dgm:presLayoutVars>
+          <dgm:chPref val="3"/>
+        </dgm:presLayoutVars>
+      </dgm:prSet>
+      <dgm:spPr/>
+    </dgm:pt>
+    <dgm:pt modelId="{4D3539B7-2637-49E6-864C-D1546A1BB38A}" type="pres">
+      <dgm:prSet presAssocID="{0CE840EF-FE1E-49E0-99CA-4B2CAE1EF887}" presName="hierChild2" presStyleCnt="0"/>
+      <dgm:spPr/>
+    </dgm:pt>
+    <dgm:pt modelId="{0099039D-A11A-4D86-89EF-8833F855BCB7}" type="pres">
+      <dgm:prSet presAssocID="{0C9492BB-ED47-4ADF-AC54-4C8998FF2416}" presName="hierRoot1" presStyleCnt="0"/>
+      <dgm:spPr/>
+    </dgm:pt>
+    <dgm:pt modelId="{18578BAD-FFA6-43E5-A91D-9D77CE606626}" type="pres">
+      <dgm:prSet presAssocID="{0C9492BB-ED47-4ADF-AC54-4C8998FF2416}" presName="composite" presStyleCnt="0"/>
+      <dgm:spPr/>
+    </dgm:pt>
+    <dgm:pt modelId="{6BE54176-9E80-42B5-A64D-D8212D685436}" type="pres">
+      <dgm:prSet presAssocID="{0C9492BB-ED47-4ADF-AC54-4C8998FF2416}" presName="background" presStyleLbl="node0" presStyleIdx="2" presStyleCnt="3"/>
+      <dgm:spPr/>
+    </dgm:pt>
+    <dgm:pt modelId="{5407FC62-0400-4CDA-A999-1DCB8FBE8DD4}" type="pres">
+      <dgm:prSet presAssocID="{0C9492BB-ED47-4ADF-AC54-4C8998FF2416}" presName="text" presStyleLbl="fgAcc0" presStyleIdx="2" presStyleCnt="3">
+        <dgm:presLayoutVars>
+          <dgm:chPref val="3"/>
+        </dgm:presLayoutVars>
+      </dgm:prSet>
+      <dgm:spPr/>
+    </dgm:pt>
+    <dgm:pt modelId="{2CD0811D-9AF7-42D8-B351-E72DC8207F22}" type="pres">
+      <dgm:prSet presAssocID="{0C9492BB-ED47-4ADF-AC54-4C8998FF2416}" presName="hierChild2" presStyleCnt="0"/>
+      <dgm:spPr/>
+    </dgm:pt>
+  </dgm:ptLst>
+  <dgm:cxnLst>
+    <dgm:cxn modelId="{6F68C21E-617C-4044-B822-A8103E82AA92}" srcId="{6AC60F70-0BE0-46C7-B34C-E7D1860E3047}" destId="{0CE840EF-FE1E-49E0-99CA-4B2CAE1EF887}" srcOrd="1" destOrd="0" parTransId="{E9B9F08F-4E47-4337-9368-7C84C2B601AF}" sibTransId="{E34BE8E9-416E-4A94-AAEC-7B5BCAC64B02}"/>
+    <dgm:cxn modelId="{D8CCA864-E667-4751-A5EC-C597B485F26C}" srcId="{6AC60F70-0BE0-46C7-B34C-E7D1860E3047}" destId="{0C9492BB-ED47-4ADF-AC54-4C8998FF2416}" srcOrd="2" destOrd="0" parTransId="{45E0AC83-5536-4822-A5D7-5179BA58C529}" sibTransId="{1D211E58-69EA-46B7-9D8E-DB49EC6B81EA}"/>
+    <dgm:cxn modelId="{F4D0E854-042E-47EA-9E1F-8CA049FD8A45}" type="presOf" srcId="{0C9492BB-ED47-4ADF-AC54-4C8998FF2416}" destId="{5407FC62-0400-4CDA-A999-1DCB8FBE8DD4}" srcOrd="0" destOrd="0" presId="urn:microsoft.com/office/officeart/2005/8/layout/hierarchy1"/>
+    <dgm:cxn modelId="{C46D5D7D-63DF-4CE7-A942-40BA88274979}" type="presOf" srcId="{C8EA5A9D-506F-4154-BB03-6E8E15A01620}" destId="{DDBC35FD-EEB2-46C9-837E-0DADEBB995C6}" srcOrd="0" destOrd="0" presId="urn:microsoft.com/office/officeart/2005/8/layout/hierarchy1"/>
+    <dgm:cxn modelId="{C70B11A0-0A5E-42F3-9C99-06CCE5504289}" type="presOf" srcId="{0CE840EF-FE1E-49E0-99CA-4B2CAE1EF887}" destId="{0F559C39-A38B-47D7-B9BA-B2D13A57B05B}" srcOrd="0" destOrd="0" presId="urn:microsoft.com/office/officeart/2005/8/layout/hierarchy1"/>
+    <dgm:cxn modelId="{CD9153BA-7896-4159-AD0F-FF6ECF43A735}" type="presOf" srcId="{6AC60F70-0BE0-46C7-B34C-E7D1860E3047}" destId="{66AEDF92-C0FC-47B4-9DBF-392685E282C3}" srcOrd="0" destOrd="0" presId="urn:microsoft.com/office/officeart/2005/8/layout/hierarchy1"/>
+    <dgm:cxn modelId="{4549FBE9-C7CF-4DEF-9A36-88C59EA34CC3}" srcId="{6AC60F70-0BE0-46C7-B34C-E7D1860E3047}" destId="{C8EA5A9D-506F-4154-BB03-6E8E15A01620}" srcOrd="0" destOrd="0" parTransId="{B54D5904-DFB1-4D58-AA61-9CACDD26AC0A}" sibTransId="{C5AC72A1-C237-48CD-8AF8-759FFEECEB24}"/>
+    <dgm:cxn modelId="{8FCC9D77-51E2-43D9-AD92-32037E16D7FF}" type="presParOf" srcId="{66AEDF92-C0FC-47B4-9DBF-392685E282C3}" destId="{4AB6CC48-E96F-4FA9-AF12-9C9345840152}" srcOrd="0" destOrd="0" presId="urn:microsoft.com/office/officeart/2005/8/layout/hierarchy1"/>
+    <dgm:cxn modelId="{F695273E-82CD-4A53-A4BE-9D104B8122C9}" type="presParOf" srcId="{4AB6CC48-E96F-4FA9-AF12-9C9345840152}" destId="{1718E691-99DE-47B7-889D-8D2844525E1A}" srcOrd="0" destOrd="0" presId="urn:microsoft.com/office/officeart/2005/8/layout/hierarchy1"/>
+    <dgm:cxn modelId="{BBE6CC99-4375-4F65-A49C-B687039CE603}" type="presParOf" srcId="{1718E691-99DE-47B7-889D-8D2844525E1A}" destId="{E0C5FE84-9D6C-4E90-8673-26D0EF01E719}" srcOrd="0" destOrd="0" presId="urn:microsoft.com/office/officeart/2005/8/layout/hierarchy1"/>
+    <dgm:cxn modelId="{7D1B9968-B6D6-4C00-9E66-327F192168F4}" type="presParOf" srcId="{1718E691-99DE-47B7-889D-8D2844525E1A}" destId="{DDBC35FD-EEB2-46C9-837E-0DADEBB995C6}" srcOrd="1" destOrd="0" presId="urn:microsoft.com/office/officeart/2005/8/layout/hierarchy1"/>
+    <dgm:cxn modelId="{87C05F86-D5F6-44A7-8739-FCB1F57E543E}" type="presParOf" srcId="{4AB6CC48-E96F-4FA9-AF12-9C9345840152}" destId="{5D7F8834-4443-4616-B041-A79C0A6F2174}" srcOrd="1" destOrd="0" presId="urn:microsoft.com/office/officeart/2005/8/layout/hierarchy1"/>
+    <dgm:cxn modelId="{65500958-B28E-459D-AAE8-055227A13196}" type="presParOf" srcId="{66AEDF92-C0FC-47B4-9DBF-392685E282C3}" destId="{ADD1DD87-A3AD-4EAD-B10C-02DA37FD7D39}" srcOrd="1" destOrd="0" presId="urn:microsoft.com/office/officeart/2005/8/layout/hierarchy1"/>
+    <dgm:cxn modelId="{F761288D-6F25-492F-BC5E-3F939E07C8C9}" type="presParOf" srcId="{ADD1DD87-A3AD-4EAD-B10C-02DA37FD7D39}" destId="{1033F5D7-A98F-4F5F-A9DF-D99E08687010}" srcOrd="0" destOrd="0" presId="urn:microsoft.com/office/officeart/2005/8/layout/hierarchy1"/>
+    <dgm:cxn modelId="{0C19871A-DEA3-45E0-9285-CBC3B4274A81}" type="presParOf" srcId="{1033F5D7-A98F-4F5F-A9DF-D99E08687010}" destId="{0E7BD5BB-5D17-44D4-886D-D7B003CC32CF}" srcOrd="0" destOrd="0" presId="urn:microsoft.com/office/officeart/2005/8/layout/hierarchy1"/>
+    <dgm:cxn modelId="{9B770A1A-13D8-4909-B402-234C713F5F82}" type="presParOf" srcId="{1033F5D7-A98F-4F5F-A9DF-D99E08687010}" destId="{0F559C39-A38B-47D7-B9BA-B2D13A57B05B}" srcOrd="1" destOrd="0" presId="urn:microsoft.com/office/officeart/2005/8/layout/hierarchy1"/>
+    <dgm:cxn modelId="{C154AE3A-CB9E-4BE9-8D1B-DCF1E033575E}" type="presParOf" srcId="{ADD1DD87-A3AD-4EAD-B10C-02DA37FD7D39}" destId="{4D3539B7-2637-49E6-864C-D1546A1BB38A}" srcOrd="1" destOrd="0" presId="urn:microsoft.com/office/officeart/2005/8/layout/hierarchy1"/>
+    <dgm:cxn modelId="{3F8FD0A7-F964-4CAA-BBCA-E3C1D2C4A1C7}" type="presParOf" srcId="{66AEDF92-C0FC-47B4-9DBF-392685E282C3}" destId="{0099039D-A11A-4D86-89EF-8833F855BCB7}" srcOrd="2" destOrd="0" presId="urn:microsoft.com/office/officeart/2005/8/layout/hierarchy1"/>
+    <dgm:cxn modelId="{99202D4F-0776-414E-ADBB-1C7997B5FCC9}" type="presParOf" srcId="{0099039D-A11A-4D86-89EF-8833F855BCB7}" destId="{18578BAD-FFA6-43E5-A91D-9D77CE606626}" srcOrd="0" destOrd="0" presId="urn:microsoft.com/office/officeart/2005/8/layout/hierarchy1"/>
+    <dgm:cxn modelId="{5A2F3C63-B7A9-4331-B59B-93CCD4C4151E}" type="presParOf" srcId="{18578BAD-FFA6-43E5-A91D-9D77CE606626}" destId="{6BE54176-9E80-42B5-A64D-D8212D685436}" srcOrd="0" destOrd="0" presId="urn:microsoft.com/office/officeart/2005/8/layout/hierarchy1"/>
+    <dgm:cxn modelId="{A34BD179-7AD4-4617-BE1C-0117C42843B7}" type="presParOf" srcId="{18578BAD-FFA6-43E5-A91D-9D77CE606626}" destId="{5407FC62-0400-4CDA-A999-1DCB8FBE8DD4}" srcOrd="1" destOrd="0" presId="urn:microsoft.com/office/officeart/2005/8/layout/hierarchy1"/>
+    <dgm:cxn modelId="{9836C080-B2CE-40AC-841A-E86D0A15A9B5}" type="presParOf" srcId="{0099039D-A11A-4D86-89EF-8833F855BCB7}" destId="{2CD0811D-9AF7-42D8-B351-E72DC8207F22}" srcOrd="1" destOrd="0" presId="urn:microsoft.com/office/officeart/2005/8/layout/hierarchy1"/>
+  </dgm:cxnLst>
+  <dgm:bg/>
+  <dgm:whole/>
+  <dgm:extLst>
+    <a:ext uri="http://schemas.microsoft.com/office/drawing/2008/diagram">
+      <dsp:dataModelExt xmlns:dsp="http://schemas.microsoft.com/office/drawing/2008/diagram" relId="rId6" minVer="http://schemas.openxmlformats.org/drawingml/2006/diagram"/>
+    </a:ext>
+  </dgm:extLst>
+</dgm:dataModel>
+</file>
+
+<file path=ppt/diagrams/drawing1.xml><?xml version="1.0" encoding="utf-8"?>
+<dsp:drawing xmlns:dgm="http://schemas.openxmlformats.org/drawingml/2006/diagram" xmlns:dsp="http://schemas.microsoft.com/office/drawing/2008/diagram" xmlns:a="http://schemas.openxmlformats.org/drawingml/2006/main">
+  <dsp:spTree>
+    <dsp:nvGrpSpPr>
+      <dsp:cNvPr id="0" name=""/>
+      <dsp:cNvGrpSpPr/>
+    </dsp:nvGrpSpPr>
+    <dsp:grpSpPr/>
+    <dsp:sp modelId="{E0C5FE84-9D6C-4E90-8673-26D0EF01E719}">
+      <dsp:nvSpPr>
+        <dsp:cNvPr id="0" name=""/>
+        <dsp:cNvSpPr/>
+      </dsp:nvSpPr>
+      <dsp:spPr>
+        <a:xfrm>
+          <a:off x="363353" y="167"/>
+          <a:ext cx="2263672" cy="1437431"/>
+        </a:xfrm>
+        <a:prstGeom prst="roundRect">
+          <a:avLst>
+            <a:gd name="adj" fmla="val 10000"/>
+          </a:avLst>
+        </a:prstGeom>
+        <a:solidFill>
+          <a:schemeClr val="accent1">
+            <a:hueOff val="0"/>
+            <a:satOff val="0"/>
+            <a:lumOff val="0"/>
+            <a:alphaOff val="0"/>
+          </a:schemeClr>
+        </a:solidFill>
+        <a:ln w="12700" cap="flat" cmpd="sng" algn="ctr">
+          <a:solidFill>
+            <a:schemeClr val="lt1">
+              <a:hueOff val="0"/>
+              <a:satOff val="0"/>
+              <a:lumOff val="0"/>
+              <a:alphaOff val="0"/>
+            </a:schemeClr>
+          </a:solidFill>
+          <a:prstDash val="solid"/>
+          <a:miter lim="800000"/>
+        </a:ln>
+        <a:effectLst/>
+      </dsp:spPr>
+      <dsp:style>
+        <a:lnRef idx="2">
+          <a:scrgbClr r="0" g="0" b="0"/>
+        </a:lnRef>
+        <a:fillRef idx="1">
+          <a:scrgbClr r="0" g="0" b="0"/>
+        </a:fillRef>
+        <a:effectRef idx="0">
+          <a:scrgbClr r="0" g="0" b="0"/>
+        </a:effectRef>
+        <a:fontRef idx="minor">
+          <a:schemeClr val="lt1"/>
+        </a:fontRef>
+      </dsp:style>
+    </dsp:sp>
+    <dsp:sp modelId="{DDBC35FD-EEB2-46C9-837E-0DADEBB995C6}">
+      <dsp:nvSpPr>
+        <dsp:cNvPr id="0" name=""/>
+        <dsp:cNvSpPr/>
+      </dsp:nvSpPr>
+      <dsp:spPr>
+        <a:xfrm>
+          <a:off x="614872" y="239111"/>
+          <a:ext cx="2263672" cy="1437431"/>
+        </a:xfrm>
+        <a:prstGeom prst="roundRect">
+          <a:avLst>
+            <a:gd name="adj" fmla="val 10000"/>
+          </a:avLst>
+        </a:prstGeom>
+        <a:solidFill>
+          <a:schemeClr val="lt1">
+            <a:alpha val="90000"/>
+            <a:hueOff val="0"/>
+            <a:satOff val="0"/>
+            <a:lumOff val="0"/>
+            <a:alphaOff val="0"/>
+          </a:schemeClr>
+        </a:solidFill>
+        <a:ln w="12700" cap="flat" cmpd="sng" algn="ctr">
+          <a:solidFill>
+            <a:schemeClr val="accent1">
+              <a:hueOff val="0"/>
+              <a:satOff val="0"/>
+              <a:lumOff val="0"/>
+              <a:alphaOff val="0"/>
+            </a:schemeClr>
+          </a:solidFill>
+          <a:prstDash val="solid"/>
+          <a:miter lim="800000"/>
+        </a:ln>
+        <a:effectLst/>
+      </dsp:spPr>
+      <dsp:style>
+        <a:lnRef idx="2">
+          <a:scrgbClr r="0" g="0" b="0"/>
+        </a:lnRef>
+        <a:fillRef idx="1">
+          <a:scrgbClr r="0" g="0" b="0"/>
+        </a:fillRef>
+        <a:effectRef idx="0">
+          <a:scrgbClr r="0" g="0" b="0"/>
+        </a:effectRef>
+        <a:fontRef idx="minor"/>
+      </dsp:style>
+      <dsp:txBody>
+        <a:bodyPr spcFirstLastPara="0" vert="horz" wrap="square" lIns="72390" tIns="72390" rIns="72390" bIns="72390" numCol="1" spcCol="1270" anchor="ctr" anchorCtr="0">
+          <a:noAutofit/>
+        </a:bodyPr>
+        <a:lstStyle/>
+        <a:p>
+          <a:pPr marL="0" lvl="0" indent="0" algn="ctr" defTabSz="844550">
+            <a:lnSpc>
+              <a:spcPct val="90000"/>
+            </a:lnSpc>
+            <a:spcBef>
+              <a:spcPct val="0"/>
+            </a:spcBef>
+            <a:spcAft>
+              <a:spcPct val="35000"/>
+            </a:spcAft>
+            <a:buNone/>
+          </a:pPr>
+          <a:r>
+            <a:rPr lang="en-US" sz="1900" kern="1200" dirty="0" err="1"/>
+            <a:t>Modellerstellung</a:t>
+          </a:r>
+          <a:r>
+            <a:rPr lang="en-US" sz="1900" kern="1200" dirty="0"/>
+            <a:t> </a:t>
+          </a:r>
+        </a:p>
+      </dsp:txBody>
+      <dsp:txXfrm>
+        <a:off x="656973" y="281212"/>
+        <a:ext cx="2179470" cy="1353229"/>
+      </dsp:txXfrm>
+    </dsp:sp>
+    <dsp:sp modelId="{0E7BD5BB-5D17-44D4-886D-D7B003CC32CF}">
+      <dsp:nvSpPr>
+        <dsp:cNvPr id="0" name=""/>
+        <dsp:cNvSpPr/>
+      </dsp:nvSpPr>
+      <dsp:spPr>
+        <a:xfrm>
+          <a:off x="3130063" y="167"/>
+          <a:ext cx="2263672" cy="1437431"/>
+        </a:xfrm>
+        <a:prstGeom prst="roundRect">
+          <a:avLst>
+            <a:gd name="adj" fmla="val 10000"/>
+          </a:avLst>
+        </a:prstGeom>
+        <a:solidFill>
+          <a:schemeClr val="accent1">
+            <a:hueOff val="0"/>
+            <a:satOff val="0"/>
+            <a:lumOff val="0"/>
+            <a:alphaOff val="0"/>
+          </a:schemeClr>
+        </a:solidFill>
+        <a:ln w="12700" cap="flat" cmpd="sng" algn="ctr">
+          <a:solidFill>
+            <a:schemeClr val="lt1">
+              <a:hueOff val="0"/>
+              <a:satOff val="0"/>
+              <a:lumOff val="0"/>
+              <a:alphaOff val="0"/>
+            </a:schemeClr>
+          </a:solidFill>
+          <a:prstDash val="solid"/>
+          <a:miter lim="800000"/>
+        </a:ln>
+        <a:effectLst/>
+      </dsp:spPr>
+      <dsp:style>
+        <a:lnRef idx="2">
+          <a:scrgbClr r="0" g="0" b="0"/>
+        </a:lnRef>
+        <a:fillRef idx="1">
+          <a:scrgbClr r="0" g="0" b="0"/>
+        </a:fillRef>
+        <a:effectRef idx="0">
+          <a:scrgbClr r="0" g="0" b="0"/>
+        </a:effectRef>
+        <a:fontRef idx="minor">
+          <a:schemeClr val="lt1"/>
+        </a:fontRef>
+      </dsp:style>
+    </dsp:sp>
+    <dsp:sp modelId="{0F559C39-A38B-47D7-B9BA-B2D13A57B05B}">
+      <dsp:nvSpPr>
+        <dsp:cNvPr id="0" name=""/>
+        <dsp:cNvSpPr/>
+      </dsp:nvSpPr>
+      <dsp:spPr>
+        <a:xfrm>
+          <a:off x="3381582" y="239111"/>
+          <a:ext cx="2263672" cy="1437431"/>
+        </a:xfrm>
+        <a:prstGeom prst="roundRect">
+          <a:avLst>
+            <a:gd name="adj" fmla="val 10000"/>
+          </a:avLst>
+        </a:prstGeom>
+        <a:solidFill>
+          <a:schemeClr val="lt1">
+            <a:alpha val="90000"/>
+            <a:hueOff val="0"/>
+            <a:satOff val="0"/>
+            <a:lumOff val="0"/>
+            <a:alphaOff val="0"/>
+          </a:schemeClr>
+        </a:solidFill>
+        <a:ln w="12700" cap="flat" cmpd="sng" algn="ctr">
+          <a:solidFill>
+            <a:schemeClr val="accent1">
+              <a:hueOff val="0"/>
+              <a:satOff val="0"/>
+              <a:lumOff val="0"/>
+              <a:alphaOff val="0"/>
+            </a:schemeClr>
+          </a:solidFill>
+          <a:prstDash val="solid"/>
+          <a:miter lim="800000"/>
+        </a:ln>
+        <a:effectLst/>
+      </dsp:spPr>
+      <dsp:style>
+        <a:lnRef idx="2">
+          <a:scrgbClr r="0" g="0" b="0"/>
+        </a:lnRef>
+        <a:fillRef idx="1">
+          <a:scrgbClr r="0" g="0" b="0"/>
+        </a:fillRef>
+        <a:effectRef idx="0">
+          <a:scrgbClr r="0" g="0" b="0"/>
+        </a:effectRef>
+        <a:fontRef idx="minor"/>
+      </dsp:style>
+      <dsp:txBody>
+        <a:bodyPr spcFirstLastPara="0" vert="horz" wrap="square" lIns="72390" tIns="72390" rIns="72390" bIns="72390" numCol="1" spcCol="1270" anchor="ctr" anchorCtr="0">
+          <a:noAutofit/>
+        </a:bodyPr>
+        <a:lstStyle/>
+        <a:p>
+          <a:pPr marL="0" lvl="0" indent="0" algn="ctr" defTabSz="844550">
+            <a:lnSpc>
+              <a:spcPct val="90000"/>
+            </a:lnSpc>
+            <a:spcBef>
+              <a:spcPct val="0"/>
+            </a:spcBef>
+            <a:spcAft>
+              <a:spcPct val="35000"/>
+            </a:spcAft>
+            <a:buNone/>
+          </a:pPr>
+          <a:r>
+            <a:rPr lang="en-US" sz="1900" kern="1200"/>
+            <a:t>Zufriedenstellende Ergebnisse</a:t>
+          </a:r>
+        </a:p>
+      </dsp:txBody>
+      <dsp:txXfrm>
+        <a:off x="3423683" y="281212"/>
+        <a:ext cx="2179470" cy="1353229"/>
+      </dsp:txXfrm>
+    </dsp:sp>
+    <dsp:sp modelId="{6BE54176-9E80-42B5-A64D-D8212D685436}">
+      <dsp:nvSpPr>
+        <dsp:cNvPr id="0" name=""/>
+        <dsp:cNvSpPr/>
+      </dsp:nvSpPr>
+      <dsp:spPr>
+        <a:xfrm>
+          <a:off x="5896774" y="167"/>
+          <a:ext cx="2263672" cy="1437431"/>
+        </a:xfrm>
+        <a:prstGeom prst="roundRect">
+          <a:avLst>
+            <a:gd name="adj" fmla="val 10000"/>
+          </a:avLst>
+        </a:prstGeom>
+        <a:solidFill>
+          <a:schemeClr val="accent1">
+            <a:hueOff val="0"/>
+            <a:satOff val="0"/>
+            <a:lumOff val="0"/>
+            <a:alphaOff val="0"/>
+          </a:schemeClr>
+        </a:solidFill>
+        <a:ln w="12700" cap="flat" cmpd="sng" algn="ctr">
+          <a:solidFill>
+            <a:schemeClr val="lt1">
+              <a:hueOff val="0"/>
+              <a:satOff val="0"/>
+              <a:lumOff val="0"/>
+              <a:alphaOff val="0"/>
+            </a:schemeClr>
+          </a:solidFill>
+          <a:prstDash val="solid"/>
+          <a:miter lim="800000"/>
+        </a:ln>
+        <a:effectLst/>
+      </dsp:spPr>
+      <dsp:style>
+        <a:lnRef idx="2">
+          <a:scrgbClr r="0" g="0" b="0"/>
+        </a:lnRef>
+        <a:fillRef idx="1">
+          <a:scrgbClr r="0" g="0" b="0"/>
+        </a:fillRef>
+        <a:effectRef idx="0">
+          <a:scrgbClr r="0" g="0" b="0"/>
+        </a:effectRef>
+        <a:fontRef idx="minor">
+          <a:schemeClr val="lt1"/>
+        </a:fontRef>
+      </dsp:style>
+    </dsp:sp>
+    <dsp:sp modelId="{5407FC62-0400-4CDA-A999-1DCB8FBE8DD4}">
+      <dsp:nvSpPr>
+        <dsp:cNvPr id="0" name=""/>
+        <dsp:cNvSpPr/>
+      </dsp:nvSpPr>
+      <dsp:spPr>
+        <a:xfrm>
+          <a:off x="6148293" y="239111"/>
+          <a:ext cx="2263672" cy="1437431"/>
+        </a:xfrm>
+        <a:prstGeom prst="roundRect">
+          <a:avLst>
+            <a:gd name="adj" fmla="val 10000"/>
+          </a:avLst>
+        </a:prstGeom>
+        <a:solidFill>
+          <a:schemeClr val="lt1">
+            <a:alpha val="90000"/>
+            <a:hueOff val="0"/>
+            <a:satOff val="0"/>
+            <a:lumOff val="0"/>
+            <a:alphaOff val="0"/>
+          </a:schemeClr>
+        </a:solidFill>
+        <a:ln w="12700" cap="flat" cmpd="sng" algn="ctr">
+          <a:solidFill>
+            <a:schemeClr val="accent1">
+              <a:hueOff val="0"/>
+              <a:satOff val="0"/>
+              <a:lumOff val="0"/>
+              <a:alphaOff val="0"/>
+            </a:schemeClr>
+          </a:solidFill>
+          <a:prstDash val="solid"/>
+          <a:miter lim="800000"/>
+        </a:ln>
+        <a:effectLst/>
+      </dsp:spPr>
+      <dsp:style>
+        <a:lnRef idx="2">
+          <a:scrgbClr r="0" g="0" b="0"/>
+        </a:lnRef>
+        <a:fillRef idx="1">
+          <a:scrgbClr r="0" g="0" b="0"/>
+        </a:fillRef>
+        <a:effectRef idx="0">
+          <a:scrgbClr r="0" g="0" b="0"/>
+        </a:effectRef>
+        <a:fontRef idx="minor"/>
+      </dsp:style>
+      <dsp:txBody>
+        <a:bodyPr spcFirstLastPara="0" vert="horz" wrap="square" lIns="72390" tIns="72390" rIns="72390" bIns="72390" numCol="1" spcCol="1270" anchor="ctr" anchorCtr="0">
+          <a:noAutofit/>
+        </a:bodyPr>
+        <a:lstStyle/>
+        <a:p>
+          <a:pPr marL="0" lvl="0" indent="0" algn="ctr" defTabSz="844550">
+            <a:lnSpc>
+              <a:spcPct val="90000"/>
+            </a:lnSpc>
+            <a:spcBef>
+              <a:spcPct val="0"/>
+            </a:spcBef>
+            <a:spcAft>
+              <a:spcPct val="35000"/>
+            </a:spcAft>
+            <a:buNone/>
+          </a:pPr>
+          <a:r>
+            <a:rPr lang="en-US" sz="1900" kern="1200"/>
+            <a:t>Frontend-Entwicklung </a:t>
+          </a:r>
+        </a:p>
+      </dsp:txBody>
+      <dsp:txXfrm>
+        <a:off x="6190394" y="281212"/>
+        <a:ext cx="2179470" cy="1353229"/>
+      </dsp:txXfrm>
+    </dsp:sp>
+  </dsp:spTree>
+</dsp:drawing>
+</file>
+
+<file path=ppt/diagrams/layout1.xml><?xml version="1.0" encoding="utf-8"?>
+<dgm:layoutDef xmlns:dgm="http://schemas.openxmlformats.org/drawingml/2006/diagram" xmlns:a="http://schemas.openxmlformats.org/drawingml/2006/main" uniqueId="urn:microsoft.com/office/officeart/2005/8/layout/hierarchy1">
+  <dgm:title val=""/>
+  <dgm:desc val=""/>
+  <dgm:catLst>
+    <dgm:cat type="hierarchy" pri="2000"/>
+  </dgm:catLst>
+  <dgm:sampData>
+    <dgm:dataModel>
+      <dgm:ptLst>
+        <dgm:pt modelId="0" type="doc"/>
+        <dgm:pt modelId="1">
+          <dgm:prSet phldr="1"/>
+        </dgm:pt>
+        <dgm:pt modelId="2">
+          <dgm:prSet phldr="1"/>
+        </dgm:pt>
+        <dgm:pt modelId="21">
+          <dgm:prSet phldr="1"/>
+        </dgm:pt>
+        <dgm:pt modelId="22">
+          <dgm:prSet phldr="1"/>
+        </dgm:pt>
+        <dgm:pt modelId="3">
+          <dgm:prSet phldr="1"/>
+        </dgm:pt>
+        <dgm:pt modelId="31">
+          <dgm:prSet phldr="1"/>
+        </dgm:pt>
+      </dgm:ptLst>
+      <dgm:cxnLst>
+        <dgm:cxn modelId="4" srcId="0" destId="1" srcOrd="0" destOrd="0"/>
+        <dgm:cxn modelId="5" srcId="1" destId="2" srcOrd="0" destOrd="0"/>
+        <dgm:cxn modelId="6" srcId="1" destId="3" srcOrd="1" destOrd="0"/>
+        <dgm:cxn modelId="23" srcId="2" destId="21" srcOrd="0" destOrd="0"/>
+        <dgm:cxn modelId="24" srcId="2" destId="22" srcOrd="1" destOrd="0"/>
+        <dgm:cxn modelId="33" srcId="3" destId="31" srcOrd="0" destOrd="0"/>
+      </dgm:cxnLst>
+      <dgm:bg/>
+      <dgm:whole/>
+    </dgm:dataModel>
+  </dgm:sampData>
+  <dgm:styleData>
+    <dgm:dataModel>
+      <dgm:ptLst>
+        <dgm:pt modelId="0" type="doc"/>
+        <dgm:pt modelId="1"/>
+        <dgm:pt modelId="11"/>
+        <dgm:pt modelId="12"/>
+      </dgm:ptLst>
+      <dgm:cxnLst>
+        <dgm:cxn modelId="2" srcId="0" destId="1" srcOrd="0" destOrd="0"/>
+        <dgm:cxn modelId="13" srcId="1" destId="11" srcOrd="0" destOrd="0"/>
+        <dgm:cxn modelId="14" srcId="1" destId="12" srcOrd="1" destOrd="0"/>
+      </dgm:cxnLst>
+      <dgm:bg/>
+      <dgm:whole/>
+    </dgm:dataModel>
+  </dgm:styleData>
+  <dgm:clrData>
+    <dgm:dataModel>
+      <dgm:ptLst>
+        <dgm:pt modelId="0" type="doc"/>
+        <dgm:pt modelId="1"/>
+        <dgm:pt modelId="2"/>
+        <dgm:pt modelId="21"/>
+        <dgm:pt modelId="211"/>
+        <dgm:pt modelId="3"/>
+        <dgm:pt modelId="31"/>
+        <dgm:pt modelId="311"/>
+      </dgm:ptLst>
+      <dgm:cxnLst>
+        <dgm:cxn modelId="4" srcId="0" destId="1" srcOrd="0" destOrd="0"/>
+        <dgm:cxn modelId="5" srcId="1" destId="2" srcOrd="0" destOrd="0"/>
+        <dgm:cxn modelId="6" srcId="1" destId="3" srcOrd="1" destOrd="0"/>
+        <dgm:cxn modelId="23" srcId="2" destId="21" srcOrd="0" destOrd="0"/>
+        <dgm:cxn modelId="24" srcId="21" destId="211" srcOrd="0" destOrd="0"/>
+        <dgm:cxn modelId="33" srcId="3" destId="31" srcOrd="0" destOrd="0"/>
+        <dgm:cxn modelId="34" srcId="31" destId="311" srcOrd="0" destOrd="0"/>
+      </dgm:cxnLst>
+      <dgm:bg/>
+      <dgm:whole/>
+    </dgm:dataModel>
+  </dgm:clrData>
+  <dgm:layoutNode name="hierChild1">
+    <dgm:varLst>
+      <dgm:chPref val="1"/>
+      <dgm:dir/>
+      <dgm:animOne val="branch"/>
+      <dgm:animLvl val="lvl"/>
+      <dgm:resizeHandles/>
+    </dgm:varLst>
+    <dgm:choose name="Name0">
+      <dgm:if name="Name1" func="var" arg="dir" op="equ" val="norm">
+        <dgm:alg type="hierChild">
+          <dgm:param type="linDir" val="fromL"/>
+        </dgm:alg>
+      </dgm:if>
+      <dgm:else name="Name2">
+        <dgm:alg type="hierChild">
+          <dgm:param type="linDir" val="fromR"/>
+        </dgm:alg>
+      </dgm:else>
+    </dgm:choose>
+    <dgm:shape xmlns:r="http://schemas.openxmlformats.org/officeDocument/2006/relationships" r:blip="">
+      <dgm:adjLst/>
+    </dgm:shape>
+    <dgm:presOf/>
+    <dgm:constrLst>
+      <dgm:constr type="primFontSz" for="des" ptType="node" op="equ" val="65"/>
+      <dgm:constr type="w" for="des" forName="composite" refType="w"/>
+      <dgm:constr type="h" for="des" forName="composite" refType="w" refFor="des" refForName="composite" fact="0.667"/>
+      <dgm:constr type="w" for="des" forName="composite2" refType="w" refFor="des" refForName="composite"/>
+      <dgm:constr type="h" for="des" forName="composite2" refType="h" refFor="des" refForName="composite"/>
+      <dgm:constr type="w" for="des" forName="composite3" refType="w" refFor="des" refForName="composite"/>
+      <dgm:constr type="h" for="des" forName="composite3" refType="h" refFor="des" refForName="composite"/>
+      <dgm:constr type="w" for="des" forName="composite4" refType="w" refFor="des" refForName="composite"/>
+      <dgm:constr type="h" for="des" forName="composite4" refType="h" refFor="des" refForName="composite"/>
+      <dgm:constr type="w" for="des" forName="composite5" refType="w" refFor="des" refForName="composite"/>
+      <dgm:constr type="h" for="des" forName="composite5" refType="h" refFor="des" refForName="composite"/>
+      <dgm:constr type="sibSp" refType="w" refFor="des" refForName="composite" fact="0.1"/>
+      <dgm:constr type="sibSp" for="des" forName="hierChild2" refType="sibSp"/>
+      <dgm:constr type="sibSp" for="des" forName="hierChild3" refType="sibSp"/>
+      <dgm:constr type="sibSp" for="des" forName="hierChild4" refType="sibSp"/>
+      <dgm:constr type="sibSp" for="des" forName="hierChild5" refType="sibSp"/>
+      <dgm:constr type="sibSp" for="des" forName="hierChild6" refType="sibSp"/>
+      <dgm:constr type="sp" for="des" forName="hierRoot1" refType="h" refFor="des" refForName="composite" fact="0.25"/>
+      <dgm:constr type="sp" for="des" forName="hierRoot2" refType="sp" refFor="des" refForName="hierRoot1"/>
+      <dgm:constr type="sp" for="des" forName="hierRoot3" refType="sp" refFor="des" refForName="hierRoot1"/>
+      <dgm:constr type="sp" for="des" forName="hierRoot4" refType="sp" refFor="des" refForName="hierRoot1"/>
+      <dgm:constr type="sp" for="des" forName="hierRoot5" refType="sp" refFor="des" refForName="hierRoot1"/>
+    </dgm:constrLst>
+    <dgm:ruleLst/>
+    <dgm:forEach name="Name3" axis="ch">
+      <dgm:forEach name="Name4" axis="self" ptType="node">
+        <dgm:layoutNode name="hierRoot1">
+          <dgm:alg type="hierRoot"/>
+          <dgm:shape xmlns:r="http://schemas.openxmlformats.org/officeDocument/2006/relationships" r:blip="">
+            <dgm:adjLst/>
+          </dgm:shape>
+          <dgm:presOf/>
+          <dgm:constrLst>
+            <dgm:constr type="bendDist" for="des" ptType="parTrans" refType="sp" fact="0.5"/>
+          </dgm:constrLst>
+          <dgm:ruleLst/>
+          <dgm:layoutNode name="composite">
+            <dgm:alg type="composite"/>
+            <dgm:shape xmlns:r="http://schemas.openxmlformats.org/officeDocument/2006/relationships" r:blip="">
+              <dgm:adjLst/>
+            </dgm:shape>
+            <dgm:presOf/>
+            <dgm:constrLst>
+              <dgm:constr type="w" for="ch" forName="background" refType="w" fact="0.9"/>
+              <dgm:constr type="h" for="ch" forName="background" refType="w" refFor="ch" refForName="background" fact="0.635"/>
+              <dgm:constr type="t" for="ch" forName="background"/>
+              <dgm:constr type="l" for="ch" forName="background"/>
+              <dgm:constr type="w" for="ch" forName="text" refType="w" fact="0.9"/>
+              <dgm:constr type="h" for="ch" forName="text" refType="w" refFor="ch" refForName="text" fact="0.635"/>
+              <dgm:constr type="t" for="ch" forName="text" refType="w" fact="0.095"/>
+              <dgm:constr type="l" for="ch" forName="text" refType="w" fact="0.1"/>
+            </dgm:constrLst>
+            <dgm:ruleLst/>
+            <dgm:layoutNode name="background" styleLbl="node0" moveWith="text">
+              <dgm:alg type="sp"/>
+              <dgm:shape xmlns:r="http://schemas.openxmlformats.org/officeDocument/2006/relationships" type="roundRect" r:blip="">
+                <dgm:adjLst>
+                  <dgm:adj idx="1" val="0.1"/>
+                </dgm:adjLst>
+              </dgm:shape>
+              <dgm:presOf/>
+              <dgm:constrLst/>
+              <dgm:ruleLst/>
+            </dgm:layoutNode>
+            <dgm:layoutNode name="text" styleLbl="fgAcc0">
+              <dgm:varLst>
+                <dgm:chPref val="3"/>
+              </dgm:varLst>
+              <dgm:alg type="tx"/>
+              <dgm:shape xmlns:r="http://schemas.openxmlformats.org/officeDocument/2006/relationships" type="roundRect" r:blip="">
+                <dgm:adjLst>
+                  <dgm:adj idx="1" val="0.1"/>
+                </dgm:adjLst>
+              </dgm:shape>
+              <dgm:presOf axis="self"/>
+              <dgm:constrLst>
+                <dgm:constr type="tMarg" refType="primFontSz" fact="0.3"/>
+                <dgm:constr type="bMarg" refType="primFontSz" fact="0.3"/>
+                <dgm:constr type="lMarg" refType="primFontSz" fact="0.3"/>
+                <dgm:constr type="rMarg" refType="primFontSz" fact="0.3"/>
+              </dgm:constrLst>
+              <dgm:ruleLst>
+                <dgm:rule type="primFontSz" val="5" fact="NaN" max="NaN"/>
+              </dgm:ruleLst>
+            </dgm:layoutNode>
+          </dgm:layoutNode>
+          <dgm:layoutNode name="hierChild2">
+            <dgm:choose name="Name5">
+              <dgm:if name="Name6" func="var" arg="dir" op="equ" val="norm">
+                <dgm:alg type="hierChild">
+                  <dgm:param type="linDir" val="fromL"/>
+                </dgm:alg>
+              </dgm:if>
+              <dgm:else name="Name7">
+                <dgm:alg type="hierChild">
+                  <dgm:param type="linDir" val="fromR"/>
+                </dgm:alg>
+              </dgm:else>
+            </dgm:choose>
+            <dgm:shape xmlns:r="http://schemas.openxmlformats.org/officeDocument/2006/relationships" r:blip="">
+              <dgm:adjLst/>
+            </dgm:shape>
+            <dgm:presOf/>
+            <dgm:constrLst/>
+            <dgm:ruleLst/>
+            <dgm:forEach name="Name8" axis="ch">
+              <dgm:forEach name="Name9" axis="self" ptType="parTrans" cnt="1">
+                <dgm:layoutNode name="Name10">
+                  <dgm:alg type="conn">
+                    <dgm:param type="dim" val="1D"/>
+                    <dgm:param type="endSty" val="noArr"/>
+                    <dgm:param type="connRout" val="bend"/>
+                    <dgm:param type="bendPt" val="end"/>
+                    <dgm:param type="begPts" val="bCtr"/>
+                    <dgm:param type="endPts" val="tCtr"/>
+                    <dgm:param type="srcNode" val="background"/>
+                    <dgm:param type="dstNode" val="background2"/>
+                  </dgm:alg>
+                  <dgm:shape xmlns:r="http://schemas.openxmlformats.org/officeDocument/2006/relationships" type="conn" r:blip="" zOrderOff="-999">
+                    <dgm:adjLst/>
+                  </dgm:shape>
+                  <dgm:presOf axis="self"/>
+                  <dgm:constrLst>
+                    <dgm:constr type="begPad"/>
+                    <dgm:constr type="endPad"/>
+                  </dgm:constrLst>
+                  <dgm:ruleLst/>
+                </dgm:layoutNode>
+              </dgm:forEach>
+              <dgm:forEach name="Name11" axis="self" ptType="node">
+                <dgm:layoutNode name="hierRoot2">
+                  <dgm:alg type="hierRoot"/>
+                  <dgm:shape xmlns:r="http://schemas.openxmlformats.org/officeDocument/2006/relationships" r:blip="">
+                    <dgm:adjLst/>
+                  </dgm:shape>
+                  <dgm:presOf/>
+                  <dgm:constrLst>
+                    <dgm:constr type="bendDist" for="des" ptType="parTrans" refType="sp" fact="0.5"/>
+                  </dgm:constrLst>
+                  <dgm:ruleLst/>
+                  <dgm:layoutNode name="composite2">
+                    <dgm:alg type="composite"/>
+                    <dgm:shape xmlns:r="http://schemas.openxmlformats.org/officeDocument/2006/relationships" r:blip="">
+                      <dgm:adjLst/>
+                    </dgm:shape>
+                    <dgm:presOf/>
+                    <dgm:constrLst>
+                      <dgm:constr type="w" for="ch" forName="background2" refType="w" fact="0.9"/>
+                      <dgm:constr type="h" for="ch" forName="background2" refType="w" refFor="ch" refForName="background2" fact="0.635"/>
+                      <dgm:constr type="t" for="ch" forName="background2"/>
+                      <dgm:constr type="l" for="ch" forName="background2"/>
+                      <dgm:constr type="w" for="ch" forName="text2" refType="w" fact="0.9"/>
+                      <dgm:constr type="h" for="ch" forName="text2" refType="w" refFor="ch" refForName="text2" fact="0.635"/>
+                      <dgm:constr type="t" for="ch" forName="text2" refType="w" fact="0.095"/>
+                      <dgm:constr type="l" for="ch" forName="text2" refType="w" fact="0.1"/>
+                    </dgm:constrLst>
+                    <dgm:ruleLst/>
+                    <dgm:layoutNode name="background2" moveWith="text2">
+                      <dgm:alg type="sp"/>
+                      <dgm:shape xmlns:r="http://schemas.openxmlformats.org/officeDocument/2006/relationships" type="roundRect" r:blip="">
+                        <dgm:adjLst>
+                          <dgm:adj idx="1" val="0.1"/>
+                        </dgm:adjLst>
+                      </dgm:shape>
+                      <dgm:presOf/>
+                      <dgm:constrLst/>
+                      <dgm:ruleLst/>
+                    </dgm:layoutNode>
+                    <dgm:layoutNode name="text2" styleLbl="fgAcc2">
+                      <dgm:varLst>
+                        <dgm:chPref val="3"/>
+                      </dgm:varLst>
+                      <dgm:alg type="tx"/>
+                      <dgm:shape xmlns:r="http://schemas.openxmlformats.org/officeDocument/2006/relationships" type="roundRect" r:blip="">
+                        <dgm:adjLst>
+                          <dgm:adj idx="1" val="0.1"/>
+                        </dgm:adjLst>
+                      </dgm:shape>
+                      <dgm:presOf axis="self"/>
+                      <dgm:constrLst>
+                        <dgm:constr type="tMarg" refType="primFontSz" fact="0.3"/>
+                        <dgm:constr type="bMarg" refType="primFontSz" fact="0.3"/>
+                        <dgm:constr type="lMarg" refType="primFontSz" fact="0.3"/>
+                        <dgm:constr type="rMarg" refType="primFontSz" fact="0.3"/>
+                      </dgm:constrLst>
+                      <dgm:ruleLst>
+                        <dgm:rule type="primFontSz" val="5" fact="NaN" max="NaN"/>
+                      </dgm:ruleLst>
+                    </dgm:layoutNode>
+                  </dgm:layoutNode>
+                  <dgm:layoutNode name="hierChild3">
+                    <dgm:choose name="Name12">
+                      <dgm:if name="Name13" func="var" arg="dir" op="equ" val="norm">
+                        <dgm:alg type="hierChild">
+                          <dgm:param type="linDir" val="fromL"/>
+                        </dgm:alg>
+                      </dgm:if>
+                      <dgm:else name="Name14">
+                        <dgm:alg type="hierChild">
+                          <dgm:param type="linDir" val="fromR"/>
+                        </dgm:alg>
+                      </dgm:else>
+                    </dgm:choose>
+                    <dgm:shape xmlns:r="http://schemas.openxmlformats.org/officeDocument/2006/relationships" r:blip="">
+                      <dgm:adjLst/>
+                    </dgm:shape>
+                    <dgm:presOf/>
+                    <dgm:constrLst/>
+                    <dgm:ruleLst/>
+                    <dgm:forEach name="Name15" axis="ch">
+                      <dgm:forEach name="Name16" axis="self" ptType="parTrans" cnt="1">
+                        <dgm:layoutNode name="Name17">
+                          <dgm:alg type="conn">
+                            <dgm:param type="dim" val="1D"/>
+                            <dgm:param type="endSty" val="noArr"/>
+                            <dgm:param type="connRout" val="bend"/>
+                            <dgm:param type="bendPt" val="end"/>
+                            <dgm:param type="begPts" val="bCtr"/>
+                            <dgm:param type="endPts" val="tCtr"/>
+                            <dgm:param type="srcNode" val="background2"/>
+                            <dgm:param type="dstNode" val="background3"/>
+                          </dgm:alg>
+                          <dgm:shape xmlns:r="http://schemas.openxmlformats.org/officeDocument/2006/relationships" type="conn" r:blip="" zOrderOff="-999">
+                            <dgm:adjLst/>
+                          </dgm:shape>
+                          <dgm:presOf axis="self"/>
+                          <dgm:constrLst>
+                            <dgm:constr type="begPad"/>
+                            <dgm:constr type="endPad"/>
+                          </dgm:constrLst>
+                          <dgm:ruleLst/>
+                        </dgm:layoutNode>
+                      </dgm:forEach>
+                      <dgm:forEach name="Name18" axis="self" ptType="node">
+                        <dgm:layoutNode name="hierRoot3">
+                          <dgm:alg type="hierRoot"/>
+                          <dgm:shape xmlns:r="http://schemas.openxmlformats.org/officeDocument/2006/relationships" r:blip="">
+                            <dgm:adjLst/>
+                          </dgm:shape>
+                          <dgm:presOf/>
+                          <dgm:constrLst>
+                            <dgm:constr type="bendDist" for="des" ptType="parTrans" refType="sp" fact="0.5"/>
+                          </dgm:constrLst>
+                          <dgm:ruleLst/>
+                          <dgm:layoutNode name="composite3">
+                            <dgm:alg type="composite"/>
+                            <dgm:shape xmlns:r="http://schemas.openxmlformats.org/officeDocument/2006/relationships" r:blip="">
+                              <dgm:adjLst/>
+                            </dgm:shape>
+                            <dgm:presOf/>
+                            <dgm:constrLst>
+                              <dgm:constr type="w" for="ch" forName="background3" refType="w" fact="0.9"/>
+                              <dgm:constr type="h" for="ch" forName="background3" refType="w" refFor="ch" refForName="background3" fact="0.635"/>
+                              <dgm:constr type="t" for="ch" forName="background3"/>
+                              <dgm:constr type="l" for="ch" forName="background3"/>
+                              <dgm:constr type="w" for="ch" forName="text3" refType="w" fact="0.9"/>
+                              <dgm:constr type="h" for="ch" forName="text3" refType="w" refFor="ch" refForName="text3" fact="0.635"/>
+                              <dgm:constr type="t" for="ch" forName="text3" refType="w" fact="0.095"/>
+                              <dgm:constr type="l" for="ch" forName="text3" refType="w" fact="0.1"/>
+                            </dgm:constrLst>
+                            <dgm:ruleLst/>
+                            <dgm:layoutNode name="background3" moveWith="text3">
+                              <dgm:alg type="sp"/>
+                              <dgm:shape xmlns:r="http://schemas.openxmlformats.org/officeDocument/2006/relationships" type="roundRect" r:blip="">
+                                <dgm:adjLst>
+                                  <dgm:adj idx="1" val="0.1"/>
+                                </dgm:adjLst>
+                              </dgm:shape>
+                              <dgm:presOf/>
+                              <dgm:constrLst/>
+                              <dgm:ruleLst/>
+                            </dgm:layoutNode>
+                            <dgm:layoutNode name="text3" styleLbl="fgAcc3">
+                              <dgm:varLst>
+                                <dgm:chPref val="3"/>
+                              </dgm:varLst>
+                              <dgm:alg type="tx"/>
+                              <dgm:shape xmlns:r="http://schemas.openxmlformats.org/officeDocument/2006/relationships" type="roundRect" r:blip="">
+                                <dgm:adjLst>
+                                  <dgm:adj idx="1" val="0.1"/>
+                                </dgm:adjLst>
+                              </dgm:shape>
+                              <dgm:presOf axis="self"/>
+                              <dgm:constrLst>
+                                <dgm:constr type="tMarg" refType="primFontSz" fact="0.3"/>
+                                <dgm:constr type="bMarg" refType="primFontSz" fact="0.3"/>
+                                <dgm:constr type="lMarg" refType="primFontSz" fact="0.3"/>
+                                <dgm:constr type="rMarg" refType="primFontSz" fact="0.3"/>
+                              </dgm:constrLst>
+                              <dgm:ruleLst>
+                                <dgm:rule type="primFontSz" val="5" fact="NaN" max="NaN"/>
+                              </dgm:ruleLst>
+                            </dgm:layoutNode>
+                          </dgm:layoutNode>
+                          <dgm:layoutNode name="hierChild4">
+                            <dgm:choose name="Name19">
+                              <dgm:if name="Name20" func="var" arg="dir" op="equ" val="norm">
+                                <dgm:alg type="hierChild">
+                                  <dgm:param type="linDir" val="fromL"/>
+                                </dgm:alg>
+                              </dgm:if>
+                              <dgm:else name="Name21">
+                                <dgm:alg type="hierChild">
+                                  <dgm:param type="linDir" val="fromR"/>
+                                </dgm:alg>
+                              </dgm:else>
+                            </dgm:choose>
+                            <dgm:shape xmlns:r="http://schemas.openxmlformats.org/officeDocument/2006/relationships" r:blip="">
+                              <dgm:adjLst/>
+                            </dgm:shape>
+                            <dgm:presOf/>
+                            <dgm:constrLst/>
+                            <dgm:ruleLst/>
+                            <dgm:forEach name="repeat" axis="ch">
+                              <dgm:forEach name="Name22" axis="self" ptType="parTrans" cnt="1">
+                                <dgm:layoutNode name="Name23">
+                                  <dgm:choose name="Name24">
+                                    <dgm:if name="Name25" axis="self" func="depth" op="lte" val="4">
+                                      <dgm:alg type="conn">
+                                        <dgm:param type="dim" val="1D"/>
+                                        <dgm:param type="endSty" val="noArr"/>
+                                        <dgm:param type="connRout" val="bend"/>
+                                        <dgm:param type="bendPt" val="end"/>
+                                        <dgm:param type="begPts" val="bCtr"/>
+                                        <dgm:param type="endPts" val="tCtr"/>
+                                        <dgm:param type="srcNode" val="background3"/>
+                                        <dgm:param type="dstNode" val="background4"/>
+                                      </dgm:alg>
+                                    </dgm:if>
+                                    <dgm:else name="Name26">
+                                      <dgm:alg type="conn">
+                                        <dgm:param type="dim" val="1D"/>
+                                        <dgm:param type="endSty" val="noArr"/>
+                                        <dgm:param type="connRout" val="bend"/>
+                                        <dgm:param type="bendPt" val="end"/>
+                                        <dgm:param type="begPts" val="bCtr"/>
+                                        <dgm:param type="endPts" val="tCtr"/>
+                                        <dgm:param type="srcNode" val="background4"/>
+                                        <dgm:param type="dstNode" val="background4"/>
+                                      </dgm:alg>
+                                    </dgm:else>
+                                  </dgm:choose>
+                                  <dgm:shape xmlns:r="http://schemas.openxmlformats.org/officeDocument/2006/relationships" type="conn" r:blip="" zOrderOff="-999">
+                                    <dgm:adjLst/>
+                                  </dgm:shape>
+                                  <dgm:presOf axis="self"/>
+                                  <dgm:constrLst>
+                                    <dgm:constr type="begPad"/>
+                                    <dgm:constr type="endPad"/>
+                                  </dgm:constrLst>
+                                  <dgm:ruleLst/>
+                                </dgm:layoutNode>
+                              </dgm:forEach>
+                              <dgm:forEach name="Name27" axis="self" ptType="node">
+                                <dgm:layoutNode name="hierRoot4">
+                                  <dgm:alg type="hierRoot"/>
+                                  <dgm:shape xmlns:r="http://schemas.openxmlformats.org/officeDocument/2006/relationships" r:blip="">
+                                    <dgm:adjLst/>
+                                  </dgm:shape>
+                                  <dgm:presOf/>
+                                  <dgm:constrLst>
+                                    <dgm:constr type="bendDist" for="des" ptType="parTrans" refType="sp" fact="0.5"/>
+                                  </dgm:constrLst>
+                                  <dgm:ruleLst/>
+                                  <dgm:layoutNode name="composite4">
+                                    <dgm:alg type="composite"/>
+                                    <dgm:shape xmlns:r="http://schemas.openxmlformats.org/officeDocument/2006/relationships" r:blip="">
+                                      <dgm:adjLst/>
+                                    </dgm:shape>
+                                    <dgm:presOf/>
+                                    <dgm:constrLst>
+                                      <dgm:constr type="w" for="ch" forName="background4" refType="w" fact="0.9"/>
+                                      <dgm:constr type="h" for="ch" forName="background4" refType="w" refFor="ch" refForName="background4" fact="0.635"/>
+                                      <dgm:constr type="t" for="ch" forName="background4"/>
+                                      <dgm:constr type="l" for="ch" forName="background4"/>
+                                      <dgm:constr type="w" for="ch" forName="text4" refType="w" fact="0.9"/>
+                                      <dgm:constr type="h" for="ch" forName="text4" refType="w" refFor="ch" refForName="text4" fact="0.635"/>
+                                      <dgm:constr type="t" for="ch" forName="text4" refType="w" fact="0.095"/>
+                                      <dgm:constr type="l" for="ch" forName="text4" refType="w" fact="0.1"/>
+                                    </dgm:constrLst>
+                                    <dgm:ruleLst/>
+                                    <dgm:layoutNode name="background4" moveWith="text4">
+                                      <dgm:alg type="sp"/>
+                                      <dgm:shape xmlns:r="http://schemas.openxmlformats.org/officeDocument/2006/relationships" type="roundRect" r:blip="">
+                                        <dgm:adjLst>
+                                          <dgm:adj idx="1" val="0.1"/>
+                                        </dgm:adjLst>
+                                      </dgm:shape>
+                                      <dgm:presOf/>
+                                      <dgm:constrLst/>
+                                      <dgm:ruleLst/>
+                                    </dgm:layoutNode>
+                                    <dgm:layoutNode name="text4" styleLbl="fgAcc4">
+                                      <dgm:varLst>
+                                        <dgm:chPref val="3"/>
+                                      </dgm:varLst>
+                                      <dgm:alg type="tx"/>
+                                      <dgm:shape xmlns:r="http://schemas.openxmlformats.org/officeDocument/2006/relationships" type="roundRect" r:blip="">
+                                        <dgm:adjLst>
+                                          <dgm:adj idx="1" val="0.1"/>
+                                        </dgm:adjLst>
+                                      </dgm:shape>
+                                      <dgm:presOf axis="self"/>
+                                      <dgm:constrLst>
+                                        <dgm:constr type="tMarg" refType="primFontSz" fact="0.3"/>
+                                        <dgm:constr type="bMarg" refType="primFontSz" fact="0.3"/>
+                                        <dgm:constr type="lMarg" refType="primFontSz" fact="0.3"/>
+                                        <dgm:constr type="rMarg" refType="primFontSz" fact="0.3"/>
+                                      </dgm:constrLst>
+                                      <dgm:ruleLst>
+                                        <dgm:rule type="primFontSz" val="5" fact="NaN" max="NaN"/>
+                                      </dgm:ruleLst>
+                                    </dgm:layoutNode>
+                                  </dgm:layoutNode>
+                                  <dgm:layoutNode name="hierChild5">
+                                    <dgm:choose name="Name28">
+                                      <dgm:if name="Name29" func="var" arg="dir" op="equ" val="norm">
+                                        <dgm:alg type="hierChild">
+                                          <dgm:param type="linDir" val="fromL"/>
+                                        </dgm:alg>
+                                      </dgm:if>
+                                      <dgm:else name="Name30">
+                                        <dgm:alg type="hierChild">
+                                          <dgm:param type="linDir" val="fromR"/>
+                                        </dgm:alg>
+                                      </dgm:else>
+                                    </dgm:choose>
+                                    <dgm:shape xmlns:r="http://schemas.openxmlformats.org/officeDocument/2006/relationships" r:blip="">
+                                      <dgm:adjLst/>
+                                    </dgm:shape>
+                                    <dgm:presOf/>
+                                    <dgm:constrLst/>
+                                    <dgm:ruleLst/>
+                                    <dgm:forEach name="Name31" ref="repeat"/>
+                                  </dgm:layoutNode>
+                                </dgm:layoutNode>
+                              </dgm:forEach>
+                            </dgm:forEach>
+                          </dgm:layoutNode>
+                        </dgm:layoutNode>
+                      </dgm:forEach>
+                    </dgm:forEach>
+                  </dgm:layoutNode>
+                </dgm:layoutNode>
+              </dgm:forEach>
+            </dgm:forEach>
+          </dgm:layoutNode>
+        </dgm:layoutNode>
+      </dgm:forEach>
+    </dgm:forEach>
+  </dgm:layoutNode>
+</dgm:layoutDef>
+</file>
+
+<file path=ppt/diagrams/quickStyle1.xml><?xml version="1.0" encoding="utf-8"?>
+<dgm:styleDef xmlns:dgm="http://schemas.openxmlformats.org/drawingml/2006/diagram" xmlns:a="http://schemas.openxmlformats.org/drawingml/2006/main" uniqueId="urn:microsoft.com/office/officeart/2005/8/quickstyle/simple1">
+  <dgm:title val=""/>
+  <dgm:desc val=""/>
+  <dgm:catLst>
+    <dgm:cat type="simple" pri="10100"/>
+  </dgm:catLst>
+  <dgm:scene3d>
+    <a:camera prst="orthographicFront"/>
+    <a:lightRig rig="threePt" dir="t"/>
+  </dgm:scene3d>
+  <dgm:styleLbl name="node0">
+    <dgm:scene3d>
+      <a:camera prst="orthographicFront"/>
+      <a:lightRig rig="threePt" dir="t"/>
+    </dgm:scene3d>
+    <dgm:sp3d/>
+    <dgm:txPr/>
+    <dgm:style>
+      <a:lnRef idx="2">
+        <a:scrgbClr r="0" g="0" b="0"/>
+      </a:lnRef>
+      <a:fillRef idx="1">
+        <a:scrgbClr r="0" g="0" b="0"/>
+      </a:fillRef>
+      <a:effectRef idx="0">
+        <a:scrgbClr r="0" g="0" b="0"/>
+      </a:effectRef>
+      <a:fontRef idx="minor">
+        <a:schemeClr val="lt1"/>
+      </a:fontRef>
+    </dgm:style>
+  </dgm:styleLbl>
+  <dgm:styleLbl name="lnNode1">
+    <dgm:scene3d>
+      <a:camera prst="orthographicFront"/>
+      <a:lightRig rig="threePt" dir="t"/>
+    </dgm:scene3d>
+    <dgm:sp3d/>
+    <dgm:txPr/>
+    <dgm:style>
+      <a:lnRef idx="2">
+        <a:scrgbClr r="0" g="0" b="0"/>
+      </a:lnRef>
+      <a:fillRef idx="1">
+        <a:scrgbClr r="0" g="0" b="0"/>
+      </a:fillRef>
+      <a:effectRef idx="0">
+        <a:scrgbClr r="0" g="0" b="0"/>
+      </a:effectRef>
+      <a:fontRef idx="minor">
+        <a:schemeClr val="lt1"/>
+      </a:fontRef>
+    </dgm:style>
+  </dgm:styleLbl>
+  <dgm:styleLbl name="vennNode1">
+    <dgm:scene3d>
+      <a:camera prst="orthographicFront"/>
+      <a:lightRig rig="threePt" dir="t"/>
+    </dgm:scene3d>
+    <dgm:sp3d/>
+    <dgm:txPr/>
+    <dgm:style>
+      <a:lnRef idx="2">
+        <a:scrgbClr r="0" g="0" b="0"/>
+      </a:lnRef>
+      <a:fillRef idx="1">
+        <a:scrgbClr r="0" g="0" b="0"/>
+      </a:fillRef>
+      <a:effectRef idx="0">
+        <a:scrgbClr r="0" g="0" b="0"/>
+      </a:effectRef>
+      <a:fontRef idx="minor">
+        <a:schemeClr val="tx1"/>
+      </a:fontRef>
+    </dgm:style>
+  </dgm:styleLbl>
+  <dgm:styleLbl name="alignNode1">
+    <dgm:scene3d>
+      <a:camera prst="orthographicFront"/>
+      <a:lightRig rig="threePt" dir="t"/>
+    </dgm:scene3d>
+    <dgm:sp3d/>
+    <dgm:txPr/>
+    <dgm:style>
+      <a:lnRef idx="2">
+        <a:scrgbClr r="0" g="0" b="0"/>
+      </a:lnRef>
+      <a:fillRef idx="1">
+        <a:scrgbClr r="0" g="0" b="0"/>
+      </a:fillRef>
+      <a:effectRef idx="0">
+        <a:scrgbClr r="0" g="0" b="0"/>
+      </a:effectRef>
+      <a:fontRef idx="minor">
+        <a:schemeClr val="lt1"/>
+      </a:fontRef>
+    </dgm:style>
+  </dgm:styleLbl>
+  <dgm:styleLbl name="node1">
+    <dgm:scene3d>
+      <a:camera prst="orthographicFront"/>
+      <a:lightRig rig="threePt" dir="t"/>
+    </dgm:scene3d>
+    <dgm:sp3d/>
+    <dgm:txPr/>
+    <dgm:style>
+      <a:lnRef idx="2">
+        <a:scrgbClr r="0" g="0" b="0"/>
+      </a:lnRef>
+      <a:fillRef idx="1">
+        <a:scrgbClr r="0" g="0" b="0"/>
+      </a:fillRef>
+      <a:effectRef idx="0">
+        <a:scrgbClr r="0" g="0" b="0"/>
+      </a:effectRef>
+      <a:fontRef idx="minor">
+        <a:schemeClr val="lt1"/>
+      </a:fontRef>
+    </dgm:style>
+  </dgm:styleLbl>
+  <dgm:styleLbl name="node2">
+    <dgm:scene3d>
+      <a:camera prst="orthographicFront"/>
+      <a:lightRig rig="threePt" dir="t"/>
+    </dgm:scene3d>
+    <dgm:sp3d/>
+    <dgm:txPr/>
+    <dgm:style>
+      <a:lnRef idx="2">
+        <a:scrgbClr r="0" g="0" b="0"/>
+      </a:lnRef>
+      <a:fillRef idx="1">
+        <a:scrgbClr r="0" g="0" b="0"/>
+      </a:fillRef>
+      <a:effectRef idx="0">
+        <a:scrgbClr r="0" g="0" b="0"/>
+      </a:effectRef>
+      <a:fontRef idx="minor">
+        <a:schemeClr val="lt1"/>
+      </a:fontRef>
+    </dgm:style>
+  </dgm:styleLbl>
+  <dgm:styleLbl name="node3">
+    <dgm:scene3d>
+      <a:camera prst="orthographicFront"/>
+      <a:lightRig rig="threePt" dir="t"/>
+    </dgm:scene3d>
+    <dgm:sp3d/>
+    <dgm:txPr/>
+    <dgm:style>
+      <a:lnRef idx="2">
+        <a:scrgbClr r="0" g="0" b="0"/>
+      </a:lnRef>
+      <a:fillRef idx="1">
+        <a:scrgbClr r="0" g="0" b="0"/>
+      </a:fillRef>
+      <a:effectRef idx="0">
+        <a:scrgbClr r="0" g="0" b="0"/>
+      </a:effectRef>
+      <a:fontRef idx="minor">
+        <a:schemeClr val="lt1"/>
+      </a:fontRef>
+    </dgm:style>
+  </dgm:styleLbl>
+  <dgm:styleLbl name="node4">
+    <dgm:scene3d>
+      <a:camera prst="orthographicFront"/>
+      <a:lightRig rig="threePt" dir="t"/>
+    </dgm:scene3d>
+    <dgm:sp3d/>
+    <dgm:txPr/>
+    <dgm:style>
+      <a:lnRef idx="2">
+        <a:scrgbClr r="0" g="0" b="0"/>
+      </a:lnRef>
+      <a:fillRef idx="1">
+        <a:scrgbClr r="0" g="0" b="0"/>
+      </a:fillRef>
+      <a:effectRef idx="0">
+        <a:scrgbClr r="0" g="0" b="0"/>
+      </a:effectRef>
+      <a:fontRef idx="minor">
+        <a:schemeClr val="lt1"/>
+      </a:fontRef>
+    </dgm:style>
+  </dgm:styleLbl>
+  <dgm:styleLbl name="fgImgPlace1">
+    <dgm:scene3d>
+      <a:camera prst="orthographicFront"/>
+      <a:lightRig rig="threePt" dir="t"/>
+    </dgm:scene3d>
+    <dgm:sp3d/>
+    <dgm:txPr/>
+    <dgm:style>
+      <a:lnRef idx="2">
+        <a:scrgbClr r="0" g="0" b="0"/>
+      </a:lnRef>
+      <a:fillRef idx="1">
+        <a:scrgbClr r="0" g="0" b="0"/>
+      </a:fillRef>
+      <a:effectRef idx="0">
+        <a:scrgbClr r="0" g="0" b="0"/>
+      </a:effectRef>
+      <a:fontRef idx="minor"/>
+    </dgm:style>
+  </dgm:styleLbl>
+  <dgm:styleLbl name="alignImgPlace1">
+    <dgm:scene3d>
+      <a:camera prst="orthographicFront"/>
+      <a:lightRig rig="threePt" dir="t"/>
+    </dgm:scene3d>
+    <dgm:sp3d/>
+    <dgm:txPr/>
+    <dgm:style>
+      <a:lnRef idx="2">
+        <a:scrgbClr r="0" g="0" b="0"/>
+      </a:lnRef>
+      <a:fillRef idx="1">
+        <a:scrgbClr r="0" g="0" b="0"/>
+      </a:fillRef>
+      <a:effectRef idx="0">
+        <a:scrgbClr r="0" g="0" b="0"/>
+      </a:effectRef>
+      <a:fontRef idx="minor"/>
+    </dgm:style>
+  </dgm:styleLbl>
+  <dgm:styleLbl name="bgImgPlace1">
+    <dgm:scene3d>
+      <a:camera prst="orthographicFront"/>
+      <a:lightRig rig="threePt" dir="t"/>
+    </dgm:scene3d>
+    <dgm:sp3d/>
+    <dgm:txPr/>
+    <dgm:style>
+      <a:lnRef idx="2">
+        <a:scrgbClr r="0" g="0" b="0"/>
+      </a:lnRef>
+      <a:fillRef idx="1">
+        <a:scrgbClr r="0" g="0" b="0"/>
+      </a:fillRef>
+      <a:effectRef idx="0">
+        <a:scrgbClr r="0" g="0" b="0"/>
+      </a:effectRef>
+      <a:fontRef idx="minor"/>
+    </dgm:style>
+  </dgm:styleLbl>
+  <dgm:styleLbl name="sibTrans2D1">
+    <dgm:scene3d>
+      <a:camera prst="orthographicFront"/>
+      <a:lightRig rig="threePt" dir="t"/>
+    </dgm:scene3d>
+    <dgm:sp3d/>
+    <dgm:txPr/>
+    <dgm:style>
+      <a:lnRef idx="0">
+        <a:scrgbClr r="0" g="0" b="0"/>
+      </a:lnRef>
+      <a:fillRef idx="1">
+        <a:scrgbClr r="0" g="0" b="0"/>
+      </a:fillRef>
+      <a:effectRef idx="0">
+        <a:scrgbClr r="0" g="0" b="0"/>
+      </a:effectRef>
+      <a:fontRef idx="minor">
+        <a:schemeClr val="lt1"/>
+      </a:fontRef>
+    </dgm:style>
+  </dgm:styleLbl>
+  <dgm:styleLbl name="fgSibTrans2D1">
+    <dgm:scene3d>
+      <a:camera prst="orthographicFront"/>
+      <a:lightRig rig="threePt" dir="t"/>
+    </dgm:scene3d>
+    <dgm:sp3d/>
+    <dgm:txPr/>
+    <dgm:style>
+      <a:lnRef idx="0">
+        <a:scrgbClr r="0" g="0" b="0"/>
+      </a:lnRef>
+      <a:fillRef idx="1">
+        <a:scrgbClr r="0" g="0" b="0"/>
+      </a:fillRef>
+      <a:effectRef idx="0">
+        <a:scrgbClr r="0" g="0" b="0"/>
+      </a:effectRef>
+      <a:fontRef idx="minor">
+        <a:schemeClr val="lt1"/>
+      </a:fontRef>
+    </dgm:style>
+  </dgm:styleLbl>
+  <dgm:styleLbl name="bgSibTrans2D1">
+    <dgm:scene3d>
+      <a:camera prst="orthographicFront"/>
+      <a:lightRig rig="threePt" dir="t"/>
+    </dgm:scene3d>
+    <dgm:sp3d/>
+    <dgm:txPr/>
+    <dgm:style>
+      <a:lnRef idx="0">
+        <a:scrgbClr r="0" g="0" b="0"/>
+      </a:lnRef>
+      <a:fillRef idx="1">
+        <a:scrgbClr r="0" g="0" b="0"/>
+      </a:fillRef>
+      <a:effectRef idx="0">
+        <a:scrgbClr r="0" g="0" b="0"/>
+      </a:effectRef>
+      <a:fontRef idx="minor">
+        <a:schemeClr val="lt1"/>
+      </a:fontRef>
+    </dgm:style>
+  </dgm:styleLbl>
+  <dgm:styleLbl name="sibTrans1D1">
+    <dgm:scene3d>
+      <a:camera prst="orthographicFront"/>
+      <a:lightRig rig="threePt" dir="t"/>
+    </dgm:scene3d>
+    <dgm:sp3d/>
+    <dgm:txPr/>
+    <dgm:style>
+      <a:lnRef idx="1">
+        <a:scrgbClr r="0" g="0" b="0"/>
+      </a:lnRef>
+      <a:fillRef idx="0">
+        <a:scrgbClr r="0" g="0" b="0"/>
+      </a:fillRef>
+      <a:effectRef idx="0">
+        <a:scrgbClr r="0" g="0" b="0"/>
+      </a:effectRef>
+      <a:fontRef idx="minor"/>
+    </dgm:style>
+  </dgm:styleLbl>
+  <dgm:styleLbl name="callout">
+    <dgm:scene3d>
+      <a:camera prst="orthographicFront"/>
+      <a:lightRig rig="threePt" dir="t"/>
+    </dgm:scene3d>
+    <dgm:sp3d/>
+    <dgm:txPr/>
+    <dgm:style>
+      <a:lnRef idx="2">
+        <a:scrgbClr r="0" g="0" b="0"/>
+      </a:lnRef>
+      <a:fillRef idx="1">
+        <a:scrgbClr r="0" g="0" b="0"/>
+      </a:fillRef>
+      <a:effectRef idx="0">
+        <a:scrgbClr r="0" g="0" b="0"/>
+      </a:effectRef>
+      <a:fontRef idx="minor"/>
+    </dgm:style>
+  </dgm:styleLbl>
+  <dgm:styleLbl name="asst0">
+    <dgm:scene3d>
+      <a:camera prst="orthographicFront"/>
+      <a:lightRig rig="threePt" dir="t"/>
+    </dgm:scene3d>
+    <dgm:sp3d/>
+    <dgm:txPr/>
+    <dgm:style>
+      <a:lnRef idx="2">
+        <a:scrgbClr r="0" g="0" b="0"/>
+      </a:lnRef>
+      <a:fillRef idx="1">
+        <a:scrgbClr r="0" g="0" b="0"/>
+      </a:fillRef>
+      <a:effectRef idx="0">
+        <a:scrgbClr r="0" g="0" b="0"/>
+      </a:effectRef>
+      <a:fontRef idx="minor">
+        <a:schemeClr val="lt1"/>
+      </a:fontRef>
+    </dgm:style>
+  </dgm:styleLbl>
+  <dgm:styleLbl name="asst1">
+    <dgm:scene3d>
+      <a:camera prst="orthographicFront"/>
+      <a:lightRig rig="threePt" dir="t"/>
+    </dgm:scene3d>
+    <dgm:sp3d/>
+    <dgm:txPr/>
+    <dgm:style>
+      <a:lnRef idx="2">
+        <a:scrgbClr r="0" g="0" b="0"/>
+      </a:lnRef>
+      <a:fillRef idx="1">
+        <a:scrgbClr r="0" g="0" b="0"/>
+      </a:fillRef>
+      <a:effectRef idx="0">
+        <a:scrgbClr r="0" g="0" b="0"/>
+      </a:effectRef>
+      <a:fontRef idx="minor">
+        <a:schemeClr val="lt1"/>
+      </a:fontRef>
+    </dgm:style>
+  </dgm:styleLbl>
+  <dgm:styleLbl name="asst2">
+    <dgm:scene3d>
+      <a:camera prst="orthographicFront"/>
+      <a:lightRig rig="threePt" dir="t"/>
+    </dgm:scene3d>
+    <dgm:sp3d/>
+    <dgm:txPr/>
+    <dgm:style>
+      <a:lnRef idx="2">
+        <a:scrgbClr r="0" g="0" b="0"/>
+      </a:lnRef>
+      <a:fillRef idx="1">
+        <a:scrgbClr r="0" g="0" b="0"/>
+      </a:fillRef>
+      <a:effectRef idx="0">
+        <a:scrgbClr r="0" g="0" b="0"/>
+      </a:effectRef>
+      <a:fontRef idx="minor">
+        <a:schemeClr val="lt1"/>
+      </a:fontRef>
+    </dgm:style>
+  </dgm:styleLbl>
+  <dgm:styleLbl name="asst3">
+    <dgm:scene3d>
+      <a:camera prst="orthographicFront"/>
+      <a:lightRig rig="threePt" dir="t"/>
+    </dgm:scene3d>
+    <dgm:sp3d/>
+    <dgm:txPr/>
+    <dgm:style>
+      <a:lnRef idx="2">
+        <a:scrgbClr r="0" g="0" b="0"/>
+      </a:lnRef>
+      <a:fillRef idx="1">
+        <a:scrgbClr r="0" g="0" b="0"/>
+      </a:fillRef>
+      <a:effectRef idx="0">
+        <a:scrgbClr r="0" g="0" b="0"/>
+      </a:effectRef>
+      <a:fontRef idx="minor">
+        <a:schemeClr val="lt1"/>
+      </a:fontRef>
+    </dgm:style>
+  </dgm:styleLbl>
+  <dgm:styleLbl name="asst4">
+    <dgm:scene3d>
+      <a:camera prst="orthographicFront"/>
+      <a:lightRig rig="threePt" dir="t"/>
+    </dgm:scene3d>
+    <dgm:sp3d/>
+    <dgm:txPr/>
+    <dgm:style>
+      <a:lnRef idx="2">
+        <a:scrgbClr r="0" g="0" b="0"/>
+      </a:lnRef>
+      <a:fillRef idx="1">
+        <a:scrgbClr r="0" g="0" b="0"/>
+      </a:fillRef>
+      <a:effectRef idx="0">
+        <a:scrgbClr r="0" g="0" b="0"/>
+      </a:effectRef>
+      <a:fontRef idx="minor">
+        <a:schemeClr val="lt1"/>
+      </a:fontRef>
+    </dgm:style>
+  </dgm:styleLbl>
+  <dgm:styleLbl name="parChTrans2D1">
+    <dgm:scene3d>
+      <a:camera prst="orthographicFront"/>
+      <a:lightRig rig="threePt" dir="t"/>
+    </dgm:scene3d>
+    <dgm:sp3d/>
+    <dgm:txPr/>
+    <dgm:style>
+      <a:lnRef idx="2">
+        <a:scrgbClr r="0" g="0" b="0"/>
+      </a:lnRef>
+      <a:fillRef idx="1">
+        <a:scrgbClr r="0" g="0" b="0"/>
+      </a:fillRef>
+      <a:effectRef idx="0">
+        <a:scrgbClr r="0" g="0" b="0"/>
+      </a:effectRef>
+      <a:fontRef idx="minor">
+        <a:schemeClr val="lt1"/>
+      </a:fontRef>
+    </dgm:style>
+  </dgm:styleLbl>
+  <dgm:styleLbl name="parChTrans2D2">
+    <dgm:scene3d>
+      <a:camera prst="orthographicFront"/>
+      <a:lightRig rig="threePt" dir="t"/>
+    </dgm:scene3d>
+    <dgm:sp3d/>
+    <dgm:txPr/>
+    <dgm:style>
+      <a:lnRef idx="2">
+        <a:scrgbClr r="0" g="0" b="0"/>
+      </a:lnRef>
+      <a:fillRef idx="1">
+        <a:scrgbClr r="0" g="0" b="0"/>
+      </a:fillRef>
+      <a:effectRef idx="0">
+        <a:scrgbClr r="0" g="0" b="0"/>
+      </a:effectRef>
+      <a:fontRef idx="minor">
+        <a:schemeClr val="lt1"/>
+      </a:fontRef>
+    </dgm:style>
+  </dgm:styleLbl>
+  <dgm:styleLbl name="parChTrans2D3">
+    <dgm:scene3d>
+      <a:camera prst="orthographicFront"/>
+      <a:lightRig rig="threePt" dir="t"/>
+    </dgm:scene3d>
+    <dgm:sp3d/>
+    <dgm:txPr/>
+    <dgm:style>
+      <a:lnRef idx="2">
+        <a:scrgbClr r="0" g="0" b="0"/>
+      </a:lnRef>
+      <a:fillRef idx="1">
+        <a:scrgbClr r="0" g="0" b="0"/>
+      </a:fillRef>
+      <a:effectRef idx="0">
+        <a:scrgbClr r="0" g="0" b="0"/>
+      </a:effectRef>
+      <a:fontRef idx="minor">
+        <a:schemeClr val="lt1"/>
+      </a:fontRef>
+    </dgm:style>
+  </dgm:styleLbl>
+  <dgm:styleLbl name="parChTrans2D4">
+    <dgm:scene3d>
+      <a:camera prst="orthographicFront"/>
+      <a:lightRig rig="threePt" dir="t"/>
+    </dgm:scene3d>
+    <dgm:sp3d/>
+    <dgm:txPr/>
+    <dgm:style>
+      <a:lnRef idx="2">
+        <a:scrgbClr r="0" g="0" b="0"/>
+      </a:lnRef>
+      <a:fillRef idx="1">
+        <a:scrgbClr r="0" g="0" b="0"/>
+      </a:fillRef>
+      <a:effectRef idx="0">
+        <a:scrgbClr r="0" g="0" b="0"/>
+      </a:effectRef>
+      <a:fontRef idx="minor">
+        <a:schemeClr val="lt1"/>
+      </a:fontRef>
+    </dgm:style>
+  </dgm:styleLbl>
+  <dgm:styleLbl name="parChTrans1D1">
+    <dgm:scene3d>
+      <a:camera prst="orthographicFront"/>
+      <a:lightRig rig="threePt" dir="t"/>
+    </dgm:scene3d>
+    <dgm:sp3d/>
+    <dgm:txPr/>
+    <dgm:style>
+      <a:lnRef idx="2">
+        <a:scrgbClr r="0" g="0" b="0"/>
+      </a:lnRef>
+      <a:fillRef idx="0">
+        <a:scrgbClr r="0" g="0" b="0"/>
+      </a:fillRef>
+      <a:effectRef idx="0">
+        <a:scrgbClr r="0" g="0" b="0"/>
+      </a:effectRef>
+      <a:fontRef idx="minor"/>
+    </dgm:style>
+  </dgm:styleLbl>
+  <dgm:styleLbl name="parChTrans1D2">
+    <dgm:scene3d>
+      <a:camera prst="orthographicFront"/>
+      <a:lightRig rig="threePt" dir="t"/>
+    </dgm:scene3d>
+    <dgm:sp3d/>
+    <dgm:txPr/>
+    <dgm:style>
+      <a:lnRef idx="2">
+        <a:scrgbClr r="0" g="0" b="0"/>
+      </a:lnRef>
+      <a:fillRef idx="0">
+        <a:scrgbClr r="0" g="0" b="0"/>
+      </a:fillRef>
+      <a:effectRef idx="0">
+        <a:scrgbClr r="0" g="0" b="0"/>
+      </a:effectRef>
+      <a:fontRef idx="minor"/>
+    </dgm:style>
+  </dgm:styleLbl>
+  <dgm:styleLbl name="parChTrans1D3">
+    <dgm:scene3d>
+      <a:camera prst="orthographicFront"/>
+      <a:lightRig rig="threePt" dir="t"/>
+    </dgm:scene3d>
+    <dgm:sp3d/>
+    <dgm:txPr/>
+    <dgm:style>
+      <a:lnRef idx="2">
+        <a:scrgbClr r="0" g="0" b="0"/>
+      </a:lnRef>
+      <a:fillRef idx="0">
+        <a:scrgbClr r="0" g="0" b="0"/>
+      </a:fillRef>
+      <a:effectRef idx="0">
+        <a:scrgbClr r="0" g="0" b="0"/>
+      </a:effectRef>
+      <a:fontRef idx="minor"/>
+    </dgm:style>
+  </dgm:styleLbl>
+  <dgm:styleLbl name="parChTrans1D4">
+    <dgm:scene3d>
+      <a:camera prst="orthographicFront"/>
+      <a:lightRig rig="threePt" dir="t"/>
+    </dgm:scene3d>
+    <dgm:sp3d/>
+    <dgm:txPr/>
+    <dgm:style>
+      <a:lnRef idx="2">
+        <a:scrgbClr r="0" g="0" b="0"/>
+      </a:lnRef>
+      <a:fillRef idx="0">
+        <a:scrgbClr r="0" g="0" b="0"/>
+      </a:fillRef>
+      <a:effectRef idx="0">
+        <a:scrgbClr r="0" g="0" b="0"/>
+      </a:effectRef>
+      <a:fontRef idx="minor"/>
+    </dgm:style>
+  </dgm:styleLbl>
+  <dgm:styleLbl name="fgAcc1">
+    <dgm:scene3d>
+      <a:camera prst="orthographicFront"/>
+      <a:lightRig rig="threePt" dir="t"/>
+    </dgm:scene3d>
+    <dgm:sp3d/>
+    <dgm:txPr/>
+    <dgm:style>
+      <a:lnRef idx="2">
+        <a:scrgbClr r="0" g="0" b="0"/>
+      </a:lnRef>
+      <a:fillRef idx="1">
+        <a:scrgbClr r="0" g="0" b="0"/>
+      </a:fillRef>
+      <a:effectRef idx="0">
+        <a:scrgbClr r="0" g="0" b="0"/>
+      </a:effectRef>
+      <a:fontRef idx="minor"/>
+    </dgm:style>
+  </dgm:styleLbl>
+  <dgm:styleLbl name="conFgAcc1">
+    <dgm:scene3d>
+      <a:camera prst="orthographicFront"/>
+      <a:lightRig rig="threePt" dir="t"/>
+    </dgm:scene3d>
+    <dgm:sp3d/>
+    <dgm:txPr/>
+    <dgm:style>
+      <a:lnRef idx="2">
+        <a:scrgbClr r="0" g="0" b="0"/>
+      </a:lnRef>
+      <a:fillRef idx="1">
+        <a:scrgbClr r="0" g="0" b="0"/>
+      </a:fillRef>
+      <a:effectRef idx="0">
+        <a:scrgbClr r="0" g="0" b="0"/>
+      </a:effectRef>
+      <a:fontRef idx="minor"/>
+    </dgm:style>
+  </dgm:styleLbl>
+  <dgm:styleLbl name="alignAcc1">
+    <dgm:scene3d>
+      <a:camera prst="orthographicFront"/>
+      <a:lightRig rig="threePt" dir="t"/>
+    </dgm:scene3d>
+    <dgm:sp3d/>
+    <dgm:txPr/>
+    <dgm:style>
+      <a:lnRef idx="2">
+        <a:scrgbClr r="0" g="0" b="0"/>
+      </a:lnRef>
+      <a:fillRef idx="1">
+        <a:scrgbClr r="0" g="0" b="0"/>
+      </a:fillRef>
+      <a:effectRef idx="0">
+        <a:scrgbClr r="0" g="0" b="0"/>
+      </a:effectRef>
+      <a:fontRef idx="minor"/>
+    </dgm:style>
+  </dgm:styleLbl>
+  <dgm:styleLbl name="trAlignAcc1">
+    <dgm:scene3d>
+      <a:camera prst="orthographicFront"/>
+      <a:lightRig rig="threePt" dir="t"/>
+    </dgm:scene3d>
+    <dgm:sp3d/>
+    <dgm:txPr/>
+    <dgm:style>
+      <a:lnRef idx="1">
+        <a:scrgbClr r="0" g="0" b="0"/>
+      </a:lnRef>
+      <a:fillRef idx="1">
+        <a:scrgbClr r="0" g="0" b="0"/>
+      </a:fillRef>
+      <a:effectRef idx="0">
+        <a:scrgbClr r="0" g="0" b="0"/>
+      </a:effectRef>
+      <a:fontRef idx="minor"/>
+    </dgm:style>
+  </dgm:styleLbl>
+  <dgm:styleLbl name="bgAcc1">
+    <dgm:scene3d>
+      <a:camera prst="orthographicFront"/>
+      <a:lightRig rig="threePt" dir="t"/>
+    </dgm:scene3d>
+    <dgm:sp3d/>
+    <dgm:txPr/>
+    <dgm:style>
+      <a:lnRef idx="2">
+        <a:scrgbClr r="0" g="0" b="0"/>
+      </a:lnRef>
+      <a:fillRef idx="1">
+        <a:scrgbClr r="0" g="0" b="0"/>
+      </a:fillRef>
+      <a:effectRef idx="0">
+        <a:scrgbClr r="0" g="0" b="0"/>
+      </a:effectRef>
+      <a:fontRef idx="minor"/>
+    </dgm:style>
+  </dgm:styleLbl>
+  <dgm:styleLbl name="solidFgAcc1">
+    <dgm:scene3d>
+      <a:camera prst="orthographicFront"/>
+      <a:lightRig rig="threePt" dir="t"/>
+    </dgm:scene3d>
+    <dgm:sp3d/>
+    <dgm:txPr/>
+    <dgm:style>
+      <a:lnRef idx="2">
+        <a:scrgbClr r="0" g="0" b="0"/>
+      </a:lnRef>
+      <a:fillRef idx="1">
+        <a:scrgbClr r="0" g="0" b="0"/>
+      </a:fillRef>
+      <a:effectRef idx="0">
+        <a:scrgbClr r="0" g="0" b="0"/>
+      </a:effectRef>
+      <a:fontRef idx="minor"/>
+    </dgm:style>
+  </dgm:styleLbl>
+  <dgm:styleLbl name="solidAlignAcc1">
+    <dgm:scene3d>
+      <a:camera prst="orthographicFront"/>
+      <a:lightRig rig="threePt" dir="t"/>
+    </dgm:scene3d>
+    <dgm:sp3d/>
+    <dgm:txPr/>
+    <dgm:style>
+      <a:lnRef idx="2">
+        <a:scrgbClr r="0" g="0" b="0"/>
+      </a:lnRef>
+      <a:fillRef idx="1">
+        <a:scrgbClr r="0" g="0" b="0"/>
+      </a:fillRef>
+      <a:effectRef idx="0">
+        <a:scrgbClr r="0" g="0" b="0"/>
+      </a:effectRef>
+      <a:fontRef idx="minor"/>
+    </dgm:style>
+  </dgm:styleLbl>
+  <dgm:styleLbl name="solidBgAcc1">
+    <dgm:scene3d>
+      <a:camera prst="orthographicFront"/>
+      <a:lightRig rig="threePt" dir="t"/>
+    </dgm:scene3d>
+    <dgm:sp3d/>
+    <dgm:txPr/>
+    <dgm:style>
+      <a:lnRef idx="2">
+        <a:scrgbClr r="0" g="0" b="0"/>
+      </a:lnRef>
+      <a:fillRef idx="1">
+        <a:scrgbClr r="0" g="0" b="0"/>
+      </a:fillRef>
+      <a:effectRef idx="0">
+        <a:scrgbClr r="0" g="0" b="0"/>
+      </a:effectRef>
+      <a:fontRef idx="minor"/>
+    </dgm:style>
+  </dgm:styleLbl>
+  <dgm:styleLbl name="fgAccFollowNode1">
+    <dgm:scene3d>
+      <a:camera prst="orthographicFront"/>
+      <a:lightRig rig="threePt" dir="t"/>
+    </dgm:scene3d>
+    <dgm:sp3d/>
+    <dgm:txPr/>
+    <dgm:style>
+      <a:lnRef idx="2">
+        <a:scrgbClr r="0" g="0" b="0"/>
+      </a:lnRef>
+      <a:fillRef idx="1">
+        <a:scrgbClr r="0" g="0" b="0"/>
+      </a:fillRef>
+      <a:effectRef idx="0">
+        <a:scrgbClr r="0" g="0" b="0"/>
+      </a:effectRef>
+      <a:fontRef idx="minor"/>
+    </dgm:style>
+  </dgm:styleLbl>
+  <dgm:styleLbl name="alignAccFollowNode1">
+    <dgm:scene3d>
+      <a:camera prst="orthographicFront"/>
+      <a:lightRig rig="threePt" dir="t"/>
+    </dgm:scene3d>
+    <dgm:sp3d/>
+    <dgm:txPr/>
+    <dgm:style>
+      <a:lnRef idx="2">
+        <a:scrgbClr r="0" g="0" b="0"/>
+      </a:lnRef>
+      <a:fillRef idx="1">
+        <a:scrgbClr r="0" g="0" b="0"/>
+      </a:fillRef>
+      <a:effectRef idx="0">
+        <a:scrgbClr r="0" g="0" b="0"/>
+      </a:effectRef>
+      <a:fontRef idx="minor"/>
+    </dgm:style>
+  </dgm:styleLbl>
+  <dgm:styleLbl name="bgAccFollowNode1">
+    <dgm:scene3d>
+      <a:camera prst="orthographicFront"/>
+      <a:lightRig rig="threePt" dir="t"/>
+    </dgm:scene3d>
+    <dgm:sp3d/>
+    <dgm:txPr/>
+    <dgm:style>
+      <a:lnRef idx="2">
+        <a:scrgbClr r="0" g="0" b="0"/>
+      </a:lnRef>
+      <a:fillRef idx="1">
+        <a:scrgbClr r="0" g="0" b="0"/>
+      </a:fillRef>
+      <a:effectRef idx="0">
+        <a:scrgbClr r="0" g="0" b="0"/>
+      </a:effectRef>
+      <a:fontRef idx="minor"/>
+    </dgm:style>
+  </dgm:styleLbl>
+  <dgm:styleLbl name="fgAcc0">
+    <dgm:scene3d>
+      <a:camera prst="orthographicFront"/>
+      <a:lightRig rig="threePt" dir="t"/>
+    </dgm:scene3d>
+    <dgm:sp3d/>
+    <dgm:txPr/>
+    <dgm:style>
+      <a:lnRef idx="2">
+        <a:scrgbClr r="0" g="0" b="0"/>
+      </a:lnRef>
+      <a:fillRef idx="1">
+        <a:scrgbClr r="0" g="0" b="0"/>
+      </a:fillRef>
+      <a:effectRef idx="0">
+        <a:scrgbClr r="0" g="0" b="0"/>
+      </a:effectRef>
+      <a:fontRef idx="minor"/>
+    </dgm:style>
+  </dgm:styleLbl>
+  <dgm:styleLbl name="fgAcc2">
+    <dgm:scene3d>
+      <a:camera prst="orthographicFront"/>
+      <a:lightRig rig="threePt" dir="t"/>
+    </dgm:scene3d>
+    <dgm:sp3d/>
+    <dgm:txPr/>
+    <dgm:style>
+      <a:lnRef idx="2">
+        <a:scrgbClr r="0" g="0" b="0"/>
+      </a:lnRef>
+      <a:fillRef idx="1">
+        <a:scrgbClr r="0" g="0" b="0"/>
+      </a:fillRef>
+      <a:effectRef idx="0">
+        <a:scrgbClr r="0" g="0" b="0"/>
+      </a:effectRef>
+      <a:fontRef idx="minor"/>
+    </dgm:style>
+  </dgm:styleLbl>
+  <dgm:styleLbl name="fgAcc3">
+    <dgm:scene3d>
+      <a:camera prst="orthographicFront"/>
+      <a:lightRig rig="threePt" dir="t"/>
+    </dgm:scene3d>
+    <dgm:sp3d/>
+    <dgm:txPr/>
+    <dgm:style>
+      <a:lnRef idx="2">
+        <a:scrgbClr r="0" g="0" b="0"/>
+      </a:lnRef>
+      <a:fillRef idx="1">
+        <a:scrgbClr r="0" g="0" b="0"/>
+      </a:fillRef>
+      <a:effectRef idx="0">
+        <a:scrgbClr r="0" g="0" b="0"/>
+      </a:effectRef>
+      <a:fontRef idx="minor"/>
+    </dgm:style>
+  </dgm:styleLbl>
+  <dgm:styleLbl name="fgAcc4">
+    <dgm:scene3d>
+      <a:camera prst="orthographicFront"/>
+      <a:lightRig rig="threePt" dir="t"/>
+    </dgm:scene3d>
+    <dgm:sp3d/>
+    <dgm:txPr/>
+    <dgm:style>
+      <a:lnRef idx="2">
+        <a:scrgbClr r="0" g="0" b="0"/>
+      </a:lnRef>
+      <a:fillRef idx="1">
+        <a:scrgbClr r="0" g="0" b="0"/>
+      </a:fillRef>
+      <a:effectRef idx="0">
+        <a:scrgbClr r="0" g="0" b="0"/>
+      </a:effectRef>
+      <a:fontRef idx="minor"/>
+    </dgm:style>
+  </dgm:styleLbl>
+  <dgm:styleLbl name="bgShp">
+    <dgm:scene3d>
+      <a:camera prst="orthographicFront"/>
+      <a:lightRig rig="threePt" dir="t"/>
+    </dgm:scene3d>
+    <dgm:sp3d/>
+    <dgm:txPr/>
+    <dgm:style>
+      <a:lnRef idx="0">
+        <a:scrgbClr r="0" g="0" b="0"/>
+      </a:lnRef>
+      <a:fillRef idx="1">
+        <a:scrgbClr r="0" g="0" b="0"/>
+      </a:fillRef>
+      <a:effectRef idx="0">
+        <a:scrgbClr r="0" g="0" b="0"/>
+      </a:effectRef>
+      <a:fontRef idx="minor"/>
+    </dgm:style>
+  </dgm:styleLbl>
+  <dgm:styleLbl name="dkBgShp">
+    <dgm:scene3d>
+      <a:camera prst="orthographicFront"/>
+      <a:lightRig rig="threePt" dir="t"/>
+    </dgm:scene3d>
+    <dgm:sp3d/>
+    <dgm:txPr/>
+    <dgm:style>
+      <a:lnRef idx="0">
+        <a:scrgbClr r="0" g="0" b="0"/>
+      </a:lnRef>
+      <a:fillRef idx="1">
+        <a:scrgbClr r="0" g="0" b="0"/>
+      </a:fillRef>
+      <a:effectRef idx="0">
+        <a:scrgbClr r="0" g="0" b="0"/>
+      </a:effectRef>
+      <a:fontRef idx="minor"/>
+    </dgm:style>
+  </dgm:styleLbl>
+  <dgm:styleLbl name="trBgShp">
+    <dgm:scene3d>
+      <a:camera prst="orthographicFront"/>
+      <a:lightRig rig="threePt" dir="t"/>
+    </dgm:scene3d>
+    <dgm:sp3d/>
+    <dgm:txPr/>
+    <dgm:style>
+      <a:lnRef idx="0">
+        <a:scrgbClr r="0" g="0" b="0"/>
+      </a:lnRef>
+      <a:fillRef idx="1">
+        <a:scrgbClr r="0" g="0" b="0"/>
+      </a:fillRef>
+      <a:effectRef idx="0">
+        <a:scrgbClr r="0" g="0" b="0"/>
+      </a:effectRef>
+      <a:fontRef idx="minor"/>
+    </dgm:style>
+  </dgm:styleLbl>
+  <dgm:styleLbl name="fgShp">
+    <dgm:scene3d>
+      <a:camera prst="orthographicFront"/>
+      <a:lightRig rig="threePt" dir="t"/>
+    </dgm:scene3d>
+    <dgm:sp3d/>
+    <dgm:txPr/>
+    <dgm:style>
+      <a:lnRef idx="2">
+        <a:scrgbClr r="0" g="0" b="0"/>
+      </a:lnRef>
+      <a:fillRef idx="1">
+        <a:scrgbClr r="0" g="0" b="0"/>
+      </a:fillRef>
+      <a:effectRef idx="0">
+        <a:scrgbClr r="0" g="0" b="0"/>
+      </a:effectRef>
+      <a:fontRef idx="minor"/>
+    </dgm:style>
+  </dgm:styleLbl>
+  <dgm:styleLbl name="revTx">
+    <dgm:scene3d>
+      <a:camera prst="orthographicFront"/>
+      <a:lightRig rig="threePt" dir="t"/>
+    </dgm:scene3d>
+    <dgm:sp3d/>
+    <dgm:txPr/>
+    <dgm:style>
+      <a:lnRef idx="0">
+        <a:scrgbClr r="0" g="0" b="0"/>
+      </a:lnRef>
+      <a:fillRef idx="0">
+        <a:scrgbClr r="0" g="0" b="0"/>
+      </a:fillRef>
+      <a:effectRef idx="0">
+        <a:scrgbClr r="0" g="0" b="0"/>
+      </a:effectRef>
+      <a:fontRef idx="minor"/>
+    </dgm:style>
+  </dgm:styleLbl>
+</dgm:styleDef>
+</file>
+
 <file path=ppt/handoutMasters/handoutMaster1.xml><?xml version="1.0" encoding="utf-8"?>
 <p:handoutMaster xmlns:a="http://schemas.openxmlformats.org/drawingml/2006/main" xmlns:r="http://schemas.openxmlformats.org/officeDocument/2006/relationships" xmlns:p="http://schemas.openxmlformats.org/presentationml/2006/main">
   <p:cSld>
@@ -210,7 +3207,7 @@
           <a:p>
             <a:fld id="{177B9070-9281-4B15-842B-9B135EE24603}" type="datetimeFigureOut">
               <a:rPr lang="de-AT" smtClean="0"/>
-              <a:t>20.06.2023</a:t>
+              <a:t>21.06.2023</a:t>
             </a:fld>
             <a:endParaRPr lang="de-AT"/>
           </a:p>
@@ -5870,6 +8867,14 @@
 <file path=ppt/slides/slide3.xml><?xml version="1.0" encoding="utf-8"?>
 <p:sld xmlns:a="http://schemas.openxmlformats.org/drawingml/2006/main" xmlns:r="http://schemas.openxmlformats.org/officeDocument/2006/relationships" xmlns:p="http://schemas.openxmlformats.org/presentationml/2006/main">
   <p:cSld>
+    <p:bg>
+      <p:bgPr>
+        <a:solidFill>
+          <a:schemeClr val="bg1"/>
+        </a:solidFill>
+        <a:effectLst/>
+      </p:bgPr>
+    </p:bg>
     <p:spTree>
       <p:nvGrpSpPr>
         <p:cNvPr id="1" name=""/>
@@ -5886,6 +8891,72 @@
       </p:grpSpPr>
       <p:sp>
         <p:nvSpPr>
+          <p:cNvPr id="11" name="Down Arrow 7">
+            <a:extLst>
+              <a:ext uri="{FF2B5EF4-FFF2-40B4-BE49-F238E27FC236}">
+                <a16:creationId xmlns:a16="http://schemas.microsoft.com/office/drawing/2014/main" id="{D4771268-CB57-404A-9271-370EB28F6090}"/>
+              </a:ext>
+              <a:ext uri="{C183D7F6-B498-43B3-948B-1728B52AA6E4}">
+                <adec:decorative xmlns:adec="http://schemas.microsoft.com/office/drawing/2017/decorative" val="1"/>
+              </a:ext>
+            </a:extLst>
+          </p:cNvPr>
+          <p:cNvSpPr>
+            <a:spLocks noGrp="1" noRot="1" noChangeAspect="1" noMove="1" noResize="1" noEditPoints="1" noAdjustHandles="1" noChangeArrowheads="1" noChangeShapeType="1" noTextEdit="1"/>
+          </p:cNvSpPr>
+          <p:nvPr>
+            <p:extLst>
+              <p:ext uri="{386F3935-93C4-4BCD-93E2-E3B085C9AB24}">
+                <p16:designElem xmlns:p16="http://schemas.microsoft.com/office/powerpoint/2015/main" val="1"/>
+              </p:ext>
+            </p:extLst>
+          </p:nvPr>
+        </p:nvSpPr>
+        <p:spPr>
+          <a:xfrm rot="16200000">
+            <a:off x="600075" y="1118507"/>
+            <a:ext cx="2500312" cy="2624327"/>
+          </a:xfrm>
+          <a:prstGeom prst="downArrow">
+            <a:avLst>
+              <a:gd name="adj1" fmla="val 100000"/>
+              <a:gd name="adj2" fmla="val 15788"/>
+            </a:avLst>
+          </a:prstGeom>
+          <a:solidFill>
+            <a:srgbClr val="404040"/>
+          </a:solidFill>
+          <a:ln w="53975">
+            <a:noFill/>
+          </a:ln>
+        </p:spPr>
+        <p:style>
+          <a:lnRef idx="2">
+            <a:schemeClr val="accent1">
+              <a:shade val="50000"/>
+            </a:schemeClr>
+          </a:lnRef>
+          <a:fillRef idx="1">
+            <a:schemeClr val="accent1"/>
+          </a:fillRef>
+          <a:effectRef idx="0">
+            <a:schemeClr val="accent1"/>
+          </a:effectRef>
+          <a:fontRef idx="minor">
+            <a:schemeClr val="lt1"/>
+          </a:fontRef>
+        </p:style>
+        <p:txBody>
+          <a:bodyPr rtlCol="0" anchor="ctr"/>
+          <a:lstStyle/>
+          <a:p>
+            <a:pPr algn="ctr"/>
+            <a:endParaRPr lang="en-US"/>
+          </a:p>
+        </p:txBody>
+      </p:sp>
+      <p:sp>
+        <p:nvSpPr>
           <p:cNvPr id="6" name="Titel 5">
             <a:extLst>
               <a:ext uri="{FF2B5EF4-FFF2-40B4-BE49-F238E27FC236}">
@@ -5902,133 +8973,278 @@
         </p:nvSpPr>
         <p:spPr>
           <a:xfrm>
-            <a:off x="180000" y="114303"/>
-            <a:ext cx="8775320" cy="806822"/>
+            <a:off x="538067" y="1475448"/>
+            <a:ext cx="2513784" cy="1910443"/>
           </a:xfrm>
+          <a:noFill/>
+          <a:ln>
+            <a:noFill/>
+          </a:ln>
         </p:spPr>
         <p:txBody>
-          <a:bodyPr>
+          <a:bodyPr vert="horz" lIns="91440" tIns="45720" rIns="91440" bIns="45720" rtlCol="0" anchor="ctr">
             <a:normAutofit/>
           </a:bodyPr>
           <a:lstStyle/>
           <a:p>
-            <a:pPr algn="ctr"/>
-            <a:r>
-              <a:rPr lang="en-US" sz="2350" dirty="0"/>
+            <a:pPr algn="ctr" defTabSz="914400"/>
+            <a:r>
+              <a:rPr lang="en-US" sz="1300" kern="1200" dirty="0">
+                <a:solidFill>
+                  <a:srgbClr val="FFFFFF"/>
+                </a:solidFill>
+                <a:latin typeface="+mj-lt"/>
+                <a:ea typeface="+mj-ea"/>
+                <a:cs typeface="+mj-cs"/>
+              </a:rPr>
               <a:t>Wie </a:t>
             </a:r>
             <a:r>
-              <a:rPr lang="en-US" sz="2350" dirty="0" err="1"/>
+              <a:rPr lang="en-US" sz="1300" kern="1200" dirty="0" err="1">
+                <a:solidFill>
+                  <a:srgbClr val="FFFFFF"/>
+                </a:solidFill>
+                <a:latin typeface="+mj-lt"/>
+                <a:ea typeface="+mj-ea"/>
+                <a:cs typeface="+mj-cs"/>
+              </a:rPr>
               <a:t>haben</a:t>
             </a:r>
             <a:r>
-              <a:rPr lang="en-US" sz="2350" dirty="0"/>
+              <a:rPr lang="en-US" sz="1300" kern="1200" dirty="0">
+                <a:solidFill>
+                  <a:srgbClr val="FFFFFF"/>
+                </a:solidFill>
+                <a:latin typeface="+mj-lt"/>
+                <a:ea typeface="+mj-ea"/>
+                <a:cs typeface="+mj-cs"/>
+              </a:rPr>
               <a:t> </a:t>
             </a:r>
             <a:r>
-              <a:rPr lang="en-US" sz="2350" dirty="0" err="1"/>
+              <a:rPr lang="en-US" sz="1300" kern="1200" dirty="0" err="1">
+                <a:solidFill>
+                  <a:srgbClr val="FFFFFF"/>
+                </a:solidFill>
+                <a:latin typeface="+mj-lt"/>
+                <a:ea typeface="+mj-ea"/>
+                <a:cs typeface="+mj-cs"/>
+              </a:rPr>
               <a:t>wir</a:t>
             </a:r>
             <a:r>
-              <a:rPr lang="en-US" sz="2350" dirty="0"/>
+              <a:rPr lang="en-US" sz="1300" kern="1200" dirty="0">
+                <a:solidFill>
+                  <a:srgbClr val="FFFFFF"/>
+                </a:solidFill>
+                <a:latin typeface="+mj-lt"/>
+                <a:ea typeface="+mj-ea"/>
+                <a:cs typeface="+mj-cs"/>
+              </a:rPr>
               <a:t> die </a:t>
             </a:r>
             <a:r>
-              <a:rPr lang="en-US" sz="2350" dirty="0" err="1"/>
+              <a:rPr lang="en-US" sz="1300" kern="1200" dirty="0" err="1">
+                <a:solidFill>
+                  <a:srgbClr val="FFFFFF"/>
+                </a:solidFill>
+                <a:latin typeface="+mj-lt"/>
+                <a:ea typeface="+mj-ea"/>
+                <a:cs typeface="+mj-cs"/>
+              </a:rPr>
               <a:t>Aufgabenstellung</a:t>
             </a:r>
             <a:r>
-              <a:rPr lang="en-US" sz="2350" dirty="0"/>
+              <a:rPr lang="en-US" sz="1300" kern="1200" dirty="0">
+                <a:solidFill>
+                  <a:srgbClr val="FFFFFF"/>
+                </a:solidFill>
+                <a:latin typeface="+mj-lt"/>
+                <a:ea typeface="+mj-ea"/>
+                <a:cs typeface="+mj-cs"/>
+              </a:rPr>
               <a:t> </a:t>
             </a:r>
             <a:r>
-              <a:rPr lang="en-US" sz="2350" dirty="0" err="1"/>
-              <a:t>schlussendlich</a:t>
-            </a:r>
-            <a:r>
-              <a:rPr lang="en-US" sz="2350" dirty="0"/>
+              <a:rPr lang="en-US" sz="1300" kern="1200" dirty="0" err="1">
+                <a:solidFill>
+                  <a:srgbClr val="FFFFFF"/>
+                </a:solidFill>
+                <a:latin typeface="+mj-lt"/>
+                <a:ea typeface="+mj-ea"/>
+                <a:cs typeface="+mj-cs"/>
+              </a:rPr>
+              <a:t>gelöst</a:t>
+            </a:r>
+            <a:r>
+              <a:rPr lang="en-US" sz="1300" kern="1200" dirty="0">
+                <a:solidFill>
+                  <a:srgbClr val="FFFFFF"/>
+                </a:solidFill>
+                <a:latin typeface="+mj-lt"/>
+                <a:ea typeface="+mj-ea"/>
+                <a:cs typeface="+mj-cs"/>
+              </a:rPr>
+              <a:t>? </a:t>
+            </a:r>
+            <a:br>
+              <a:rPr lang="en-US" sz="1300" kern="1200" dirty="0">
+                <a:solidFill>
+                  <a:srgbClr val="FFFFFF"/>
+                </a:solidFill>
+                <a:latin typeface="+mj-lt"/>
+                <a:ea typeface="+mj-ea"/>
+                <a:cs typeface="+mj-cs"/>
+              </a:rPr>
+            </a:br>
+            <a:br>
+              <a:rPr lang="en-US" sz="1300" kern="1200" dirty="0">
+                <a:solidFill>
+                  <a:srgbClr val="FFFFFF"/>
+                </a:solidFill>
+                <a:latin typeface="+mj-lt"/>
+                <a:ea typeface="+mj-ea"/>
+                <a:cs typeface="+mj-cs"/>
+              </a:rPr>
+            </a:br>
+            <a:r>
+              <a:rPr lang="en-US" sz="1300" kern="1200" dirty="0">
+                <a:solidFill>
+                  <a:srgbClr val="FFFFFF"/>
+                </a:solidFill>
+                <a:latin typeface="+mj-lt"/>
+                <a:ea typeface="+mj-ea"/>
+                <a:cs typeface="+mj-cs"/>
+              </a:rPr>
+              <a:t>Wie </a:t>
+            </a:r>
+            <a:r>
+              <a:rPr lang="en-US" sz="1300" kern="1200" dirty="0" err="1">
+                <a:solidFill>
+                  <a:srgbClr val="FFFFFF"/>
+                </a:solidFill>
+                <a:latin typeface="+mj-lt"/>
+                <a:ea typeface="+mj-ea"/>
+                <a:cs typeface="+mj-cs"/>
+              </a:rPr>
+              <a:t>sind</a:t>
+            </a:r>
+            <a:r>
+              <a:rPr lang="en-US" sz="1300" kern="1200" dirty="0">
+                <a:solidFill>
+                  <a:srgbClr val="FFFFFF"/>
+                </a:solidFill>
+                <a:latin typeface="+mj-lt"/>
+                <a:ea typeface="+mj-ea"/>
+                <a:cs typeface="+mj-cs"/>
+              </a:rPr>
               <a:t> </a:t>
             </a:r>
             <a:r>
-              <a:rPr lang="en-US" sz="2350" dirty="0" err="1"/>
-              <a:t>gelöst</a:t>
-            </a:r>
-            <a:r>
-              <a:rPr lang="en-US" sz="2350" dirty="0"/>
-              <a:t>? </a:t>
-            </a:r>
-            <a:br>
-              <a:rPr lang="en-US" sz="2350" dirty="0"/>
-            </a:br>
-            <a:r>
-              <a:rPr lang="en-US" sz="2350" dirty="0"/>
-              <a:t>Wie </a:t>
-            </a:r>
-            <a:r>
-              <a:rPr lang="en-US" sz="2350" dirty="0" err="1"/>
-              <a:t>sind</a:t>
-            </a:r>
-            <a:r>
-              <a:rPr lang="en-US" sz="2350" dirty="0"/>
+              <a:rPr lang="en-US" sz="1300" kern="1200" dirty="0" err="1">
+                <a:solidFill>
+                  <a:srgbClr val="FFFFFF"/>
+                </a:solidFill>
+                <a:latin typeface="+mj-lt"/>
+                <a:ea typeface="+mj-ea"/>
+                <a:cs typeface="+mj-cs"/>
+              </a:rPr>
+              <a:t>wir</a:t>
+            </a:r>
+            <a:r>
+              <a:rPr lang="en-US" sz="1300" kern="1200" dirty="0">
+                <a:solidFill>
+                  <a:srgbClr val="FFFFFF"/>
+                </a:solidFill>
+                <a:latin typeface="+mj-lt"/>
+                <a:ea typeface="+mj-ea"/>
+                <a:cs typeface="+mj-cs"/>
+              </a:rPr>
+              <a:t> auf die </a:t>
+            </a:r>
+            <a:r>
+              <a:rPr lang="en-US" sz="1300" kern="1200" dirty="0" err="1">
+                <a:solidFill>
+                  <a:srgbClr val="FFFFFF"/>
+                </a:solidFill>
+                <a:latin typeface="+mj-lt"/>
+                <a:ea typeface="+mj-ea"/>
+                <a:cs typeface="+mj-cs"/>
+              </a:rPr>
+              <a:t>Lösung</a:t>
+            </a:r>
+            <a:r>
+              <a:rPr lang="en-US" sz="1300" kern="1200" dirty="0">
+                <a:solidFill>
+                  <a:srgbClr val="FFFFFF"/>
+                </a:solidFill>
+                <a:latin typeface="+mj-lt"/>
+                <a:ea typeface="+mj-ea"/>
+                <a:cs typeface="+mj-cs"/>
+              </a:rPr>
               <a:t> </a:t>
             </a:r>
             <a:r>
-              <a:rPr lang="en-US" sz="2350" dirty="0" err="1"/>
-              <a:t>wir</a:t>
-            </a:r>
-            <a:r>
-              <a:rPr lang="en-US" sz="2350" dirty="0"/>
-              <a:t> auf die </a:t>
-            </a:r>
-            <a:r>
-              <a:rPr lang="en-US" sz="2350" dirty="0" err="1"/>
-              <a:t>Lösung</a:t>
-            </a:r>
-            <a:r>
-              <a:rPr lang="en-US" sz="2350" dirty="0"/>
-              <a:t> </a:t>
-            </a:r>
-            <a:r>
-              <a:rPr lang="en-US" sz="2350" dirty="0" err="1"/>
+              <a:rPr lang="en-US" sz="1300" kern="1200" dirty="0" err="1">
+                <a:solidFill>
+                  <a:srgbClr val="FFFFFF"/>
+                </a:solidFill>
+                <a:latin typeface="+mj-lt"/>
+                <a:ea typeface="+mj-ea"/>
+                <a:cs typeface="+mj-cs"/>
+              </a:rPr>
               <a:t>gekommen</a:t>
             </a:r>
             <a:r>
-              <a:rPr lang="en-US" sz="2350" dirty="0"/>
+              <a:rPr lang="en-US" sz="1300" kern="1200" dirty="0">
+                <a:solidFill>
+                  <a:srgbClr val="FFFFFF"/>
+                </a:solidFill>
+                <a:latin typeface="+mj-lt"/>
+                <a:ea typeface="+mj-ea"/>
+                <a:cs typeface="+mj-cs"/>
+              </a:rPr>
               <a:t>?</a:t>
             </a:r>
           </a:p>
         </p:txBody>
       </p:sp>
-      <p:sp>
-        <p:nvSpPr>
-          <p:cNvPr id="7" name="Textplatzhalter 6">
+      <p:pic>
+        <p:nvPicPr>
+          <p:cNvPr id="3" name="Grafik 2" descr="Ein Bild, das Text, Screenshot, Diagramm, Design enthält.&#10;&#10;Automatisch generierte Beschreibung">
             <a:extLst>
               <a:ext uri="{FF2B5EF4-FFF2-40B4-BE49-F238E27FC236}">
-                <a16:creationId xmlns:a16="http://schemas.microsoft.com/office/drawing/2014/main" id="{82ADF10E-43B0-4A66-975F-E9169C64D98E}"/>
+                <a16:creationId xmlns:a16="http://schemas.microsoft.com/office/drawing/2014/main" id="{EDAC31FC-39E2-F9EF-2EAE-256733F3F955}"/>
               </a:ext>
             </a:extLst>
           </p:cNvPr>
-          <p:cNvSpPr>
-            <a:spLocks noGrp="1"/>
-          </p:cNvSpPr>
-          <p:nvPr>
-            <p:ph type="body" sz="quarter" idx="14"/>
-          </p:nvPr>
-        </p:nvSpPr>
+          <p:cNvPicPr>
+            <a:picLocks noChangeAspect="1"/>
+          </p:cNvPicPr>
+          <p:nvPr/>
+        </p:nvPicPr>
+        <p:blipFill>
+          <a:blip r:embed="rId2" cstate="print">
+            <a:extLst>
+              <a:ext uri="{28A0092B-C50C-407E-A947-70E740481C1C}">
+                <a14:useLocalDpi xmlns:a14="http://schemas.microsoft.com/office/drawing/2010/main" val="0"/>
+              </a:ext>
+            </a:extLst>
+          </a:blip>
+          <a:stretch>
+            <a:fillRect/>
+          </a:stretch>
+        </p:blipFill>
         <p:spPr>
           <a:xfrm>
-            <a:off x="180001" y="1013928"/>
-            <a:ext cx="8775319" cy="3643572"/>
+            <a:off x="4150290" y="-26126"/>
+            <a:ext cx="4618495" cy="4659085"/>
           </a:xfrm>
+          <a:prstGeom prst="rect">
+            <a:avLst/>
+          </a:prstGeom>
         </p:spPr>
-        <p:txBody>
-          <a:bodyPr/>
-          <a:lstStyle/>
-          <a:p>
-            <a:endParaRPr lang="en-US" dirty="0"/>
-          </a:p>
-        </p:txBody>
-      </p:sp>
+      </p:pic>
       <p:sp>
         <p:nvSpPr>
           <p:cNvPr id="4" name="Fußzeilenplatzhalter 3">
@@ -6050,33 +9266,36 @@
         </p:nvSpPr>
         <p:spPr>
           <a:xfrm>
-            <a:off x="2793304" y="4812504"/>
-            <a:ext cx="5674248" cy="273844"/>
+            <a:off x="771525" y="4767262"/>
+            <a:ext cx="4657725" cy="273844"/>
           </a:xfrm>
         </p:spPr>
         <p:txBody>
-          <a:bodyPr/>
+          <a:bodyPr vert="horz" lIns="91440" tIns="45720" rIns="91440" bIns="45720" rtlCol="0" anchor="ctr">
+            <a:normAutofit/>
+          </a:bodyPr>
           <a:lstStyle/>
           <a:p>
-            <a:r>
-              <a:rPr lang="en-GB" dirty="0"/>
-              <a:t>Movie Recommendation Project - </a:t>
-            </a:r>
-            <a:r>
-              <a:rPr lang="en-GB" dirty="0" err="1"/>
-              <a:t>Abschlusspräsentation</a:t>
-            </a:r>
-            <a:r>
-              <a:rPr lang="en-GB" dirty="0"/>
-              <a:t> | Bauer, Gisser &amp; </a:t>
-            </a:r>
-            <a:r>
-              <a:rPr lang="en-GB" dirty="0" err="1"/>
-              <a:t>Resavac</a:t>
-            </a:r>
-            <a:r>
-              <a:rPr lang="en-GB" dirty="0"/>
-              <a:t> | 21.06.2023</a:t>
+            <a:pPr algn="l">
+              <a:lnSpc>
+                <a:spcPct val="90000"/>
+              </a:lnSpc>
+              <a:spcAft>
+                <a:spcPts val="600"/>
+              </a:spcAft>
+            </a:pPr>
+            <a:r>
+              <a:rPr lang="en-US" sz="800" kern="1200">
+                <a:solidFill>
+                  <a:schemeClr val="tx1">
+                    <a:alpha val="80000"/>
+                  </a:schemeClr>
+                </a:solidFill>
+                <a:latin typeface="+mn-lt"/>
+                <a:ea typeface="+mn-ea"/>
+                <a:cs typeface="+mn-cs"/>
+              </a:rPr>
+              <a:t>Movie Recommendation Project - Abschlusspräsentation | Bauer, Gisser &amp; Resavac | 21.06.2023</a:t>
             </a:r>
           </a:p>
         </p:txBody>
@@ -6102,20 +9321,49 @@
         </p:nvSpPr>
         <p:spPr>
           <a:xfrm>
-            <a:off x="8542066" y="4812504"/>
-            <a:ext cx="485255" cy="273844"/>
+            <a:off x="8275638" y="4767262"/>
+            <a:ext cx="385761" cy="273844"/>
           </a:xfrm>
         </p:spPr>
         <p:txBody>
-          <a:bodyPr/>
+          <a:bodyPr vert="horz" lIns="91440" tIns="45720" rIns="91440" bIns="45720" rtlCol="0" anchor="ctr">
+            <a:normAutofit/>
+          </a:bodyPr>
           <a:lstStyle/>
           <a:p>
+            <a:pPr>
+              <a:lnSpc>
+                <a:spcPct val="90000"/>
+              </a:lnSpc>
+              <a:spcAft>
+                <a:spcPts val="600"/>
+              </a:spcAft>
+            </a:pPr>
             <a:fld id="{9C057DB4-583E-41A7-BD94-987342018C17}" type="slidenum">
-              <a:rPr lang="en-GB" smtClean="0"/>
-              <a:pPr/>
+              <a:rPr lang="en-US" sz="1200">
+                <a:solidFill>
+                  <a:schemeClr val="tx1">
+                    <a:alpha val="80000"/>
+                  </a:schemeClr>
+                </a:solidFill>
+              </a:rPr>
+              <a:pPr>
+                <a:lnSpc>
+                  <a:spcPct val="90000"/>
+                </a:lnSpc>
+                <a:spcAft>
+                  <a:spcPts val="600"/>
+                </a:spcAft>
+              </a:pPr>
               <a:t>3</a:t>
             </a:fld>
-            <a:endParaRPr lang="en-GB" dirty="0"/>
+            <a:endParaRPr lang="en-US" sz="1200">
+              <a:solidFill>
+                <a:schemeClr val="tx1">
+                  <a:alpha val="80000"/>
+                </a:schemeClr>
+              </a:solidFill>
+            </a:endParaRPr>
           </a:p>
         </p:txBody>
       </p:sp>
@@ -6390,14 +9638,180 @@
         </p:nvSpPr>
         <p:spPr>
           <a:xfrm>
-            <a:off x="180001" y="1300066"/>
-            <a:ext cx="8775319" cy="3357434"/>
+            <a:off x="184340" y="1484500"/>
+            <a:ext cx="8775319" cy="1345163"/>
           </a:xfrm>
         </p:spPr>
         <p:txBody>
-          <a:bodyPr/>
+          <a:bodyPr>
+            <a:normAutofit/>
+          </a:bodyPr>
           <a:lstStyle/>
           <a:p>
+            <a:r>
+              <a:rPr lang="en-US" sz="2000" dirty="0"/>
+              <a:t>Association Rules </a:t>
+            </a:r>
+            <a:r>
+              <a:rPr lang="en-US" sz="2000" dirty="0" err="1"/>
+              <a:t>sind</a:t>
+            </a:r>
+            <a:r>
+              <a:rPr lang="en-US" sz="2000" dirty="0"/>
+              <a:t> </a:t>
+            </a:r>
+            <a:r>
+              <a:rPr lang="en-US" sz="2000" dirty="0" err="1"/>
+              <a:t>spannend</a:t>
+            </a:r>
+            <a:r>
+              <a:rPr lang="en-US" sz="2000" dirty="0"/>
+              <a:t>, </a:t>
+            </a:r>
+            <a:r>
+              <a:rPr lang="en-US" sz="2000" dirty="0" err="1"/>
+              <a:t>aber</a:t>
+            </a:r>
+            <a:r>
+              <a:rPr lang="en-US" sz="2000" dirty="0"/>
+              <a:t> …</a:t>
+            </a:r>
+          </a:p>
+          <a:p>
+            <a:pPr lvl="1"/>
+            <a:r>
+              <a:rPr lang="en-US" sz="1600" dirty="0" err="1"/>
+              <a:t>sie</a:t>
+            </a:r>
+            <a:r>
+              <a:rPr lang="en-US" sz="1600" dirty="0"/>
+              <a:t> </a:t>
+            </a:r>
+            <a:r>
+              <a:rPr lang="en-US" sz="1600" dirty="0" err="1"/>
+              <a:t>sind</a:t>
+            </a:r>
+            <a:r>
+              <a:rPr lang="en-US" sz="1600" dirty="0"/>
+              <a:t> </a:t>
+            </a:r>
+            <a:r>
+              <a:rPr lang="en-US" sz="1600" dirty="0" err="1"/>
+              <a:t>nicht</a:t>
+            </a:r>
+            <a:r>
+              <a:rPr lang="en-US" sz="1600" dirty="0"/>
+              <a:t> für </a:t>
+            </a:r>
+            <a:r>
+              <a:rPr lang="en-US" sz="1600" dirty="0" err="1"/>
+              <a:t>viele</a:t>
+            </a:r>
+            <a:r>
+              <a:rPr lang="en-US" sz="1600" dirty="0"/>
+              <a:t>, </a:t>
+            </a:r>
+            <a:r>
+              <a:rPr lang="en-US" sz="1600" dirty="0" err="1"/>
+              <a:t>kleine</a:t>
+            </a:r>
+            <a:r>
+              <a:rPr lang="en-US" sz="1600" dirty="0"/>
+              <a:t> Item-Sets </a:t>
+            </a:r>
+            <a:r>
+              <a:rPr lang="en-US" sz="1600" dirty="0" err="1"/>
+              <a:t>geeignet</a:t>
+            </a:r>
+            <a:r>
+              <a:rPr lang="en-US" sz="1600" dirty="0"/>
+              <a:t> </a:t>
+            </a:r>
+          </a:p>
+          <a:p>
+            <a:pPr lvl="1"/>
+            <a:r>
+              <a:rPr lang="en-US" sz="1600" dirty="0" err="1"/>
+              <a:t>sie</a:t>
+            </a:r>
+            <a:r>
+              <a:rPr lang="en-US" sz="1600" dirty="0"/>
+              <a:t> </a:t>
+            </a:r>
+            <a:r>
+              <a:rPr lang="en-US" sz="1600" dirty="0" err="1"/>
+              <a:t>sind</a:t>
+            </a:r>
+            <a:r>
+              <a:rPr lang="en-US" sz="1600" dirty="0"/>
+              <a:t> für Insights </a:t>
+            </a:r>
+            <a:r>
+              <a:rPr lang="en-US" sz="1600" dirty="0" err="1"/>
+              <a:t>einzelner</a:t>
+            </a:r>
+            <a:r>
+              <a:rPr lang="en-US" sz="1600" dirty="0"/>
+              <a:t> </a:t>
+            </a:r>
+            <a:r>
+              <a:rPr lang="en-US" sz="1600" dirty="0" err="1"/>
+              <a:t>Kombinationen</a:t>
+            </a:r>
+            <a:r>
+              <a:rPr lang="en-US" sz="1600" dirty="0"/>
+              <a:t> (</a:t>
+            </a:r>
+            <a:r>
+              <a:rPr lang="en-US" sz="1600" dirty="0" err="1"/>
+              <a:t>z.B.</a:t>
+            </a:r>
+            <a:r>
+              <a:rPr lang="en-US" sz="1600" dirty="0"/>
+              <a:t> von </a:t>
+            </a:r>
+            <a:r>
+              <a:rPr lang="en-US" sz="1600" dirty="0" err="1"/>
+              <a:t>Produkten</a:t>
+            </a:r>
+            <a:r>
+              <a:rPr lang="en-US" sz="1600" dirty="0"/>
+              <a:t> </a:t>
+            </a:r>
+            <a:r>
+              <a:rPr lang="en-US" sz="1600" dirty="0" err="1"/>
+              <a:t>im</a:t>
+            </a:r>
+            <a:r>
+              <a:rPr lang="en-US" sz="1600" dirty="0"/>
+              <a:t> </a:t>
+            </a:r>
+            <a:r>
+              <a:rPr lang="en-US" sz="1600" dirty="0" err="1"/>
+              <a:t>Warenkorb</a:t>
+            </a:r>
+            <a:r>
+              <a:rPr lang="en-US" sz="1600" dirty="0"/>
+              <a:t>) </a:t>
+            </a:r>
+            <a:r>
+              <a:rPr lang="en-US" sz="1600" dirty="0" err="1"/>
+              <a:t>geeiget</a:t>
+            </a:r>
+            <a:endParaRPr lang="en-US" sz="1600" dirty="0"/>
+          </a:p>
+          <a:p>
+            <a:pPr marL="342891" lvl="1" indent="0">
+              <a:buNone/>
+            </a:pPr>
+            <a:endParaRPr lang="en-US" dirty="0"/>
+          </a:p>
+          <a:p>
+            <a:pPr lvl="1"/>
+            <a:endParaRPr lang="en-US" dirty="0"/>
+          </a:p>
+          <a:p>
+            <a:pPr lvl="1"/>
             <a:endParaRPr lang="en-US" dirty="0"/>
           </a:p>
         </p:txBody>
@@ -6432,25 +9846,10 @@
           <a:lstStyle/>
           <a:p>
             <a:r>
-              <a:rPr lang="en-GB" dirty="0"/>
-              <a:t>Movie Recommendation Project - </a:t>
-            </a:r>
-            <a:r>
-              <a:rPr lang="en-GB" dirty="0" err="1"/>
-              <a:t>Abschlusspräsentation</a:t>
-            </a:r>
-            <a:r>
-              <a:rPr lang="en-GB" dirty="0"/>
-              <a:t> | Bauer, Gisser &amp; </a:t>
-            </a:r>
-            <a:r>
-              <a:rPr lang="en-GB" dirty="0" err="1"/>
-              <a:t>Resavac</a:t>
-            </a:r>
-            <a:r>
-              <a:rPr lang="en-GB" dirty="0"/>
-              <a:t> | 21.06.2023</a:t>
-            </a:r>
+              <a:rPr lang="en-GB"/>
+              <a:t>Movie Recommendation Project - Abschlusspräsentation | Bauer, Gisser &amp; Resavac | 21.06.2023</a:t>
+            </a:r>
+            <a:endParaRPr lang="en-GB" dirty="0"/>
           </a:p>
         </p:txBody>
       </p:sp>
@@ -6492,6 +9891,519 @@
           </a:p>
         </p:txBody>
       </p:sp>
+      <p:sp>
+        <p:nvSpPr>
+          <p:cNvPr id="2" name="Textplatzhalter 6">
+            <a:extLst>
+              <a:ext uri="{FF2B5EF4-FFF2-40B4-BE49-F238E27FC236}">
+                <a16:creationId xmlns:a16="http://schemas.microsoft.com/office/drawing/2014/main" id="{9831143E-4144-7DA9-B809-EACBFA629140}"/>
+              </a:ext>
+            </a:extLst>
+          </p:cNvPr>
+          <p:cNvSpPr txBox="1">
+            <a:spLocks/>
+          </p:cNvSpPr>
+          <p:nvPr/>
+        </p:nvSpPr>
+        <p:spPr>
+          <a:xfrm>
+            <a:off x="180001" y="2829665"/>
+            <a:ext cx="8775319" cy="743630"/>
+          </a:xfrm>
+          <a:prstGeom prst="rect">
+            <a:avLst/>
+          </a:prstGeom>
+        </p:spPr>
+        <p:txBody>
+          <a:bodyPr vert="horz" lIns="91440" tIns="45720" rIns="91440" bIns="45720" rtlCol="0">
+            <a:normAutofit/>
+          </a:bodyPr>
+          <a:lstStyle>
+            <a:lvl1pPr marL="171446" indent="-171446" algn="l" defTabSz="685783" rtl="0" eaLnBrk="1" latinLnBrk="0" hangingPunct="1">
+              <a:lnSpc>
+                <a:spcPct val="90000"/>
+              </a:lnSpc>
+              <a:spcBef>
+                <a:spcPts val="375"/>
+              </a:spcBef>
+              <a:spcAft>
+                <a:spcPts val="375"/>
+              </a:spcAft>
+              <a:buFont typeface="Arial" panose="020B0604020202020204" pitchFamily="34" charset="0"/>
+              <a:buChar char="•"/>
+              <a:defRPr sz="2100" kern="1200">
+                <a:solidFill>
+                  <a:schemeClr val="tx1"/>
+                </a:solidFill>
+                <a:latin typeface="Arial" panose="020B0604020202020204" pitchFamily="34" charset="0"/>
+                <a:ea typeface="+mn-ea"/>
+                <a:cs typeface="Arial" panose="020B0604020202020204" pitchFamily="34" charset="0"/>
+              </a:defRPr>
+            </a:lvl1pPr>
+            <a:lvl2pPr marL="514337" indent="-171446" algn="l" defTabSz="685783" rtl="0" eaLnBrk="1" latinLnBrk="0" hangingPunct="1">
+              <a:lnSpc>
+                <a:spcPct val="90000"/>
+              </a:lnSpc>
+              <a:spcBef>
+                <a:spcPts val="375"/>
+              </a:spcBef>
+              <a:spcAft>
+                <a:spcPts val="375"/>
+              </a:spcAft>
+              <a:buFont typeface="Arial" panose="020B0604020202020204" pitchFamily="34" charset="0"/>
+              <a:buChar char="•"/>
+              <a:defRPr sz="1800" kern="1200">
+                <a:solidFill>
+                  <a:schemeClr val="tx1"/>
+                </a:solidFill>
+                <a:latin typeface="Arial" panose="020B0604020202020204" pitchFamily="34" charset="0"/>
+                <a:ea typeface="+mn-ea"/>
+                <a:cs typeface="Arial" panose="020B0604020202020204" pitchFamily="34" charset="0"/>
+              </a:defRPr>
+            </a:lvl2pPr>
+            <a:lvl3pPr marL="857228" marR="0" indent="-171446" algn="l" defTabSz="685783" rtl="0" eaLnBrk="1" fontAlgn="auto" latinLnBrk="0" hangingPunct="1">
+              <a:lnSpc>
+                <a:spcPct val="90000"/>
+              </a:lnSpc>
+              <a:spcBef>
+                <a:spcPts val="375"/>
+              </a:spcBef>
+              <a:spcAft>
+                <a:spcPts val="375"/>
+              </a:spcAft>
+              <a:buClrTx/>
+              <a:buSzTx/>
+              <a:buFont typeface="Symbol" panose="05050102010706020507" pitchFamily="18" charset="2"/>
+              <a:buChar char="-"/>
+              <a:tabLst/>
+              <a:defRPr sz="1350" kern="1200">
+                <a:solidFill>
+                  <a:schemeClr val="tx1"/>
+                </a:solidFill>
+                <a:latin typeface="Arial" panose="020B0604020202020204" pitchFamily="34" charset="0"/>
+                <a:ea typeface="+mn-ea"/>
+                <a:cs typeface="Arial" panose="020B0604020202020204" pitchFamily="34" charset="0"/>
+              </a:defRPr>
+            </a:lvl3pPr>
+            <a:lvl4pPr marL="1285843" marR="0" indent="-171446" algn="l" defTabSz="685783" rtl="0" eaLnBrk="1" fontAlgn="auto" latinLnBrk="0" hangingPunct="1">
+              <a:lnSpc>
+                <a:spcPct val="90000"/>
+              </a:lnSpc>
+              <a:spcBef>
+                <a:spcPts val="375"/>
+              </a:spcBef>
+              <a:spcAft>
+                <a:spcPts val="0"/>
+              </a:spcAft>
+              <a:buClrTx/>
+              <a:buSzTx/>
+              <a:buFont typeface="Symbol" panose="05050102010706020507" pitchFamily="18" charset="2"/>
+              <a:buChar char="-"/>
+              <a:tabLst/>
+              <a:defRPr sz="1200" kern="1200">
+                <a:solidFill>
+                  <a:schemeClr val="tx1"/>
+                </a:solidFill>
+                <a:latin typeface="Arial" panose="020B0604020202020204" pitchFamily="34" charset="0"/>
+                <a:ea typeface="+mn-ea"/>
+                <a:cs typeface="Arial" panose="020B0604020202020204" pitchFamily="34" charset="0"/>
+              </a:defRPr>
+            </a:lvl4pPr>
+            <a:lvl5pPr marL="1543012" indent="-171446" algn="l" defTabSz="685783" rtl="0" eaLnBrk="1" latinLnBrk="0" hangingPunct="1">
+              <a:lnSpc>
+                <a:spcPct val="90000"/>
+              </a:lnSpc>
+              <a:spcBef>
+                <a:spcPts val="375"/>
+              </a:spcBef>
+              <a:buFont typeface="Arial" panose="020B0604020202020204" pitchFamily="34" charset="0"/>
+              <a:buChar char="•"/>
+              <a:defRPr sz="1050" kern="1200">
+                <a:solidFill>
+                  <a:schemeClr val="tx1"/>
+                </a:solidFill>
+                <a:latin typeface="Arial" panose="020B0604020202020204" pitchFamily="34" charset="0"/>
+                <a:ea typeface="+mn-ea"/>
+                <a:cs typeface="Arial" panose="020B0604020202020204" pitchFamily="34" charset="0"/>
+              </a:defRPr>
+            </a:lvl5pPr>
+            <a:lvl6pPr marL="1885903" indent="-171446" algn="l" defTabSz="685783" rtl="0" eaLnBrk="1" latinLnBrk="0" hangingPunct="1">
+              <a:lnSpc>
+                <a:spcPct val="90000"/>
+              </a:lnSpc>
+              <a:spcBef>
+                <a:spcPts val="375"/>
+              </a:spcBef>
+              <a:buFont typeface="Arial" panose="020B0604020202020204" pitchFamily="34" charset="0"/>
+              <a:buChar char="•"/>
+              <a:defRPr sz="1350" kern="1200">
+                <a:solidFill>
+                  <a:schemeClr val="tx1"/>
+                </a:solidFill>
+                <a:latin typeface="+mn-lt"/>
+                <a:ea typeface="+mn-ea"/>
+                <a:cs typeface="+mn-cs"/>
+              </a:defRPr>
+            </a:lvl6pPr>
+            <a:lvl7pPr marL="2228795" indent="-171446" algn="l" defTabSz="685783" rtl="0" eaLnBrk="1" latinLnBrk="0" hangingPunct="1">
+              <a:lnSpc>
+                <a:spcPct val="90000"/>
+              </a:lnSpc>
+              <a:spcBef>
+                <a:spcPts val="375"/>
+              </a:spcBef>
+              <a:buFont typeface="Arial" panose="020B0604020202020204" pitchFamily="34" charset="0"/>
+              <a:buChar char="•"/>
+              <a:defRPr sz="1350" kern="1200">
+                <a:solidFill>
+                  <a:schemeClr val="tx1"/>
+                </a:solidFill>
+                <a:latin typeface="+mn-lt"/>
+                <a:ea typeface="+mn-ea"/>
+                <a:cs typeface="+mn-cs"/>
+              </a:defRPr>
+            </a:lvl7pPr>
+            <a:lvl8pPr marL="2571686" indent="-171446" algn="l" defTabSz="685783" rtl="0" eaLnBrk="1" latinLnBrk="0" hangingPunct="1">
+              <a:lnSpc>
+                <a:spcPct val="90000"/>
+              </a:lnSpc>
+              <a:spcBef>
+                <a:spcPts val="375"/>
+              </a:spcBef>
+              <a:buFont typeface="Arial" panose="020B0604020202020204" pitchFamily="34" charset="0"/>
+              <a:buChar char="•"/>
+              <a:defRPr sz="1350" kern="1200">
+                <a:solidFill>
+                  <a:schemeClr val="tx1"/>
+                </a:solidFill>
+                <a:latin typeface="+mn-lt"/>
+                <a:ea typeface="+mn-ea"/>
+                <a:cs typeface="+mn-cs"/>
+              </a:defRPr>
+            </a:lvl8pPr>
+            <a:lvl9pPr marL="2914577" indent="-171446" algn="l" defTabSz="685783" rtl="0" eaLnBrk="1" latinLnBrk="0" hangingPunct="1">
+              <a:lnSpc>
+                <a:spcPct val="90000"/>
+              </a:lnSpc>
+              <a:spcBef>
+                <a:spcPts val="375"/>
+              </a:spcBef>
+              <a:buFont typeface="Arial" panose="020B0604020202020204" pitchFamily="34" charset="0"/>
+              <a:buChar char="•"/>
+              <a:defRPr sz="1350" kern="1200">
+                <a:solidFill>
+                  <a:schemeClr val="tx1"/>
+                </a:solidFill>
+                <a:latin typeface="+mn-lt"/>
+                <a:ea typeface="+mn-ea"/>
+                <a:cs typeface="+mn-cs"/>
+              </a:defRPr>
+            </a:lvl9pPr>
+          </a:lstStyle>
+          <a:p>
+            <a:pPr marL="0" indent="0">
+              <a:buNone/>
+            </a:pPr>
+            <a:br>
+              <a:rPr lang="en-US" dirty="0"/>
+            </a:br>
+            <a:endParaRPr lang="en-US" dirty="0"/>
+          </a:p>
+          <a:p>
+            <a:pPr marL="342891" lvl="1" indent="0">
+              <a:buFont typeface="Arial" panose="020B0604020202020204" pitchFamily="34" charset="0"/>
+              <a:buNone/>
+            </a:pPr>
+            <a:endParaRPr lang="en-US" dirty="0"/>
+          </a:p>
+          <a:p>
+            <a:pPr lvl="1"/>
+            <a:endParaRPr lang="en-US" dirty="0"/>
+          </a:p>
+          <a:p>
+            <a:pPr lvl="1"/>
+            <a:endParaRPr lang="en-US" dirty="0"/>
+          </a:p>
+        </p:txBody>
+      </p:sp>
+      <p:graphicFrame>
+        <p:nvGraphicFramePr>
+          <p:cNvPr id="3" name="Tabelle 7">
+            <a:extLst>
+              <a:ext uri="{FF2B5EF4-FFF2-40B4-BE49-F238E27FC236}">
+                <a16:creationId xmlns:a16="http://schemas.microsoft.com/office/drawing/2014/main" id="{67424E87-AA61-15E7-E551-99DC2EEADCA1}"/>
+              </a:ext>
+            </a:extLst>
+          </p:cNvPr>
+          <p:cNvGraphicFramePr>
+            <a:graphicFrameLocks noGrp="1"/>
+          </p:cNvGraphicFramePr>
+          <p:nvPr>
+            <p:extLst>
+              <p:ext uri="{D42A27DB-BD31-4B8C-83A1-F6EECF244321}">
+                <p14:modId xmlns:p14="http://schemas.microsoft.com/office/powerpoint/2010/main" val="4086438024"/>
+              </p:ext>
+            </p:extLst>
+          </p:nvPr>
+        </p:nvGraphicFramePr>
+        <p:xfrm>
+          <a:off x="246434" y="2829664"/>
+          <a:ext cx="8708885" cy="743630"/>
+        </p:xfrm>
+        <a:graphic>
+          <a:graphicData uri="http://schemas.openxmlformats.org/drawingml/2006/table">
+            <a:tbl>
+              <a:tblPr firstCol="1" bandRow="1">
+                <a:tableStyleId>{5C22544A-7EE6-4342-B048-85BDC9FD1C3A}</a:tableStyleId>
+              </a:tblPr>
+              <a:tblGrid>
+                <a:gridCol w="311285">
+                  <a:extLst>
+                    <a:ext uri="{9D8B030D-6E8A-4147-A177-3AD203B41FA5}">
+                      <a16:colId xmlns:a16="http://schemas.microsoft.com/office/drawing/2014/main" val="3042003698"/>
+                    </a:ext>
+                  </a:extLst>
+                </a:gridCol>
+                <a:gridCol w="2127115">
+                  <a:extLst>
+                    <a:ext uri="{9D8B030D-6E8A-4147-A177-3AD203B41FA5}">
+                      <a16:colId xmlns:a16="http://schemas.microsoft.com/office/drawing/2014/main" val="1291829637"/>
+                    </a:ext>
+                  </a:extLst>
+                </a:gridCol>
+                <a:gridCol w="1684692">
+                  <a:extLst>
+                    <a:ext uri="{9D8B030D-6E8A-4147-A177-3AD203B41FA5}">
+                      <a16:colId xmlns:a16="http://schemas.microsoft.com/office/drawing/2014/main" val="1847113099"/>
+                    </a:ext>
+                  </a:extLst>
+                </a:gridCol>
+                <a:gridCol w="2286000">
+                  <a:extLst>
+                    <a:ext uri="{9D8B030D-6E8A-4147-A177-3AD203B41FA5}">
+                      <a16:colId xmlns:a16="http://schemas.microsoft.com/office/drawing/2014/main" val="2366647970"/>
+                    </a:ext>
+                  </a:extLst>
+                </a:gridCol>
+                <a:gridCol w="2299793">
+                  <a:extLst>
+                    <a:ext uri="{9D8B030D-6E8A-4147-A177-3AD203B41FA5}">
+                      <a16:colId xmlns:a16="http://schemas.microsoft.com/office/drawing/2014/main" val="421951440"/>
+                    </a:ext>
+                  </a:extLst>
+                </a:gridCol>
+              </a:tblGrid>
+              <a:tr h="370840">
+                <a:tc>
+                  <a:txBody>
+                    <a:bodyPr/>
+                    <a:lstStyle/>
+                    <a:p>
+                      <a:pPr algn="ctr"/>
+                      <a:r>
+                        <a:rPr lang="de-DE" dirty="0">
+                          <a:solidFill>
+                            <a:schemeClr val="tx1"/>
+                          </a:solidFill>
+                        </a:rPr>
+                        <a:t>-</a:t>
+                      </a:r>
+                      <a:endParaRPr lang="de-AT" dirty="0"/>
+                    </a:p>
+                  </a:txBody>
+                  <a:tcPr>
+                    <a:solidFill>
+                      <a:srgbClr val="FFADAD"/>
+                    </a:solidFill>
+                  </a:tcPr>
+                </a:tc>
+                <a:tc>
+                  <a:txBody>
+                    <a:bodyPr/>
+                    <a:lstStyle/>
+                    <a:p>
+                      <a:pPr algn="ctr"/>
+                      <a:r>
+                        <a:rPr lang="de-DE" dirty="0"/>
+                        <a:t>Scoring Implementierung</a:t>
+                      </a:r>
+                      <a:endParaRPr lang="de-AT" dirty="0"/>
+                    </a:p>
+                  </a:txBody>
+                  <a:tcPr>
+                    <a:solidFill>
+                      <a:srgbClr val="FFADAD"/>
+                    </a:solidFill>
+                  </a:tcPr>
+                </a:tc>
+                <a:tc>
+                  <a:txBody>
+                    <a:bodyPr/>
+                    <a:lstStyle/>
+                    <a:p>
+                      <a:pPr algn="ctr"/>
+                      <a:r>
+                        <a:rPr lang="de-DE" dirty="0"/>
+                        <a:t>Scoring Vergleich</a:t>
+                      </a:r>
+                      <a:endParaRPr lang="de-AT" dirty="0"/>
+                    </a:p>
+                  </a:txBody>
+                  <a:tcPr>
+                    <a:solidFill>
+                      <a:srgbClr val="FFADAD"/>
+                    </a:solidFill>
+                  </a:tcPr>
+                </a:tc>
+                <a:tc>
+                  <a:txBody>
+                    <a:bodyPr/>
+                    <a:lstStyle/>
+                    <a:p>
+                      <a:pPr algn="ctr"/>
+                      <a:r>
+                        <a:rPr lang="de-DE" dirty="0"/>
+                        <a:t>Hyperparameter Findung</a:t>
+                      </a:r>
+                      <a:endParaRPr lang="de-AT" dirty="0"/>
+                    </a:p>
+                  </a:txBody>
+                  <a:tcPr>
+                    <a:solidFill>
+                      <a:srgbClr val="FFADAD"/>
+                    </a:solidFill>
+                  </a:tcPr>
+                </a:tc>
+                <a:tc>
+                  <a:txBody>
+                    <a:bodyPr/>
+                    <a:lstStyle/>
+                    <a:p>
+                      <a:pPr algn="ctr"/>
+                      <a:r>
+                        <a:rPr lang="de-DE" dirty="0"/>
+                        <a:t>Zeitintensives Training</a:t>
+                      </a:r>
+                      <a:endParaRPr lang="de-AT" dirty="0"/>
+                    </a:p>
+                  </a:txBody>
+                  <a:tcPr>
+                    <a:solidFill>
+                      <a:srgbClr val="FFADAD"/>
+                    </a:solidFill>
+                  </a:tcPr>
+                </a:tc>
+                <a:extLst>
+                  <a:ext uri="{0D108BD9-81ED-4DB2-BD59-A6C34878D82A}">
+                    <a16:rowId xmlns:a16="http://schemas.microsoft.com/office/drawing/2014/main" val="998501670"/>
+                  </a:ext>
+                </a:extLst>
+              </a:tr>
+              <a:tr h="372790">
+                <a:tc>
+                  <a:txBody>
+                    <a:bodyPr/>
+                    <a:lstStyle/>
+                    <a:p>
+                      <a:pPr algn="ctr"/>
+                      <a:r>
+                        <a:rPr lang="de-DE" dirty="0">
+                          <a:solidFill>
+                            <a:schemeClr val="tx1"/>
+                          </a:solidFill>
+                        </a:rPr>
+                        <a:t>+</a:t>
+                      </a:r>
+                      <a:endParaRPr lang="de-AT" dirty="0">
+                        <a:solidFill>
+                          <a:schemeClr val="tx1"/>
+                        </a:solidFill>
+                      </a:endParaRPr>
+                    </a:p>
+                  </a:txBody>
+                  <a:tcPr>
+                    <a:solidFill>
+                      <a:schemeClr val="accent4">
+                        <a:lumMod val="60000"/>
+                        <a:lumOff val="40000"/>
+                      </a:schemeClr>
+                    </a:solidFill>
+                  </a:tcPr>
+                </a:tc>
+                <a:tc>
+                  <a:txBody>
+                    <a:bodyPr/>
+                    <a:lstStyle/>
+                    <a:p>
+                      <a:pPr algn="ctr"/>
+                      <a:r>
+                        <a:rPr lang="de-DE" dirty="0"/>
+                        <a:t>Interessante Entwicklung</a:t>
+                      </a:r>
+                      <a:endParaRPr lang="de-AT" dirty="0"/>
+                    </a:p>
+                  </a:txBody>
+                  <a:tcPr>
+                    <a:solidFill>
+                      <a:schemeClr val="accent4">
+                        <a:lumMod val="60000"/>
+                        <a:lumOff val="40000"/>
+                      </a:schemeClr>
+                    </a:solidFill>
+                  </a:tcPr>
+                </a:tc>
+                <a:tc gridSpan="3">
+                  <a:txBody>
+                    <a:bodyPr/>
+                    <a:lstStyle/>
+                    <a:p>
+                      <a:pPr algn="ctr"/>
+                      <a:r>
+                        <a:rPr lang="de-DE" dirty="0"/>
+                        <a:t>Neues Wissen erworben</a:t>
+                      </a:r>
+                      <a:endParaRPr lang="de-AT" dirty="0"/>
+                    </a:p>
+                  </a:txBody>
+                  <a:tcPr>
+                    <a:solidFill>
+                      <a:schemeClr val="accent4">
+                        <a:lumMod val="60000"/>
+                        <a:lumOff val="40000"/>
+                      </a:schemeClr>
+                    </a:solidFill>
+                  </a:tcPr>
+                </a:tc>
+                <a:tc hMerge="1">
+                  <a:txBody>
+                    <a:bodyPr/>
+                    <a:lstStyle/>
+                    <a:p>
+                      <a:endParaRPr lang="de-AT" dirty="0"/>
+                    </a:p>
+                  </a:txBody>
+                  <a:tcPr/>
+                </a:tc>
+                <a:tc hMerge="1">
+                  <a:txBody>
+                    <a:bodyPr/>
+                    <a:lstStyle/>
+                    <a:p>
+                      <a:endParaRPr lang="de-AT" dirty="0"/>
+                    </a:p>
+                  </a:txBody>
+                  <a:tcPr/>
+                </a:tc>
+                <a:extLst>
+                  <a:ext uri="{0D108BD9-81ED-4DB2-BD59-A6C34878D82A}">
+                    <a16:rowId xmlns:a16="http://schemas.microsoft.com/office/drawing/2014/main" val="2832828185"/>
+                  </a:ext>
+                </a:extLst>
+              </a:tr>
+            </a:tbl>
+          </a:graphicData>
+        </a:graphic>
+      </p:graphicFrame>
     </p:spTree>
     <p:extLst>
       <p:ext uri="{BB962C8B-B14F-4D97-AF65-F5344CB8AC3E}">
@@ -6617,14 +10529,81 @@
         <p:spPr>
           <a:xfrm>
             <a:off x="180001" y="671804"/>
-            <a:ext cx="8775319" cy="3985696"/>
+            <a:ext cx="8775319" cy="863082"/>
           </a:xfrm>
         </p:spPr>
         <p:txBody>
-          <a:bodyPr/>
+          <a:bodyPr>
+            <a:normAutofit/>
+          </a:bodyPr>
           <a:lstStyle/>
           <a:p>
-            <a:endParaRPr lang="en-US" dirty="0"/>
+            <a:r>
+              <a:rPr lang="en-US" sz="2000" dirty="0" err="1"/>
+              <a:t>Bewertete</a:t>
+            </a:r>
+            <a:r>
+              <a:rPr lang="en-US" sz="2000" dirty="0"/>
+              <a:t> Machine Learning </a:t>
+            </a:r>
+            <a:r>
+              <a:rPr lang="en-US" sz="2000" dirty="0" err="1"/>
+              <a:t>Modelle</a:t>
+            </a:r>
+            <a:r>
+              <a:rPr lang="en-US" sz="2000" dirty="0"/>
+              <a:t> </a:t>
+            </a:r>
+            <a:r>
+              <a:rPr lang="en-US" sz="2000" b="1" dirty="0" err="1"/>
+              <a:t>zu</a:t>
+            </a:r>
+            <a:r>
+              <a:rPr lang="en-US" sz="2000" b="1" dirty="0"/>
+              <a:t> </a:t>
+            </a:r>
+            <a:r>
+              <a:rPr lang="en-US" sz="2000" b="1" dirty="0" err="1"/>
+              <a:t>Beginn</a:t>
+            </a:r>
+            <a:r>
+              <a:rPr lang="en-US" sz="2000" b="1" dirty="0"/>
+              <a:t> </a:t>
+            </a:r>
+            <a:r>
+              <a:rPr lang="en-US" sz="2000" dirty="0" err="1"/>
+              <a:t>vergleichen</a:t>
+            </a:r>
+            <a:r>
+              <a:rPr lang="en-US" sz="2000" dirty="0"/>
+              <a:t> </a:t>
+            </a:r>
+          </a:p>
+          <a:p>
+            <a:r>
+              <a:rPr lang="en-US" sz="2000" dirty="0" err="1"/>
+              <a:t>Modellauswahl</a:t>
+            </a:r>
+            <a:r>
+              <a:rPr lang="en-US" sz="2000" dirty="0"/>
+              <a:t> erst </a:t>
+            </a:r>
+            <a:r>
+              <a:rPr lang="en-US" sz="2000" dirty="0" err="1"/>
+              <a:t>nach</a:t>
+            </a:r>
+            <a:r>
+              <a:rPr lang="en-US" sz="2000" dirty="0"/>
+              <a:t> </a:t>
+            </a:r>
+            <a:r>
+              <a:rPr lang="en-US" sz="2000" dirty="0" err="1"/>
+              <a:t>ausreichender</a:t>
+            </a:r>
+            <a:r>
+              <a:rPr lang="en-US" sz="2000" dirty="0"/>
+              <a:t> Recherche</a:t>
+            </a:r>
           </a:p>
         </p:txBody>
       </p:sp>
@@ -6718,6 +10697,455 @@
           </a:p>
         </p:txBody>
       </p:sp>
+      <p:sp>
+        <p:nvSpPr>
+          <p:cNvPr id="2" name="Textplatzhalter 6">
+            <a:extLst>
+              <a:ext uri="{FF2B5EF4-FFF2-40B4-BE49-F238E27FC236}">
+                <a16:creationId xmlns:a16="http://schemas.microsoft.com/office/drawing/2014/main" id="{85C2B719-86B4-D44A-5190-FC3846ED4A2A}"/>
+              </a:ext>
+            </a:extLst>
+          </p:cNvPr>
+          <p:cNvSpPr txBox="1">
+            <a:spLocks/>
+          </p:cNvSpPr>
+          <p:nvPr/>
+        </p:nvSpPr>
+        <p:spPr>
+          <a:xfrm>
+            <a:off x="180001" y="1885491"/>
+            <a:ext cx="8775319" cy="546774"/>
+          </a:xfrm>
+          <a:prstGeom prst="rect">
+            <a:avLst/>
+          </a:prstGeom>
+        </p:spPr>
+        <p:txBody>
+          <a:bodyPr vert="horz" lIns="91440" tIns="45720" rIns="91440" bIns="45720" rtlCol="0">
+            <a:normAutofit/>
+          </a:bodyPr>
+          <a:lstStyle>
+            <a:lvl1pPr marL="171446" indent="-171446" algn="l" defTabSz="685783" rtl="0" eaLnBrk="1" latinLnBrk="0" hangingPunct="1">
+              <a:lnSpc>
+                <a:spcPct val="90000"/>
+              </a:lnSpc>
+              <a:spcBef>
+                <a:spcPts val="375"/>
+              </a:spcBef>
+              <a:spcAft>
+                <a:spcPts val="375"/>
+              </a:spcAft>
+              <a:buFont typeface="Arial" panose="020B0604020202020204" pitchFamily="34" charset="0"/>
+              <a:buChar char="•"/>
+              <a:defRPr sz="2100" kern="1200">
+                <a:solidFill>
+                  <a:schemeClr val="tx1"/>
+                </a:solidFill>
+                <a:latin typeface="Arial" panose="020B0604020202020204" pitchFamily="34" charset="0"/>
+                <a:ea typeface="+mn-ea"/>
+                <a:cs typeface="Arial" panose="020B0604020202020204" pitchFamily="34" charset="0"/>
+              </a:defRPr>
+            </a:lvl1pPr>
+            <a:lvl2pPr marL="514337" indent="-171446" algn="l" defTabSz="685783" rtl="0" eaLnBrk="1" latinLnBrk="0" hangingPunct="1">
+              <a:lnSpc>
+                <a:spcPct val="90000"/>
+              </a:lnSpc>
+              <a:spcBef>
+                <a:spcPts val="375"/>
+              </a:spcBef>
+              <a:spcAft>
+                <a:spcPts val="375"/>
+              </a:spcAft>
+              <a:buFont typeface="Arial" panose="020B0604020202020204" pitchFamily="34" charset="0"/>
+              <a:buChar char="•"/>
+              <a:defRPr sz="1800" kern="1200">
+                <a:solidFill>
+                  <a:schemeClr val="tx1"/>
+                </a:solidFill>
+                <a:latin typeface="Arial" panose="020B0604020202020204" pitchFamily="34" charset="0"/>
+                <a:ea typeface="+mn-ea"/>
+                <a:cs typeface="Arial" panose="020B0604020202020204" pitchFamily="34" charset="0"/>
+              </a:defRPr>
+            </a:lvl2pPr>
+            <a:lvl3pPr marL="857228" marR="0" indent="-171446" algn="l" defTabSz="685783" rtl="0" eaLnBrk="1" fontAlgn="auto" latinLnBrk="0" hangingPunct="1">
+              <a:lnSpc>
+                <a:spcPct val="90000"/>
+              </a:lnSpc>
+              <a:spcBef>
+                <a:spcPts val="375"/>
+              </a:spcBef>
+              <a:spcAft>
+                <a:spcPts val="375"/>
+              </a:spcAft>
+              <a:buClrTx/>
+              <a:buSzTx/>
+              <a:buFont typeface="Symbol" panose="05050102010706020507" pitchFamily="18" charset="2"/>
+              <a:buChar char="-"/>
+              <a:tabLst/>
+              <a:defRPr sz="1350" kern="1200">
+                <a:solidFill>
+                  <a:schemeClr val="tx1"/>
+                </a:solidFill>
+                <a:latin typeface="Arial" panose="020B0604020202020204" pitchFamily="34" charset="0"/>
+                <a:ea typeface="+mn-ea"/>
+                <a:cs typeface="Arial" panose="020B0604020202020204" pitchFamily="34" charset="0"/>
+              </a:defRPr>
+            </a:lvl3pPr>
+            <a:lvl4pPr marL="1285843" marR="0" indent="-171446" algn="l" defTabSz="685783" rtl="0" eaLnBrk="1" fontAlgn="auto" latinLnBrk="0" hangingPunct="1">
+              <a:lnSpc>
+                <a:spcPct val="90000"/>
+              </a:lnSpc>
+              <a:spcBef>
+                <a:spcPts val="375"/>
+              </a:spcBef>
+              <a:spcAft>
+                <a:spcPts val="0"/>
+              </a:spcAft>
+              <a:buClrTx/>
+              <a:buSzTx/>
+              <a:buFont typeface="Symbol" panose="05050102010706020507" pitchFamily="18" charset="2"/>
+              <a:buChar char="-"/>
+              <a:tabLst/>
+              <a:defRPr sz="1200" kern="1200">
+                <a:solidFill>
+                  <a:schemeClr val="tx1"/>
+                </a:solidFill>
+                <a:latin typeface="Arial" panose="020B0604020202020204" pitchFamily="34" charset="0"/>
+                <a:ea typeface="+mn-ea"/>
+                <a:cs typeface="Arial" panose="020B0604020202020204" pitchFamily="34" charset="0"/>
+              </a:defRPr>
+            </a:lvl4pPr>
+            <a:lvl5pPr marL="1543012" indent="-171446" algn="l" defTabSz="685783" rtl="0" eaLnBrk="1" latinLnBrk="0" hangingPunct="1">
+              <a:lnSpc>
+                <a:spcPct val="90000"/>
+              </a:lnSpc>
+              <a:spcBef>
+                <a:spcPts val="375"/>
+              </a:spcBef>
+              <a:buFont typeface="Arial" panose="020B0604020202020204" pitchFamily="34" charset="0"/>
+              <a:buChar char="•"/>
+              <a:defRPr sz="1050" kern="1200">
+                <a:solidFill>
+                  <a:schemeClr val="tx1"/>
+                </a:solidFill>
+                <a:latin typeface="Arial" panose="020B0604020202020204" pitchFamily="34" charset="0"/>
+                <a:ea typeface="+mn-ea"/>
+                <a:cs typeface="Arial" panose="020B0604020202020204" pitchFamily="34" charset="0"/>
+              </a:defRPr>
+            </a:lvl5pPr>
+            <a:lvl6pPr marL="1885903" indent="-171446" algn="l" defTabSz="685783" rtl="0" eaLnBrk="1" latinLnBrk="0" hangingPunct="1">
+              <a:lnSpc>
+                <a:spcPct val="90000"/>
+              </a:lnSpc>
+              <a:spcBef>
+                <a:spcPts val="375"/>
+              </a:spcBef>
+              <a:buFont typeface="Arial" panose="020B0604020202020204" pitchFamily="34" charset="0"/>
+              <a:buChar char="•"/>
+              <a:defRPr sz="1350" kern="1200">
+                <a:solidFill>
+                  <a:schemeClr val="tx1"/>
+                </a:solidFill>
+                <a:latin typeface="+mn-lt"/>
+                <a:ea typeface="+mn-ea"/>
+                <a:cs typeface="+mn-cs"/>
+              </a:defRPr>
+            </a:lvl6pPr>
+            <a:lvl7pPr marL="2228795" indent="-171446" algn="l" defTabSz="685783" rtl="0" eaLnBrk="1" latinLnBrk="0" hangingPunct="1">
+              <a:lnSpc>
+                <a:spcPct val="90000"/>
+              </a:lnSpc>
+              <a:spcBef>
+                <a:spcPts val="375"/>
+              </a:spcBef>
+              <a:buFont typeface="Arial" panose="020B0604020202020204" pitchFamily="34" charset="0"/>
+              <a:buChar char="•"/>
+              <a:defRPr sz="1350" kern="1200">
+                <a:solidFill>
+                  <a:schemeClr val="tx1"/>
+                </a:solidFill>
+                <a:latin typeface="+mn-lt"/>
+                <a:ea typeface="+mn-ea"/>
+                <a:cs typeface="+mn-cs"/>
+              </a:defRPr>
+            </a:lvl7pPr>
+            <a:lvl8pPr marL="2571686" indent="-171446" algn="l" defTabSz="685783" rtl="0" eaLnBrk="1" latinLnBrk="0" hangingPunct="1">
+              <a:lnSpc>
+                <a:spcPct val="90000"/>
+              </a:lnSpc>
+              <a:spcBef>
+                <a:spcPts val="375"/>
+              </a:spcBef>
+              <a:buFont typeface="Arial" panose="020B0604020202020204" pitchFamily="34" charset="0"/>
+              <a:buChar char="•"/>
+              <a:defRPr sz="1350" kern="1200">
+                <a:solidFill>
+                  <a:schemeClr val="tx1"/>
+                </a:solidFill>
+                <a:latin typeface="+mn-lt"/>
+                <a:ea typeface="+mn-ea"/>
+                <a:cs typeface="+mn-cs"/>
+              </a:defRPr>
+            </a:lvl8pPr>
+            <a:lvl9pPr marL="2914577" indent="-171446" algn="l" defTabSz="685783" rtl="0" eaLnBrk="1" latinLnBrk="0" hangingPunct="1">
+              <a:lnSpc>
+                <a:spcPct val="90000"/>
+              </a:lnSpc>
+              <a:spcBef>
+                <a:spcPts val="375"/>
+              </a:spcBef>
+              <a:buFont typeface="Arial" panose="020B0604020202020204" pitchFamily="34" charset="0"/>
+              <a:buChar char="•"/>
+              <a:defRPr sz="1350" kern="1200">
+                <a:solidFill>
+                  <a:schemeClr val="tx1"/>
+                </a:solidFill>
+                <a:latin typeface="+mn-lt"/>
+                <a:ea typeface="+mn-ea"/>
+                <a:cs typeface="+mn-cs"/>
+              </a:defRPr>
+            </a:lvl9pPr>
+          </a:lstStyle>
+          <a:p>
+            <a:pPr marL="0" indent="0" algn="ctr">
+              <a:buNone/>
+            </a:pPr>
+            <a:r>
+              <a:rPr kumimoji="0" lang="en-US" sz="2350" b="1" i="0" u="none" strike="noStrike" kern="1200" cap="none" spc="0" normalizeH="0" baseline="0" noProof="0" dirty="0" err="1">
+                <a:ln>
+                  <a:noFill/>
+                </a:ln>
+                <a:solidFill>
+                  <a:prstClr val="black"/>
+                </a:solidFill>
+                <a:effectLst/>
+                <a:uLnTx/>
+                <a:uFillTx/>
+                <a:latin typeface="Arial" panose="020B0604020202020204" pitchFamily="34" charset="0"/>
+                <a:ea typeface="+mj-ea"/>
+                <a:cs typeface="Arial" panose="020B0604020202020204" pitchFamily="34" charset="0"/>
+              </a:rPr>
+              <a:t>Welcher</a:t>
+            </a:r>
+            <a:r>
+              <a:rPr kumimoji="0" lang="en-US" sz="2350" b="1" i="0" u="none" strike="noStrike" kern="1200" cap="none" spc="0" normalizeH="0" baseline="0" noProof="0" dirty="0">
+                <a:ln>
+                  <a:noFill/>
+                </a:ln>
+                <a:solidFill>
+                  <a:prstClr val="black"/>
+                </a:solidFill>
+                <a:effectLst/>
+                <a:uLnTx/>
+                <a:uFillTx/>
+                <a:latin typeface="Arial" panose="020B0604020202020204" pitchFamily="34" charset="0"/>
+                <a:ea typeface="+mj-ea"/>
+                <a:cs typeface="Arial" panose="020B0604020202020204" pitchFamily="34" charset="0"/>
+              </a:rPr>
+              <a:t> </a:t>
+            </a:r>
+            <a:r>
+              <a:rPr kumimoji="0" lang="en-US" sz="2350" b="1" i="0" u="none" strike="noStrike" kern="1200" cap="none" spc="0" normalizeH="0" baseline="0" noProof="0" dirty="0" err="1">
+                <a:ln>
+                  <a:noFill/>
+                </a:ln>
+                <a:solidFill>
+                  <a:prstClr val="black"/>
+                </a:solidFill>
+                <a:effectLst/>
+                <a:uLnTx/>
+                <a:uFillTx/>
+                <a:latin typeface="Arial" panose="020B0604020202020204" pitchFamily="34" charset="0"/>
+                <a:ea typeface="+mj-ea"/>
+                <a:cs typeface="Arial" panose="020B0604020202020204" pitchFamily="34" charset="0"/>
+              </a:rPr>
+              <a:t>Aspekt</a:t>
+            </a:r>
+            <a:r>
+              <a:rPr kumimoji="0" lang="en-US" sz="2350" b="1" i="0" u="none" strike="noStrike" kern="1200" cap="none" spc="0" normalizeH="0" baseline="0" noProof="0" dirty="0">
+                <a:ln>
+                  <a:noFill/>
+                </a:ln>
+                <a:solidFill>
+                  <a:prstClr val="black"/>
+                </a:solidFill>
+                <a:effectLst/>
+                <a:uLnTx/>
+                <a:uFillTx/>
+                <a:latin typeface="Arial" panose="020B0604020202020204" pitchFamily="34" charset="0"/>
+                <a:ea typeface="+mj-ea"/>
+                <a:cs typeface="Arial" panose="020B0604020202020204" pitchFamily="34" charset="0"/>
+              </a:rPr>
+              <a:t> hat </a:t>
+            </a:r>
+            <a:r>
+              <a:rPr kumimoji="0" lang="en-US" sz="2350" b="1" i="0" u="none" strike="noStrike" kern="1200" cap="none" spc="0" normalizeH="0" baseline="0" noProof="0" dirty="0" err="1">
+                <a:ln>
+                  <a:noFill/>
+                </a:ln>
+                <a:solidFill>
+                  <a:prstClr val="black"/>
+                </a:solidFill>
+                <a:effectLst/>
+                <a:uLnTx/>
+                <a:uFillTx/>
+                <a:latin typeface="Arial" panose="020B0604020202020204" pitchFamily="34" charset="0"/>
+                <a:ea typeface="+mj-ea"/>
+                <a:cs typeface="Arial" panose="020B0604020202020204" pitchFamily="34" charset="0"/>
+              </a:rPr>
+              <a:t>uns</a:t>
+            </a:r>
+            <a:r>
+              <a:rPr kumimoji="0" lang="en-US" sz="2350" b="1" i="0" u="none" strike="noStrike" kern="1200" cap="none" spc="0" normalizeH="0" baseline="0" noProof="0" dirty="0">
+                <a:ln>
+                  <a:noFill/>
+                </a:ln>
+                <a:solidFill>
+                  <a:prstClr val="black"/>
+                </a:solidFill>
+                <a:effectLst/>
+                <a:uLnTx/>
+                <a:uFillTx/>
+                <a:latin typeface="Arial" panose="020B0604020202020204" pitchFamily="34" charset="0"/>
+                <a:ea typeface="+mj-ea"/>
+                <a:cs typeface="Arial" panose="020B0604020202020204" pitchFamily="34" charset="0"/>
+              </a:rPr>
+              <a:t> am </a:t>
+            </a:r>
+            <a:r>
+              <a:rPr kumimoji="0" lang="en-US" sz="2350" b="1" i="0" u="none" strike="noStrike" kern="1200" cap="none" spc="0" normalizeH="0" baseline="0" noProof="0" dirty="0" err="1">
+                <a:ln>
+                  <a:noFill/>
+                </a:ln>
+                <a:solidFill>
+                  <a:prstClr val="black"/>
+                </a:solidFill>
+                <a:effectLst/>
+                <a:uLnTx/>
+                <a:uFillTx/>
+                <a:latin typeface="Arial" panose="020B0604020202020204" pitchFamily="34" charset="0"/>
+                <a:ea typeface="+mj-ea"/>
+                <a:cs typeface="Arial" panose="020B0604020202020204" pitchFamily="34" charset="0"/>
+              </a:rPr>
+              <a:t>meisten</a:t>
+            </a:r>
+            <a:r>
+              <a:rPr kumimoji="0" lang="en-US" sz="2350" b="1" i="0" u="none" strike="noStrike" kern="1200" cap="none" spc="0" normalizeH="0" baseline="0" noProof="0" dirty="0">
+                <a:ln>
+                  <a:noFill/>
+                </a:ln>
+                <a:solidFill>
+                  <a:prstClr val="black"/>
+                </a:solidFill>
+                <a:effectLst/>
+                <a:uLnTx/>
+                <a:uFillTx/>
+                <a:latin typeface="Arial" panose="020B0604020202020204" pitchFamily="34" charset="0"/>
+                <a:ea typeface="+mj-ea"/>
+                <a:cs typeface="Arial" panose="020B0604020202020204" pitchFamily="34" charset="0"/>
+              </a:rPr>
+              <a:t> </a:t>
+            </a:r>
+            <a:r>
+              <a:rPr kumimoji="0" lang="en-US" sz="2350" b="1" i="0" u="none" strike="noStrike" kern="1200" cap="none" spc="0" normalizeH="0" baseline="0" noProof="0" dirty="0" err="1">
+                <a:ln>
+                  <a:noFill/>
+                </a:ln>
+                <a:solidFill>
+                  <a:prstClr val="black"/>
+                </a:solidFill>
+                <a:effectLst/>
+                <a:uLnTx/>
+                <a:uFillTx/>
+                <a:latin typeface="Arial" panose="020B0604020202020204" pitchFamily="34" charset="0"/>
+                <a:ea typeface="+mj-ea"/>
+                <a:cs typeface="Arial" panose="020B0604020202020204" pitchFamily="34" charset="0"/>
+              </a:rPr>
+              <a:t>Freude</a:t>
+            </a:r>
+            <a:r>
+              <a:rPr kumimoji="0" lang="en-US" sz="2350" b="1" i="0" u="none" strike="noStrike" kern="1200" cap="none" spc="0" normalizeH="0" baseline="0" noProof="0" dirty="0">
+                <a:ln>
+                  <a:noFill/>
+                </a:ln>
+                <a:solidFill>
+                  <a:prstClr val="black"/>
+                </a:solidFill>
+                <a:effectLst/>
+                <a:uLnTx/>
+                <a:uFillTx/>
+                <a:latin typeface="Arial" panose="020B0604020202020204" pitchFamily="34" charset="0"/>
+                <a:ea typeface="+mj-ea"/>
+                <a:cs typeface="Arial" panose="020B0604020202020204" pitchFamily="34" charset="0"/>
+              </a:rPr>
+              <a:t> </a:t>
+            </a:r>
+            <a:r>
+              <a:rPr kumimoji="0" lang="en-US" sz="2350" b="1" i="0" u="none" strike="noStrike" kern="1200" cap="none" spc="0" normalizeH="0" baseline="0" noProof="0" dirty="0" err="1">
+                <a:ln>
+                  <a:noFill/>
+                </a:ln>
+                <a:solidFill>
+                  <a:prstClr val="black"/>
+                </a:solidFill>
+                <a:effectLst/>
+                <a:uLnTx/>
+                <a:uFillTx/>
+                <a:latin typeface="Arial" panose="020B0604020202020204" pitchFamily="34" charset="0"/>
+                <a:ea typeface="+mj-ea"/>
+                <a:cs typeface="Arial" panose="020B0604020202020204" pitchFamily="34" charset="0"/>
+              </a:rPr>
+              <a:t>bereitet</a:t>
+            </a:r>
+            <a:r>
+              <a:rPr kumimoji="0" lang="en-US" sz="2350" b="1" i="0" u="none" strike="noStrike" kern="1200" cap="none" spc="0" normalizeH="0" baseline="0" noProof="0" dirty="0">
+                <a:ln>
+                  <a:noFill/>
+                </a:ln>
+                <a:solidFill>
+                  <a:prstClr val="black"/>
+                </a:solidFill>
+                <a:effectLst/>
+                <a:uLnTx/>
+                <a:uFillTx/>
+                <a:latin typeface="Arial" panose="020B0604020202020204" pitchFamily="34" charset="0"/>
+                <a:ea typeface="+mj-ea"/>
+                <a:cs typeface="Arial" panose="020B0604020202020204" pitchFamily="34" charset="0"/>
+              </a:rPr>
+              <a:t>?</a:t>
+            </a:r>
+            <a:endParaRPr lang="en-US" sz="2000" dirty="0"/>
+          </a:p>
+        </p:txBody>
+      </p:sp>
+      <p:graphicFrame>
+        <p:nvGraphicFramePr>
+          <p:cNvPr id="11" name="Textplatzhalter 6">
+            <a:extLst>
+              <a:ext uri="{FF2B5EF4-FFF2-40B4-BE49-F238E27FC236}">
+                <a16:creationId xmlns:a16="http://schemas.microsoft.com/office/drawing/2014/main" id="{9A527678-FF14-1ED1-0E00-3591CBB17EF8}"/>
+              </a:ext>
+            </a:extLst>
+          </p:cNvPr>
+          <p:cNvGraphicFramePr/>
+          <p:nvPr>
+            <p:extLst>
+              <p:ext uri="{D42A27DB-BD31-4B8C-83A1-F6EECF244321}">
+                <p14:modId xmlns:p14="http://schemas.microsoft.com/office/powerpoint/2010/main" val="4120743668"/>
+              </p:ext>
+            </p:extLst>
+          </p:nvPr>
+        </p:nvGraphicFramePr>
+        <p:xfrm>
+          <a:off x="252002" y="2571750"/>
+          <a:ext cx="8775319" cy="1676711"/>
+        </p:xfrm>
+        <a:graphic>
+          <a:graphicData uri="http://schemas.openxmlformats.org/drawingml/2006/diagram">
+            <dgm:relIds xmlns:dgm="http://schemas.openxmlformats.org/drawingml/2006/diagram" xmlns:r="http://schemas.openxmlformats.org/officeDocument/2006/relationships" r:dm="rId2" r:lo="rId3" r:qs="rId4" r:cs="rId5"/>
+          </a:graphicData>
+        </a:graphic>
+      </p:graphicFrame>
     </p:spTree>
     <p:extLst>
       <p:ext uri="{BB962C8B-B14F-4D97-AF65-F5344CB8AC3E}">
@@ -6732,236 +11160,6 @@
 </file>
 
 <file path=ppt/slides/slide7.xml><?xml version="1.0" encoding="utf-8"?>
-<p:sld xmlns:a="http://schemas.openxmlformats.org/drawingml/2006/main" xmlns:r="http://schemas.openxmlformats.org/officeDocument/2006/relationships" xmlns:p="http://schemas.openxmlformats.org/presentationml/2006/main">
-  <p:cSld>
-    <p:spTree>
-      <p:nvGrpSpPr>
-        <p:cNvPr id="1" name=""/>
-        <p:cNvGrpSpPr/>
-        <p:nvPr/>
-      </p:nvGrpSpPr>
-      <p:grpSpPr>
-        <a:xfrm>
-          <a:off x="0" y="0"/>
-          <a:ext cx="0" cy="0"/>
-          <a:chOff x="0" y="0"/>
-          <a:chExt cx="0" cy="0"/>
-        </a:xfrm>
-      </p:grpSpPr>
-      <p:sp>
-        <p:nvSpPr>
-          <p:cNvPr id="6" name="Titel 5">
-            <a:extLst>
-              <a:ext uri="{FF2B5EF4-FFF2-40B4-BE49-F238E27FC236}">
-                <a16:creationId xmlns:a16="http://schemas.microsoft.com/office/drawing/2014/main" id="{6A4FD04E-F4E5-4C20-8824-ED6C28B10A98}"/>
-              </a:ext>
-            </a:extLst>
-          </p:cNvPr>
-          <p:cNvSpPr>
-            <a:spLocks noGrp="1"/>
-          </p:cNvSpPr>
-          <p:nvPr>
-            <p:ph type="title"/>
-          </p:nvPr>
-        </p:nvSpPr>
-        <p:spPr>
-          <a:xfrm>
-            <a:off x="180000" y="114303"/>
-            <a:ext cx="8775320" cy="426873"/>
-          </a:xfrm>
-        </p:spPr>
-        <p:txBody>
-          <a:bodyPr>
-            <a:normAutofit/>
-          </a:bodyPr>
-          <a:lstStyle/>
-          <a:p>
-            <a:pPr algn="ctr"/>
-            <a:r>
-              <a:rPr lang="en-US" sz="2350" dirty="0" err="1"/>
-              <a:t>Welcher</a:t>
-            </a:r>
-            <a:r>
-              <a:rPr lang="en-US" sz="2350" dirty="0"/>
-              <a:t> </a:t>
-            </a:r>
-            <a:r>
-              <a:rPr lang="en-US" sz="2350" dirty="0" err="1"/>
-              <a:t>Aspekt</a:t>
-            </a:r>
-            <a:r>
-              <a:rPr lang="en-US" sz="2350" dirty="0"/>
-              <a:t> hat </a:t>
-            </a:r>
-            <a:r>
-              <a:rPr lang="en-US" sz="2350" dirty="0" err="1"/>
-              <a:t>uns</a:t>
-            </a:r>
-            <a:r>
-              <a:rPr lang="en-US" sz="2350" dirty="0"/>
-              <a:t> am </a:t>
-            </a:r>
-            <a:r>
-              <a:rPr lang="en-US" sz="2350" dirty="0" err="1"/>
-              <a:t>meisten</a:t>
-            </a:r>
-            <a:r>
-              <a:rPr lang="en-US" sz="2350" dirty="0"/>
-              <a:t> </a:t>
-            </a:r>
-            <a:r>
-              <a:rPr lang="en-US" sz="2350" dirty="0" err="1"/>
-              <a:t>Freude</a:t>
-            </a:r>
-            <a:r>
-              <a:rPr lang="en-US" sz="2350" dirty="0"/>
-              <a:t> </a:t>
-            </a:r>
-            <a:r>
-              <a:rPr lang="en-US" sz="2350" dirty="0" err="1"/>
-              <a:t>bereitet</a:t>
-            </a:r>
-            <a:r>
-              <a:rPr lang="en-US" sz="2350" dirty="0"/>
-              <a:t>?</a:t>
-            </a:r>
-          </a:p>
-        </p:txBody>
-      </p:sp>
-      <p:sp>
-        <p:nvSpPr>
-          <p:cNvPr id="7" name="Textplatzhalter 6">
-            <a:extLst>
-              <a:ext uri="{FF2B5EF4-FFF2-40B4-BE49-F238E27FC236}">
-                <a16:creationId xmlns:a16="http://schemas.microsoft.com/office/drawing/2014/main" id="{82ADF10E-43B0-4A66-975F-E9169C64D98E}"/>
-              </a:ext>
-            </a:extLst>
-          </p:cNvPr>
-          <p:cNvSpPr>
-            <a:spLocks noGrp="1"/>
-          </p:cNvSpPr>
-          <p:nvPr>
-            <p:ph type="body" sz="quarter" idx="14"/>
-          </p:nvPr>
-        </p:nvSpPr>
-        <p:spPr>
-          <a:xfrm>
-            <a:off x="180001" y="640702"/>
-            <a:ext cx="8775319" cy="4016798"/>
-          </a:xfrm>
-        </p:spPr>
-        <p:txBody>
-          <a:bodyPr/>
-          <a:lstStyle/>
-          <a:p>
-            <a:endParaRPr lang="en-US" dirty="0"/>
-          </a:p>
-        </p:txBody>
-      </p:sp>
-      <p:sp>
-        <p:nvSpPr>
-          <p:cNvPr id="4" name="Fußzeilenplatzhalter 3">
-            <a:extLst>
-              <a:ext uri="{FF2B5EF4-FFF2-40B4-BE49-F238E27FC236}">
-                <a16:creationId xmlns:a16="http://schemas.microsoft.com/office/drawing/2014/main" id="{4FD62C21-1674-431C-9889-D591E8EF7681}"/>
-              </a:ext>
-              <a:ext uri="{C183D7F6-B498-43B3-948B-1728B52AA6E4}">
-                <adec:decorative xmlns:adec="http://schemas.microsoft.com/office/drawing/2017/decorative" val="1"/>
-              </a:ext>
-            </a:extLst>
-          </p:cNvPr>
-          <p:cNvSpPr>
-            <a:spLocks noGrp="1"/>
-          </p:cNvSpPr>
-          <p:nvPr>
-            <p:ph type="ftr" sz="quarter" idx="12"/>
-          </p:nvPr>
-        </p:nvSpPr>
-        <p:spPr>
-          <a:xfrm>
-            <a:off x="2793304" y="4812504"/>
-            <a:ext cx="5674248" cy="273844"/>
-          </a:xfrm>
-        </p:spPr>
-        <p:txBody>
-          <a:bodyPr/>
-          <a:lstStyle/>
-          <a:p>
-            <a:r>
-              <a:rPr lang="en-GB" dirty="0"/>
-              <a:t>Movie Recommendation Project - </a:t>
-            </a:r>
-            <a:r>
-              <a:rPr lang="en-GB" dirty="0" err="1"/>
-              <a:t>Abschlusspräsentation</a:t>
-            </a:r>
-            <a:r>
-              <a:rPr lang="en-GB" dirty="0"/>
-              <a:t> | Bauer, Gisser &amp; </a:t>
-            </a:r>
-            <a:r>
-              <a:rPr lang="en-GB" dirty="0" err="1"/>
-              <a:t>Resavac</a:t>
-            </a:r>
-            <a:r>
-              <a:rPr lang="en-GB" dirty="0"/>
-              <a:t> | 21.06.2023</a:t>
-            </a:r>
-          </a:p>
-        </p:txBody>
-      </p:sp>
-      <p:sp>
-        <p:nvSpPr>
-          <p:cNvPr id="5" name="Foliennummernplatzhalter 4">
-            <a:extLst>
-              <a:ext uri="{FF2B5EF4-FFF2-40B4-BE49-F238E27FC236}">
-                <a16:creationId xmlns:a16="http://schemas.microsoft.com/office/drawing/2014/main" id="{76F73CB9-9AFC-44F1-9B35-8462F4B4D134}"/>
-              </a:ext>
-              <a:ext uri="{C183D7F6-B498-43B3-948B-1728B52AA6E4}">
-                <adec:decorative xmlns:adec="http://schemas.microsoft.com/office/drawing/2017/decorative" val="1"/>
-              </a:ext>
-            </a:extLst>
-          </p:cNvPr>
-          <p:cNvSpPr>
-            <a:spLocks noGrp="1"/>
-          </p:cNvSpPr>
-          <p:nvPr>
-            <p:ph type="sldNum" sz="quarter" idx="13"/>
-          </p:nvPr>
-        </p:nvSpPr>
-        <p:spPr>
-          <a:xfrm>
-            <a:off x="8542066" y="4812504"/>
-            <a:ext cx="485255" cy="273844"/>
-          </a:xfrm>
-        </p:spPr>
-        <p:txBody>
-          <a:bodyPr/>
-          <a:lstStyle/>
-          <a:p>
-            <a:fld id="{9C057DB4-583E-41A7-BD94-987342018C17}" type="slidenum">
-              <a:rPr lang="en-GB" smtClean="0"/>
-              <a:pPr/>
-              <a:t>7</a:t>
-            </a:fld>
-            <a:endParaRPr lang="en-GB" dirty="0"/>
-          </a:p>
-        </p:txBody>
-      </p:sp>
-    </p:spTree>
-    <p:extLst>
-      <p:ext uri="{BB962C8B-B14F-4D97-AF65-F5344CB8AC3E}">
-        <p14:creationId xmlns:p14="http://schemas.microsoft.com/office/powerpoint/2010/main" val="2415981075"/>
-      </p:ext>
-    </p:extLst>
-  </p:cSld>
-  <p:clrMapOvr>
-    <a:masterClrMapping/>
-  </p:clrMapOvr>
-</p:sld>
-</file>
-
-<file path=ppt/slides/slide8.xml><?xml version="1.0" encoding="utf-8"?>
 <p:sld xmlns:a="http://schemas.openxmlformats.org/drawingml/2006/main" xmlns:r="http://schemas.openxmlformats.org/officeDocument/2006/relationships" xmlns:p="http://schemas.openxmlformats.org/presentationml/2006/main">
   <p:cSld>
     <p:spTree>

--- a/final-presentation/final_presentation.pptx
+++ b/final-presentation/final_presentation.pptx
@@ -3372,7 +3372,7 @@
           <a:p>
             <a:fld id="{843A4CAD-2332-440A-B5F3-F5F26A7FAEC2}" type="datetimeFigureOut">
               <a:rPr lang="en-US" smtClean="0"/>
-              <a:t>6/20/2023</a:t>
+              <a:t>6/21/2023</a:t>
             </a:fld>
             <a:endParaRPr lang="en-US"/>
           </a:p>
@@ -9237,7 +9237,7 @@
         </p:blipFill>
         <p:spPr>
           <a:xfrm>
-            <a:off x="4150290" y="-26126"/>
+            <a:off x="4150290" y="-52252"/>
             <a:ext cx="4618495" cy="4659085"/>
           </a:xfrm>
           <a:prstGeom prst="rect">
@@ -9266,8 +9266,8 @@
         </p:nvSpPr>
         <p:spPr>
           <a:xfrm>
-            <a:off x="771525" y="4767262"/>
-            <a:ext cx="4657725" cy="273844"/>
+            <a:off x="4245157" y="4767943"/>
+            <a:ext cx="4330747" cy="375557"/>
           </a:xfrm>
         </p:spPr>
         <p:txBody>
@@ -9285,7 +9285,7 @@
               </a:spcAft>
             </a:pPr>
             <a:r>
-              <a:rPr lang="en-US" sz="800" kern="1200">
+              <a:rPr lang="en-US" kern="1200" dirty="0">
                 <a:solidFill>
                   <a:schemeClr val="tx1">
                     <a:alpha val="80000"/>
@@ -9295,7 +9295,59 @@
                 <a:ea typeface="+mn-ea"/>
                 <a:cs typeface="+mn-cs"/>
               </a:rPr>
-              <a:t>Movie Recommendation Project - Abschlusspräsentation | Bauer, Gisser &amp; Resavac | 21.06.2023</a:t>
+              <a:t>Movie Recommendation Project - </a:t>
+            </a:r>
+            <a:r>
+              <a:rPr lang="en-US" kern="1200" dirty="0" err="1">
+                <a:solidFill>
+                  <a:schemeClr val="tx1">
+                    <a:alpha val="80000"/>
+                  </a:schemeClr>
+                </a:solidFill>
+                <a:latin typeface="+mn-lt"/>
+                <a:ea typeface="+mn-ea"/>
+                <a:cs typeface="+mn-cs"/>
+              </a:rPr>
+              <a:t>Abschlusspräsentation</a:t>
+            </a:r>
+            <a:r>
+              <a:rPr lang="en-US" kern="1200" dirty="0">
+                <a:solidFill>
+                  <a:schemeClr val="tx1">
+                    <a:alpha val="80000"/>
+                  </a:schemeClr>
+                </a:solidFill>
+                <a:latin typeface="+mn-lt"/>
+                <a:ea typeface="+mn-ea"/>
+                <a:cs typeface="+mn-cs"/>
+              </a:rPr>
+              <a:t> | Bauer, Gisser &amp; </a:t>
+            </a:r>
+            <a:r>
+              <a:rPr lang="en-US" kern="1200" dirty="0" err="1">
+                <a:solidFill>
+                  <a:schemeClr val="tx1">
+                    <a:alpha val="80000"/>
+                  </a:schemeClr>
+                </a:solidFill>
+                <a:latin typeface="+mn-lt"/>
+                <a:ea typeface="+mn-ea"/>
+                <a:cs typeface="+mn-cs"/>
+              </a:rPr>
+              <a:t>Resavac</a:t>
+            </a:r>
+            <a:r>
+              <a:rPr lang="en-US" kern="1200" dirty="0">
+                <a:solidFill>
+                  <a:schemeClr val="tx1">
+                    <a:alpha val="80000"/>
+                  </a:schemeClr>
+                </a:solidFill>
+                <a:latin typeface="+mn-lt"/>
+                <a:ea typeface="+mn-ea"/>
+                <a:cs typeface="+mn-cs"/>
+              </a:rPr>
+              <a:t> | 21.06.2023</a:t>
             </a:r>
           </a:p>
         </p:txBody>
@@ -9321,8 +9373,8 @@
         </p:nvSpPr>
         <p:spPr>
           <a:xfrm>
-            <a:off x="8275638" y="4767262"/>
-            <a:ext cx="385761" cy="273844"/>
+            <a:off x="8572980" y="4767943"/>
+            <a:ext cx="446923" cy="375557"/>
           </a:xfrm>
         </p:spPr>
         <p:txBody>
@@ -9340,7 +9392,7 @@
               </a:spcAft>
             </a:pPr>
             <a:fld id="{9C057DB4-583E-41A7-BD94-987342018C17}" type="slidenum">
-              <a:rPr lang="en-US" sz="1200">
+              <a:rPr lang="en-US">
                 <a:solidFill>
                   <a:schemeClr val="tx1">
                     <a:alpha val="80000"/>
@@ -9357,7 +9409,7 @@
               </a:pPr>
               <a:t>3</a:t>
             </a:fld>
-            <a:endParaRPr lang="en-US" sz="1200">
+            <a:endParaRPr lang="en-US" dirty="0">
               <a:solidFill>
                 <a:schemeClr val="tx1">
                   <a:alpha val="80000"/>
@@ -9846,10 +9898,25 @@
           <a:lstStyle/>
           <a:p>
             <a:r>
-              <a:rPr lang="en-GB"/>
-              <a:t>Movie Recommendation Project - Abschlusspräsentation | Bauer, Gisser &amp; Resavac | 21.06.2023</a:t>
-            </a:r>
-            <a:endParaRPr lang="en-GB" dirty="0"/>
+              <a:rPr lang="en-GB" dirty="0"/>
+              <a:t>Movie Recommendation Project - </a:t>
+            </a:r>
+            <a:r>
+              <a:rPr lang="en-GB" dirty="0" err="1"/>
+              <a:t>Abschlusspräsentation</a:t>
+            </a:r>
+            <a:r>
+              <a:rPr lang="en-GB" dirty="0"/>
+              <a:t> | Bauer, Gisser &amp; </a:t>
+            </a:r>
+            <a:r>
+              <a:rPr lang="en-GB" dirty="0" err="1"/>
+              <a:t>Resavac</a:t>
+            </a:r>
+            <a:r>
+              <a:rPr lang="en-GB" dirty="0"/>
+              <a:t> | 21.06.2023</a:t>
+            </a:r>
           </a:p>
         </p:txBody>
       </p:sp>

--- a/final-presentation/final_presentation.pptx
+++ b/final-presentation/final_presentation.pptx
@@ -5,19 +5,20 @@
     <p:sldMasterId id="2147483648" r:id="rId1"/>
   </p:sldMasterIdLst>
   <p:notesMasterIdLst>
-    <p:notesMasterId r:id="rId9"/>
+    <p:notesMasterId r:id="rId10"/>
   </p:notesMasterIdLst>
   <p:handoutMasterIdLst>
-    <p:handoutMasterId r:id="rId10"/>
+    <p:handoutMasterId r:id="rId11"/>
   </p:handoutMasterIdLst>
   <p:sldIdLst>
     <p:sldId id="260" r:id="rId2"/>
     <p:sldId id="267" r:id="rId3"/>
     <p:sldId id="261" r:id="rId4"/>
-    <p:sldId id="268" r:id="rId5"/>
-    <p:sldId id="264" r:id="rId6"/>
-    <p:sldId id="265" r:id="rId7"/>
-    <p:sldId id="269" r:id="rId8"/>
+    <p:sldId id="270" r:id="rId5"/>
+    <p:sldId id="268" r:id="rId6"/>
+    <p:sldId id="264" r:id="rId7"/>
+    <p:sldId id="265" r:id="rId8"/>
+    <p:sldId id="269" r:id="rId9"/>
   </p:sldIdLst>
   <p:sldSz cx="9144000" cy="5143500" type="screen16x9"/>
   <p:notesSz cx="6858000" cy="9144000"/>
@@ -936,9 +937,18 @@
         <a:lstStyle/>
         <a:p>
           <a:r>
-            <a:rPr lang="en-US"/>
-            <a:t>Zufriedenstellende Ergebnisse</a:t>
+            <a:rPr lang="en-US" dirty="0" err="1"/>
+            <a:t>Zufriedenstellende</a:t>
           </a:r>
+          <a:r>
+            <a:rPr lang="en-US" dirty="0"/>
+            <a:t> </a:t>
+          </a:r>
+          <a:r>
+            <a:rPr lang="en-US" dirty="0" err="1"/>
+            <a:t>Ergebnisse</a:t>
+          </a:r>
+          <a:endParaRPr lang="en-US" dirty="0"/>
         </a:p>
       </dgm:t>
     </dgm:pt>
@@ -972,8 +982,16 @@
         <a:lstStyle/>
         <a:p>
           <a:r>
-            <a:rPr lang="en-US"/>
-            <a:t>Frontend-Entwicklung </a:t>
+            <a:rPr lang="en-US" dirty="0"/>
+            <a:t>Frontend-</a:t>
+          </a:r>
+          <a:r>
+            <a:rPr lang="en-US" dirty="0" err="1"/>
+            <a:t>Entwicklung</a:t>
+          </a:r>
+          <a:r>
+            <a:rPr lang="en-US" dirty="0"/>
+            <a:t> </a:t>
           </a:r>
         </a:p>
       </dgm:t>
@@ -1383,9 +1401,18 @@
             <a:buNone/>
           </a:pPr>
           <a:r>
-            <a:rPr lang="en-US" sz="1900" kern="1200"/>
-            <a:t>Zufriedenstellende Ergebnisse</a:t>
+            <a:rPr lang="en-US" sz="1900" kern="1200" dirty="0" err="1"/>
+            <a:t>Zufriedenstellende</a:t>
           </a:r>
+          <a:r>
+            <a:rPr lang="en-US" sz="1900" kern="1200" dirty="0"/>
+            <a:t> </a:t>
+          </a:r>
+          <a:r>
+            <a:rPr lang="en-US" sz="1900" kern="1200" dirty="0" err="1"/>
+            <a:t>Ergebnisse</a:t>
+          </a:r>
+          <a:endParaRPr lang="en-US" sz="1900" kern="1200" dirty="0"/>
         </a:p>
       </dsp:txBody>
       <dsp:txXfrm>
@@ -1514,8 +1541,16 @@
             <a:buNone/>
           </a:pPr>
           <a:r>
-            <a:rPr lang="en-US" sz="1900" kern="1200"/>
-            <a:t>Frontend-Entwicklung </a:t>
+            <a:rPr lang="en-US" sz="1900" kern="1200" dirty="0"/>
+            <a:t>Frontend-</a:t>
+          </a:r>
+          <a:r>
+            <a:rPr lang="en-US" sz="1900" kern="1200" dirty="0" err="1"/>
+            <a:t>Entwicklung</a:t>
+          </a:r>
+          <a:r>
+            <a:rPr lang="en-US" sz="1900" kern="1200" dirty="0"/>
+            <a:t> </a:t>
           </a:r>
         </a:p>
       </dsp:txBody>
@@ -9223,7 +9258,7 @@
           </p:cNvPicPr>
           <p:nvPr/>
         </p:nvPicPr>
-        <p:blipFill>
+        <p:blipFill rotWithShape="1">
           <a:blip r:embed="rId2" cstate="print">
             <a:extLst>
               <a:ext uri="{28A0092B-C50C-407E-A947-70E740481C1C}">
@@ -9231,14 +9266,13 @@
               </a:ext>
             </a:extLst>
           </a:blip>
-          <a:stretch>
-            <a:fillRect/>
-          </a:stretch>
+          <a:srcRect b="2816"/>
+          <a:stretch/>
         </p:blipFill>
         <p:spPr>
           <a:xfrm>
-            <a:off x="4150290" y="-52252"/>
-            <a:ext cx="4618495" cy="4659085"/>
+            <a:off x="3925390" y="-52252"/>
+            <a:ext cx="4843396" cy="4748349"/>
           </a:xfrm>
           <a:prstGeom prst="rect">
             <a:avLst/>
@@ -9433,7 +9467,7 @@
 </file>
 
 <file path=ppt/slides/slide4.xml><?xml version="1.0" encoding="utf-8"?>
-<p:sld xmlns:a="http://schemas.openxmlformats.org/drawingml/2006/main" xmlns:r="http://schemas.openxmlformats.org/officeDocument/2006/relationships" xmlns:p="http://schemas.openxmlformats.org/presentationml/2006/main">
+<p:sld xmlns:a="http://schemas.openxmlformats.org/drawingml/2006/main" xmlns:r="http://schemas.openxmlformats.org/officeDocument/2006/relationships" xmlns:p="http://schemas.openxmlformats.org/presentationml/2006/main" show="0">
   <p:cSld>
     <p:spTree>
       <p:nvGrpSpPr>
@@ -9451,10 +9485,10 @@
       </p:grpSpPr>
       <p:sp>
         <p:nvSpPr>
-          <p:cNvPr id="2" name="Titel 1">
+          <p:cNvPr id="6" name="Titel 5">
             <a:extLst>
               <a:ext uri="{FF2B5EF4-FFF2-40B4-BE49-F238E27FC236}">
-                <a16:creationId xmlns:a16="http://schemas.microsoft.com/office/drawing/2014/main" id="{F776025E-0017-A90B-0905-D6E39817BC73}"/>
+                <a16:creationId xmlns:a16="http://schemas.microsoft.com/office/drawing/2014/main" id="{6A4FD04E-F4E5-4C20-8824-ED6C28B10A98}"/>
               </a:ext>
             </a:extLst>
           </p:cNvPr>
@@ -9465,36 +9499,258 @@
             <p:ph type="title"/>
           </p:nvPr>
         </p:nvSpPr>
-        <p:spPr/>
+        <p:spPr>
+          <a:xfrm>
+            <a:off x="180000" y="114303"/>
+            <a:ext cx="8775320" cy="539747"/>
+          </a:xfrm>
+        </p:spPr>
+        <p:txBody>
+          <a:bodyPr>
+            <a:normAutofit/>
+          </a:bodyPr>
+          <a:lstStyle/>
+          <a:p>
+            <a:pPr algn="ctr"/>
+            <a:r>
+              <a:rPr lang="en-US" sz="2350" dirty="0"/>
+              <a:t>Unser Scoring</a:t>
+            </a:r>
+          </a:p>
+        </p:txBody>
+      </p:sp>
+      <p:sp>
+        <p:nvSpPr>
+          <p:cNvPr id="7" name="Textplatzhalter 6">
+            <a:extLst>
+              <a:ext uri="{FF2B5EF4-FFF2-40B4-BE49-F238E27FC236}">
+                <a16:creationId xmlns:a16="http://schemas.microsoft.com/office/drawing/2014/main" id="{82ADF10E-43B0-4A66-975F-E9169C64D98E}"/>
+              </a:ext>
+            </a:extLst>
+          </p:cNvPr>
+          <p:cNvSpPr>
+            <a:spLocks noGrp="1"/>
+          </p:cNvSpPr>
+          <p:nvPr>
+            <p:ph type="body" sz="quarter" idx="14"/>
+          </p:nvPr>
+        </p:nvSpPr>
+        <p:spPr>
+          <a:xfrm>
+            <a:off x="184340" y="1484500"/>
+            <a:ext cx="8775319" cy="1345163"/>
+          </a:xfrm>
+        </p:spPr>
+        <p:txBody>
+          <a:bodyPr>
+            <a:normAutofit/>
+          </a:bodyPr>
+          <a:lstStyle/>
+          <a:p>
+            <a:pPr marL="342891" lvl="1" indent="0">
+              <a:buNone/>
+            </a:pPr>
+            <a:endParaRPr lang="en-US" dirty="0"/>
+          </a:p>
+          <a:p>
+            <a:pPr lvl="1"/>
+            <a:endParaRPr lang="en-US" dirty="0"/>
+          </a:p>
+          <a:p>
+            <a:pPr lvl="1"/>
+            <a:endParaRPr lang="en-US" dirty="0"/>
+          </a:p>
+        </p:txBody>
+      </p:sp>
+      <p:sp>
+        <p:nvSpPr>
+          <p:cNvPr id="4" name="Fußzeilenplatzhalter 3">
+            <a:extLst>
+              <a:ext uri="{FF2B5EF4-FFF2-40B4-BE49-F238E27FC236}">
+                <a16:creationId xmlns:a16="http://schemas.microsoft.com/office/drawing/2014/main" id="{4FD62C21-1674-431C-9889-D591E8EF7681}"/>
+              </a:ext>
+              <a:ext uri="{C183D7F6-B498-43B3-948B-1728B52AA6E4}">
+                <adec:decorative xmlns:adec="http://schemas.microsoft.com/office/drawing/2017/decorative" val="1"/>
+              </a:ext>
+            </a:extLst>
+          </p:cNvPr>
+          <p:cNvSpPr>
+            <a:spLocks noGrp="1"/>
+          </p:cNvSpPr>
+          <p:nvPr>
+            <p:ph type="ftr" sz="quarter" idx="12"/>
+          </p:nvPr>
+        </p:nvSpPr>
+        <p:spPr>
+          <a:xfrm>
+            <a:off x="2793304" y="4812504"/>
+            <a:ext cx="5674248" cy="273844"/>
+          </a:xfrm>
+        </p:spPr>
         <p:txBody>
           <a:bodyPr/>
           <a:lstStyle/>
           <a:p>
-            <a:pPr algn="ctr"/>
-            <a:r>
-              <a:rPr lang="de-AT" dirty="0"/>
-              <a:t>Unsere </a:t>
-            </a:r>
-            <a:r>
-              <a:rPr lang="de-AT" dirty="0" err="1"/>
-              <a:t>Biggest</a:t>
-            </a:r>
-            <a:r>
-              <a:rPr lang="de-AT" dirty="0"/>
-              <a:t> </a:t>
-            </a:r>
-            <a:r>
-              <a:rPr lang="de-AT" dirty="0" err="1"/>
-              <a:t>Learnings</a:t>
-            </a:r>
-            <a:endParaRPr lang="de-AT" dirty="0"/>
+            <a:r>
+              <a:rPr lang="en-GB" dirty="0"/>
+              <a:t>Movie Recommendation Project - </a:t>
+            </a:r>
+            <a:r>
+              <a:rPr lang="en-GB" dirty="0" err="1"/>
+              <a:t>Abschlusspräsentation</a:t>
+            </a:r>
+            <a:r>
+              <a:rPr lang="en-GB" dirty="0"/>
+              <a:t> | Bauer, Gisser &amp; </a:t>
+            </a:r>
+            <a:r>
+              <a:rPr lang="en-GB" dirty="0" err="1"/>
+              <a:t>Resavac</a:t>
+            </a:r>
+            <a:r>
+              <a:rPr lang="en-GB" dirty="0"/>
+              <a:t> | 21.06.2023</a:t>
+            </a:r>
+          </a:p>
+        </p:txBody>
+      </p:sp>
+      <p:sp>
+        <p:nvSpPr>
+          <p:cNvPr id="5" name="Foliennummernplatzhalter 4">
+            <a:extLst>
+              <a:ext uri="{FF2B5EF4-FFF2-40B4-BE49-F238E27FC236}">
+                <a16:creationId xmlns:a16="http://schemas.microsoft.com/office/drawing/2014/main" id="{76F73CB9-9AFC-44F1-9B35-8462F4B4D134}"/>
+              </a:ext>
+              <a:ext uri="{C183D7F6-B498-43B3-948B-1728B52AA6E4}">
+                <adec:decorative xmlns:adec="http://schemas.microsoft.com/office/drawing/2017/decorative" val="1"/>
+              </a:ext>
+            </a:extLst>
+          </p:cNvPr>
+          <p:cNvSpPr>
+            <a:spLocks noGrp="1"/>
+          </p:cNvSpPr>
+          <p:nvPr>
+            <p:ph type="sldNum" sz="quarter" idx="13"/>
+          </p:nvPr>
+        </p:nvSpPr>
+        <p:spPr>
+          <a:xfrm>
+            <a:off x="8542066" y="4812504"/>
+            <a:ext cx="485255" cy="273844"/>
+          </a:xfrm>
+        </p:spPr>
+        <p:txBody>
+          <a:bodyPr/>
+          <a:lstStyle/>
+          <a:p>
+            <a:fld id="{9C057DB4-583E-41A7-BD94-987342018C17}" type="slidenum">
+              <a:rPr lang="en-GB" smtClean="0"/>
+              <a:pPr/>
+              <a:t>4</a:t>
+            </a:fld>
+            <a:endParaRPr lang="en-GB" dirty="0"/>
+          </a:p>
+        </p:txBody>
+      </p:sp>
+      <p:pic>
+        <p:nvPicPr>
+          <p:cNvPr id="9" name="Grafik 8">
+            <a:extLst>
+              <a:ext uri="{FF2B5EF4-FFF2-40B4-BE49-F238E27FC236}">
+                <a16:creationId xmlns:a16="http://schemas.microsoft.com/office/drawing/2014/main" id="{9AD1C30D-0D39-8703-821A-CBBC4523FE9C}"/>
+              </a:ext>
+            </a:extLst>
+          </p:cNvPr>
+          <p:cNvPicPr>
+            <a:picLocks noChangeAspect="1"/>
+          </p:cNvPicPr>
+          <p:nvPr/>
+        </p:nvPicPr>
+        <p:blipFill>
+          <a:blip r:embed="rId2"/>
+          <a:stretch>
+            <a:fillRect/>
+          </a:stretch>
+        </p:blipFill>
+        <p:spPr>
+          <a:xfrm>
+            <a:off x="2257744" y="721344"/>
+            <a:ext cx="4619831" cy="2343829"/>
+          </a:xfrm>
+          <a:prstGeom prst="rect">
+            <a:avLst/>
+          </a:prstGeom>
+        </p:spPr>
+      </p:pic>
+      <p:pic>
+        <p:nvPicPr>
+          <p:cNvPr id="13" name="Grafik 12">
+            <a:extLst>
+              <a:ext uri="{FF2B5EF4-FFF2-40B4-BE49-F238E27FC236}">
+                <a16:creationId xmlns:a16="http://schemas.microsoft.com/office/drawing/2014/main" id="{A3ABB26A-68F9-8FE1-AA13-B3CACA67A887}"/>
+              </a:ext>
+            </a:extLst>
+          </p:cNvPr>
+          <p:cNvPicPr>
+            <a:picLocks noChangeAspect="1"/>
+          </p:cNvPicPr>
+          <p:nvPr/>
+        </p:nvPicPr>
+        <p:blipFill>
+          <a:blip r:embed="rId3"/>
+          <a:stretch>
+            <a:fillRect/>
+          </a:stretch>
+        </p:blipFill>
+        <p:spPr>
+          <a:xfrm>
+            <a:off x="1805023" y="3828329"/>
+            <a:ext cx="5525271" cy="704948"/>
+          </a:xfrm>
+          <a:prstGeom prst="rect">
+            <a:avLst/>
+          </a:prstGeom>
+        </p:spPr>
+      </p:pic>
+      <p:sp>
+        <p:nvSpPr>
+          <p:cNvPr id="2" name="Textfeld 1">
+            <a:extLst>
+              <a:ext uri="{FF2B5EF4-FFF2-40B4-BE49-F238E27FC236}">
+                <a16:creationId xmlns:a16="http://schemas.microsoft.com/office/drawing/2014/main" id="{257DF3F3-E1B3-936F-60CF-B8E82D59C4BD}"/>
+              </a:ext>
+            </a:extLst>
+          </p:cNvPr>
+          <p:cNvSpPr txBox="1"/>
+          <p:nvPr/>
+        </p:nvSpPr>
+        <p:spPr>
+          <a:xfrm>
+            <a:off x="918205" y="3259418"/>
+            <a:ext cx="7298905" cy="400695"/>
+          </a:xfrm>
+          <a:prstGeom prst="rect">
+            <a:avLst/>
+          </a:prstGeom>
+        </p:spPr>
+        <p:txBody>
+          <a:bodyPr vert="horz" wrap="none" lIns="91440" tIns="45720" rIns="91440" bIns="45720" rtlCol="0" anchor="t">
+            <a:normAutofit/>
+          </a:bodyPr>
+          <a:lstStyle/>
+          <a:p>
+            <a:pPr algn="l"/>
+            <a:r>
+              <a:rPr lang="de-DE" dirty="0"/>
+              <a:t>Ergebnisse von 42.715 Nutzern (Insgesamt gibt es 162.541 Nutzer)</a:t>
+            </a:r>
           </a:p>
         </p:txBody>
       </p:sp>
     </p:spTree>
     <p:extLst>
       <p:ext uri="{BB962C8B-B14F-4D97-AF65-F5344CB8AC3E}">
-        <p14:creationId xmlns:p14="http://schemas.microsoft.com/office/powerpoint/2010/main" val="437124200"/>
+        <p14:creationId xmlns:p14="http://schemas.microsoft.com/office/powerpoint/2010/main" val="1490880072"/>
       </p:ext>
     </p:extLst>
   </p:cSld>
@@ -9523,6 +9779,78 @@
       </p:grpSpPr>
       <p:sp>
         <p:nvSpPr>
+          <p:cNvPr id="2" name="Titel 1">
+            <a:extLst>
+              <a:ext uri="{FF2B5EF4-FFF2-40B4-BE49-F238E27FC236}">
+                <a16:creationId xmlns:a16="http://schemas.microsoft.com/office/drawing/2014/main" id="{F776025E-0017-A90B-0905-D6E39817BC73}"/>
+              </a:ext>
+            </a:extLst>
+          </p:cNvPr>
+          <p:cNvSpPr>
+            <a:spLocks noGrp="1"/>
+          </p:cNvSpPr>
+          <p:nvPr>
+            <p:ph type="title"/>
+          </p:nvPr>
+        </p:nvSpPr>
+        <p:spPr/>
+        <p:txBody>
+          <a:bodyPr/>
+          <a:lstStyle/>
+          <a:p>
+            <a:pPr algn="ctr"/>
+            <a:r>
+              <a:rPr lang="de-AT" dirty="0"/>
+              <a:t>Unsere </a:t>
+            </a:r>
+            <a:r>
+              <a:rPr lang="de-AT" dirty="0" err="1"/>
+              <a:t>Biggest</a:t>
+            </a:r>
+            <a:r>
+              <a:rPr lang="de-AT" dirty="0"/>
+              <a:t> </a:t>
+            </a:r>
+            <a:r>
+              <a:rPr lang="de-AT" dirty="0" err="1"/>
+              <a:t>Learnings</a:t>
+            </a:r>
+            <a:endParaRPr lang="de-AT" dirty="0"/>
+          </a:p>
+        </p:txBody>
+      </p:sp>
+    </p:spTree>
+    <p:extLst>
+      <p:ext uri="{BB962C8B-B14F-4D97-AF65-F5344CB8AC3E}">
+        <p14:creationId xmlns:p14="http://schemas.microsoft.com/office/powerpoint/2010/main" val="437124200"/>
+      </p:ext>
+    </p:extLst>
+  </p:cSld>
+  <p:clrMapOvr>
+    <a:masterClrMapping/>
+  </p:clrMapOvr>
+</p:sld>
+</file>
+
+<file path=ppt/slides/slide6.xml><?xml version="1.0" encoding="utf-8"?>
+<p:sld xmlns:a="http://schemas.openxmlformats.org/drawingml/2006/main" xmlns:r="http://schemas.openxmlformats.org/officeDocument/2006/relationships" xmlns:p="http://schemas.openxmlformats.org/presentationml/2006/main">
+  <p:cSld>
+    <p:spTree>
+      <p:nvGrpSpPr>
+        <p:cNvPr id="1" name=""/>
+        <p:cNvGrpSpPr/>
+        <p:nvPr/>
+      </p:nvGrpSpPr>
+      <p:grpSpPr>
+        <a:xfrm>
+          <a:off x="0" y="0"/>
+          <a:ext cx="0" cy="0"/>
+          <a:chOff x="0" y="0"/>
+          <a:chExt cx="0" cy="0"/>
+        </a:xfrm>
+      </p:grpSpPr>
+      <p:sp>
+        <p:nvSpPr>
           <p:cNvPr id="6" name="Titel 5">
             <a:extLst>
               <a:ext uri="{FF2B5EF4-FFF2-40B4-BE49-F238E27FC236}">
@@ -9757,6 +10085,14 @@
             </a:r>
             <a:r>
               <a:rPr lang="en-US" sz="1600" dirty="0" err="1"/>
+              <a:t>sehr</a:t>
+            </a:r>
+            <a:r>
+              <a:rPr lang="en-US" sz="1600" dirty="0"/>
+              <a:t> </a:t>
+            </a:r>
+            <a:r>
+              <a:rPr lang="en-US" sz="1600" dirty="0" err="1"/>
               <a:t>viele</a:t>
             </a:r>
             <a:r>
@@ -9769,86 +10105,78 @@
             </a:r>
             <a:r>
               <a:rPr lang="en-US" sz="1600" dirty="0"/>
-              <a:t> Item-Sets </a:t>
+              <a:t> Item-Sets optimal </a:t>
+            </a:r>
+          </a:p>
+          <a:p>
+            <a:pPr lvl="1"/>
+            <a:r>
+              <a:rPr lang="en-US" sz="1600" dirty="0" err="1"/>
+              <a:t>sie</a:t>
+            </a:r>
+            <a:r>
+              <a:rPr lang="en-US" sz="1600" dirty="0"/>
+              <a:t> </a:t>
+            </a:r>
+            <a:r>
+              <a:rPr lang="en-US" sz="1600" dirty="0" err="1"/>
+              <a:t>sind</a:t>
+            </a:r>
+            <a:r>
+              <a:rPr lang="en-US" sz="1600" dirty="0"/>
+              <a:t> für Insights </a:t>
+            </a:r>
+            <a:r>
+              <a:rPr lang="en-US" sz="1600" dirty="0" err="1"/>
+              <a:t>einzelner</a:t>
+            </a:r>
+            <a:r>
+              <a:rPr lang="en-US" sz="1600" dirty="0"/>
+              <a:t> </a:t>
+            </a:r>
+            <a:r>
+              <a:rPr lang="en-US" sz="1600" dirty="0" err="1"/>
+              <a:t>Kombinationen</a:t>
+            </a:r>
+            <a:r>
+              <a:rPr lang="en-US" sz="1600" dirty="0"/>
+              <a:t> (</a:t>
+            </a:r>
+            <a:r>
+              <a:rPr lang="en-US" sz="1600" dirty="0" err="1"/>
+              <a:t>z.B.</a:t>
+            </a:r>
+            <a:r>
+              <a:rPr lang="en-US" sz="1600" dirty="0"/>
+              <a:t> von </a:t>
+            </a:r>
+            <a:r>
+              <a:rPr lang="en-US" sz="1600" dirty="0" err="1"/>
+              <a:t>Produkten</a:t>
+            </a:r>
+            <a:r>
+              <a:rPr lang="en-US" sz="1600" dirty="0"/>
+              <a:t> </a:t>
+            </a:r>
+            <a:r>
+              <a:rPr lang="en-US" sz="1600" dirty="0" err="1"/>
+              <a:t>im</a:t>
+            </a:r>
+            <a:r>
+              <a:rPr lang="en-US" sz="1600" dirty="0"/>
+              <a:t> </a:t>
+            </a:r>
+            <a:r>
+              <a:rPr lang="en-US" sz="1600" dirty="0" err="1"/>
+              <a:t>Warenkorb</a:t>
+            </a:r>
+            <a:r>
+              <a:rPr lang="en-US" sz="1600" dirty="0"/>
+              <a:t>) </a:t>
             </a:r>
             <a:r>
               <a:rPr lang="en-US" sz="1600" dirty="0" err="1"/>
               <a:t>geeignet</a:t>
-            </a:r>
-            <a:r>
-              <a:rPr lang="en-US" sz="1600" dirty="0"/>
-              <a:t> </a:t>
-            </a:r>
-          </a:p>
-          <a:p>
-            <a:pPr lvl="1"/>
-            <a:r>
-              <a:rPr lang="en-US" sz="1600" dirty="0" err="1"/>
-              <a:t>sie</a:t>
-            </a:r>
-            <a:r>
-              <a:rPr lang="en-US" sz="1600" dirty="0"/>
-              <a:t> </a:t>
-            </a:r>
-            <a:r>
-              <a:rPr lang="en-US" sz="1600" dirty="0" err="1"/>
-              <a:t>sind</a:t>
-            </a:r>
-            <a:r>
-              <a:rPr lang="en-US" sz="1600" dirty="0"/>
-              <a:t> für Insights </a:t>
-            </a:r>
-            <a:r>
-              <a:rPr lang="en-US" sz="1600" dirty="0" err="1"/>
-              <a:t>einzelner</a:t>
-            </a:r>
-            <a:r>
-              <a:rPr lang="en-US" sz="1600" dirty="0"/>
-              <a:t> </a:t>
-            </a:r>
-            <a:r>
-              <a:rPr lang="en-US" sz="1600" dirty="0" err="1"/>
-              <a:t>Kombinationen</a:t>
-            </a:r>
-            <a:r>
-              <a:rPr lang="en-US" sz="1600" dirty="0"/>
-              <a:t> (</a:t>
-            </a:r>
-            <a:r>
-              <a:rPr lang="en-US" sz="1600" dirty="0" err="1"/>
-              <a:t>z.B.</a:t>
-            </a:r>
-            <a:r>
-              <a:rPr lang="en-US" sz="1600" dirty="0"/>
-              <a:t> von </a:t>
-            </a:r>
-            <a:r>
-              <a:rPr lang="en-US" sz="1600" dirty="0" err="1"/>
-              <a:t>Produkten</a:t>
-            </a:r>
-            <a:r>
-              <a:rPr lang="en-US" sz="1600" dirty="0"/>
-              <a:t> </a:t>
-            </a:r>
-            <a:r>
-              <a:rPr lang="en-US" sz="1600" dirty="0" err="1"/>
-              <a:t>im</a:t>
-            </a:r>
-            <a:r>
-              <a:rPr lang="en-US" sz="1600" dirty="0"/>
-              <a:t> </a:t>
-            </a:r>
-            <a:r>
-              <a:rPr lang="en-US" sz="1600" dirty="0" err="1"/>
-              <a:t>Warenkorb</a:t>
-            </a:r>
-            <a:r>
-              <a:rPr lang="en-US" sz="1600" dirty="0"/>
-              <a:t>) </a:t>
-            </a:r>
-            <a:r>
-              <a:rPr lang="en-US" sz="1600" dirty="0" err="1"/>
-              <a:t>geeiget</a:t>
             </a:r>
             <a:endParaRPr lang="en-US" sz="1600" dirty="0"/>
           </a:p>
@@ -9952,7 +10280,7 @@
             <a:fld id="{9C057DB4-583E-41A7-BD94-987342018C17}" type="slidenum">
               <a:rPr lang="en-GB" smtClean="0"/>
               <a:pPr/>
-              <a:t>5</a:t>
+              <a:t>6</a:t>
             </a:fld>
             <a:endParaRPr lang="en-GB" dirty="0"/>
           </a:p>
@@ -10208,14 +10536,14 @@
           <p:nvPr>
             <p:extLst>
               <p:ext uri="{D42A27DB-BD31-4B8C-83A1-F6EECF244321}">
-                <p14:modId xmlns:p14="http://schemas.microsoft.com/office/powerpoint/2010/main" val="4086438024"/>
+                <p14:modId xmlns:p14="http://schemas.microsoft.com/office/powerpoint/2010/main" val="3361487809"/>
               </p:ext>
             </p:extLst>
           </p:nvPr>
         </p:nvGraphicFramePr>
         <p:xfrm>
           <a:off x="246434" y="2829664"/>
-          <a:ext cx="8708885" cy="743630"/>
+          <a:ext cx="8708886" cy="743630"/>
         </p:xfrm>
         <a:graphic>
           <a:graphicData uri="http://schemas.openxmlformats.org/drawingml/2006/table">
@@ -10231,7 +10559,7 @@
                     </a:ext>
                   </a:extLst>
                 </a:gridCol>
-                <a:gridCol w="2127115">
+                <a:gridCol w="2127116">
                   <a:extLst>
                     <a:ext uri="{9D8B030D-6E8A-4147-A177-3AD203B41FA5}">
                       <a16:colId xmlns:a16="http://schemas.microsoft.com/office/drawing/2014/main" val="1291829637"/>
@@ -10397,7 +10725,7 @@
                     </a:solidFill>
                   </a:tcPr>
                 </a:tc>
-                <a:tc>
+                <a:tc gridSpan="2">
                   <a:txBody>
                     <a:bodyPr/>
                     <a:lstStyle/>
@@ -10419,7 +10747,25 @@
                     </a:solidFill>
                   </a:tcPr>
                 </a:tc>
-                <a:tc gridSpan="3">
+                <a:tc hMerge="1">
+                  <a:txBody>
+                    <a:bodyPr/>
+                    <a:lstStyle/>
+                    <a:p>
+                      <a:pPr algn="ctr"/>
+                      <a:endParaRPr lang="de-AT" dirty="0"/>
+                    </a:p>
+                  </a:txBody>
+                  <a:tcPr>
+                    <a:solidFill>
+                      <a:schemeClr val="accent4">
+                        <a:lumMod val="60000"/>
+                        <a:lumOff val="40000"/>
+                      </a:schemeClr>
+                    </a:solidFill>
+                  </a:tcPr>
+                </a:tc>
+                <a:tc gridSpan="2">
                   <a:txBody>
                     <a:bodyPr/>
                     <a:lstStyle/>
@@ -10440,16 +10786,6 @@
                       </a:schemeClr>
                     </a:solidFill>
                   </a:tcPr>
-                </a:tc>
-                <a:tc hMerge="1">
-                  <a:txBody>
-                    <a:bodyPr/>
-                    <a:lstStyle/>
-                    <a:p>
-                      <a:endParaRPr lang="de-AT" dirty="0"/>
-                    </a:p>
-                  </a:txBody>
-                  <a:tcPr/>
                 </a:tc>
                 <a:tc hMerge="1">
                   <a:txBody>
@@ -10484,7 +10820,7 @@
 </p:sld>
 </file>
 
-<file path=ppt/slides/slide6.xml><?xml version="1.0" encoding="utf-8"?>
+<file path=ppt/slides/slide7.xml><?xml version="1.0" encoding="utf-8"?>
 <p:sld xmlns:a="http://schemas.openxmlformats.org/drawingml/2006/main" xmlns:r="http://schemas.openxmlformats.org/officeDocument/2006/relationships" xmlns:p="http://schemas.openxmlformats.org/presentationml/2006/main">
   <p:cSld>
     <p:spTree>
@@ -10607,7 +10943,7 @@
           <a:p>
             <a:r>
               <a:rPr lang="en-US" sz="2000" dirty="0" err="1"/>
-              <a:t>Bewertete</a:t>
+              <a:t>Bewährte</a:t>
             </a:r>
             <a:r>
               <a:rPr lang="en-US" sz="2000" dirty="0"/>
@@ -10758,7 +11094,7 @@
             <a:fld id="{9C057DB4-583E-41A7-BD94-987342018C17}" type="slidenum">
               <a:rPr lang="en-GB" smtClean="0"/>
               <a:pPr/>
-              <a:t>6</a:t>
+              <a:t>7</a:t>
             </a:fld>
             <a:endParaRPr lang="en-GB" dirty="0"/>
           </a:p>
@@ -11226,7 +11562,7 @@
 </p:sld>
 </file>
 
-<file path=ppt/slides/slide7.xml><?xml version="1.0" encoding="utf-8"?>
+<file path=ppt/slides/slide8.xml><?xml version="1.0" encoding="utf-8"?>
 <p:sld xmlns:a="http://schemas.openxmlformats.org/drawingml/2006/main" xmlns:r="http://schemas.openxmlformats.org/officeDocument/2006/relationships" xmlns:p="http://schemas.openxmlformats.org/presentationml/2006/main">
   <p:cSld>
     <p:spTree>
